--- a/Analise_de_Sistemas/trabalho individual.pptx
+++ b/Analise_de_Sistemas/trabalho individual.pptx
@@ -15,6 +15,26 @@
     <p:sldId id="260" r:id="rId9"/>
     <p:sldId id="259" r:id="rId10"/>
     <p:sldId id="267" r:id="rId11"/>
+    <p:sldId id="274" r:id="rId12"/>
+    <p:sldId id="270" r:id="rId13"/>
+    <p:sldId id="271" r:id="rId14"/>
+    <p:sldId id="272" r:id="rId15"/>
+    <p:sldId id="278" r:id="rId16"/>
+    <p:sldId id="276" r:id="rId17"/>
+    <p:sldId id="277" r:id="rId18"/>
+    <p:sldId id="285" r:id="rId19"/>
+    <p:sldId id="280" r:id="rId20"/>
+    <p:sldId id="281" r:id="rId21"/>
+    <p:sldId id="282" r:id="rId22"/>
+    <p:sldId id="283" r:id="rId23"/>
+    <p:sldId id="284" r:id="rId24"/>
+    <p:sldId id="289" r:id="rId25"/>
+    <p:sldId id="290" r:id="rId26"/>
+    <p:sldId id="291" r:id="rId27"/>
+    <p:sldId id="286" r:id="rId28"/>
+    <p:sldId id="292" r:id="rId29"/>
+    <p:sldId id="288" r:id="rId30"/>
+    <p:sldId id="294" r:id="rId31"/>
   </p:sldIdLst>
   <p:sldSz cx="12192000" cy="6858000"/>
   <p:notesSz cx="6858000" cy="9144000"/>
@@ -6878,22 +6898,25 @@
 <file path=ppt/diagrams/data7.xml><?xml version="1.0" encoding="utf-8"?>
 <dgm:dataModel xmlns:dgm="http://schemas.openxmlformats.org/drawingml/2006/diagram" xmlns:a="http://schemas.openxmlformats.org/drawingml/2006/main">
   <dgm:ptLst>
-    <dgm:pt modelId="{5471336A-2B98-48FC-A201-7FC6F5B21D6B}" type="doc">
+    <dgm:pt modelId="{63DD2E96-94FF-4DFE-978D-AEB296909E45}" type="doc">
       <dgm:prSet loTypeId="urn:microsoft.com/office/officeart/2008/layout/CircularPictureCallout" loCatId="picture" qsTypeId="urn:microsoft.com/office/officeart/2005/8/quickstyle/simple1" qsCatId="simple" csTypeId="urn:microsoft.com/office/officeart/2005/8/colors/accent1_2" csCatId="accent1" phldr="1"/>
       <dgm:spPr/>
     </dgm:pt>
-    <dgm:pt modelId="{B9A4239B-2ED2-4E98-9A04-5352717E22DB}">
+    <dgm:pt modelId="{752B887D-F9D4-4B48-B47F-2B31FFFC4FAC}">
       <dgm:prSet phldrT="[Texto]"/>
       <dgm:spPr/>
       <dgm:t>
         <a:bodyPr/>
         <a:lstStyle/>
         <a:p>
+          <a:endParaRPr lang="pt-BR" dirty="0" smtClean="0"/>
+        </a:p>
+        <a:p>
           <a:endParaRPr lang="pt-BR" dirty="0"/>
         </a:p>
       </dgm:t>
     </dgm:pt>
-    <dgm:pt modelId="{7A80641E-CBE0-4C88-8B89-39053C93DA77}" type="parTrans" cxnId="{ECF60456-7A49-4C13-8ED4-183A40D4D059}">
+    <dgm:pt modelId="{9CFB2C48-D402-46F8-B635-E56D7748CE9E}" type="parTrans" cxnId="{5777DCDC-2F1C-49DE-B3FD-098F139B723A}">
       <dgm:prSet/>
       <dgm:spPr/>
       <dgm:t>
@@ -6904,7 +6927,7 @@
         </a:p>
       </dgm:t>
     </dgm:pt>
-    <dgm:pt modelId="{F4C8EE42-3E17-4AAC-9E70-F3C2C5BD6A34}" type="sibTrans" cxnId="{ECF60456-7A49-4C13-8ED4-183A40D4D059}">
+    <dgm:pt modelId="{B8B600CD-BA1D-48F0-95D4-3985412BDFBE}" type="sibTrans" cxnId="{5777DCDC-2F1C-49DE-B3FD-098F139B723A}">
       <dgm:prSet/>
       <dgm:spPr>
         <a:blipFill>
@@ -6917,7 +6940,7 @@
           </a:blip>
           <a:srcRect/>
           <a:stretch>
-            <a:fillRect l="-32000" r="-32000"/>
+            <a:fillRect l="-25000" r="-25000"/>
           </a:stretch>
         </a:blipFill>
         <a:ln>
@@ -6933,12 +6956,12 @@
       </dgm:t>
       <dgm:extLst>
         <a:ext uri="{E40237B7-FDA0-4F09-8148-C483321AD2D9}">
-          <dgm14:cNvPr xmlns:dgm14="http://schemas.microsoft.com/office/drawing/2010/diagram" id="0" name="" descr="Como atualizar aplicativos [Android e iPhone] | Aplicativos e Software |  Tecnoblog"/>
+          <dgm14:cNvPr xmlns:dgm14="http://schemas.microsoft.com/office/drawing/2010/diagram" id="0" name="" descr="Mesas de trabalho | Wallpaper é ao Domingo! - FCiências"/>
         </a:ext>
       </dgm:extLst>
     </dgm:pt>
-    <dgm:pt modelId="{6E8CE709-2400-4A10-BEC7-FD0F7659BA0C}" type="pres">
-      <dgm:prSet presAssocID="{5471336A-2B98-48FC-A201-7FC6F5B21D6B}" presName="Name0" presStyleCnt="0">
+    <dgm:pt modelId="{813C7E30-3473-4682-AAD6-373A4D811777}" type="pres">
+      <dgm:prSet presAssocID="{63DD2E96-94FF-4DFE-978D-AEB296909E45}" presName="Name0" presStyleCnt="0">
         <dgm:presLayoutVars>
           <dgm:chMax val="7"/>
           <dgm:chPref val="7"/>
@@ -6947,16 +6970,16 @@
       </dgm:prSet>
       <dgm:spPr/>
     </dgm:pt>
-    <dgm:pt modelId="{DCDB2CC4-9269-4FA9-9C29-2601490C2382}" type="pres">
-      <dgm:prSet presAssocID="{5471336A-2B98-48FC-A201-7FC6F5B21D6B}" presName="Name1" presStyleCnt="0"/>
+    <dgm:pt modelId="{C1CC18A5-89E3-445C-B9DF-FCCF1F33410C}" type="pres">
+      <dgm:prSet presAssocID="{63DD2E96-94FF-4DFE-978D-AEB296909E45}" presName="Name1" presStyleCnt="0"/>
       <dgm:spPr/>
     </dgm:pt>
-    <dgm:pt modelId="{EC05C02C-EA7C-4ADA-8143-E71C4039F96B}" type="pres">
-      <dgm:prSet presAssocID="{F4C8EE42-3E17-4AAC-9E70-F3C2C5BD6A34}" presName="picture_1" presStyleCnt="0"/>
+    <dgm:pt modelId="{48A984C4-F2C2-447D-8A1B-ED2F6ABDF8D2}" type="pres">
+      <dgm:prSet presAssocID="{B8B600CD-BA1D-48F0-95D4-3985412BDFBE}" presName="picture_1" presStyleCnt="0"/>
       <dgm:spPr/>
     </dgm:pt>
-    <dgm:pt modelId="{35C9B838-BF1B-484F-B63B-1BCE44AC0930}" type="pres">
-      <dgm:prSet presAssocID="{F4C8EE42-3E17-4AAC-9E70-F3C2C5BD6A34}" presName="pictureRepeatNode" presStyleLbl="alignImgPlace1" presStyleIdx="0" presStyleCnt="1" custLinFactNeighborX="-33730" custLinFactNeighborY="12839"/>
+    <dgm:pt modelId="{FF89F895-4FC8-4D60-95AB-72EFCB231994}" type="pres">
+      <dgm:prSet presAssocID="{B8B600CD-BA1D-48F0-95D4-3985412BDFBE}" presName="pictureRepeatNode" presStyleLbl="alignImgPlace1" presStyleIdx="0" presStyleCnt="1" custScaleX="176498" custScaleY="176498" custLinFactNeighborX="-16231" custLinFactNeighborY="13319"/>
       <dgm:spPr/>
       <dgm:t>
         <a:bodyPr/>
@@ -6966,8 +6989,8 @@
         </a:p>
       </dgm:t>
     </dgm:pt>
-    <dgm:pt modelId="{5A6E99FC-D29B-49CA-B1BC-B9BE5FBA0B37}" type="pres">
-      <dgm:prSet presAssocID="{B9A4239B-2ED2-4E98-9A04-5352717E22DB}" presName="text_1" presStyleLbl="node1" presStyleIdx="0" presStyleCnt="0">
+    <dgm:pt modelId="{5310F9BA-0575-4F39-BA49-562FE2561970}" type="pres">
+      <dgm:prSet presAssocID="{752B887D-F9D4-4B48-B47F-2B31FFFC4FAC}" presName="text_1" presStyleLbl="node1" presStyleIdx="0" presStyleCnt="0">
         <dgm:presLayoutVars>
           <dgm:bulletEnabled val="1"/>
         </dgm:presLayoutVars>
@@ -6983,20 +7006,20 @@
     </dgm:pt>
   </dgm:ptLst>
   <dgm:cxnLst>
-    <dgm:cxn modelId="{4F17F1A5-2595-4741-9284-A55333F25D47}" type="presOf" srcId="{B9A4239B-2ED2-4E98-9A04-5352717E22DB}" destId="{5A6E99FC-D29B-49CA-B1BC-B9BE5FBA0B37}" srcOrd="0" destOrd="0" presId="urn:microsoft.com/office/officeart/2008/layout/CircularPictureCallout"/>
-    <dgm:cxn modelId="{D1B10761-B886-4188-A6B1-D9CEBD8C5176}" type="presOf" srcId="{F4C8EE42-3E17-4AAC-9E70-F3C2C5BD6A34}" destId="{35C9B838-BF1B-484F-B63B-1BCE44AC0930}" srcOrd="0" destOrd="0" presId="urn:microsoft.com/office/officeart/2008/layout/CircularPictureCallout"/>
-    <dgm:cxn modelId="{4085C305-0FAE-4252-8C28-B18EED75CDF4}" type="presOf" srcId="{5471336A-2B98-48FC-A201-7FC6F5B21D6B}" destId="{6E8CE709-2400-4A10-BEC7-FD0F7659BA0C}" srcOrd="0" destOrd="0" presId="urn:microsoft.com/office/officeart/2008/layout/CircularPictureCallout"/>
-    <dgm:cxn modelId="{ECF60456-7A49-4C13-8ED4-183A40D4D059}" srcId="{5471336A-2B98-48FC-A201-7FC6F5B21D6B}" destId="{B9A4239B-2ED2-4E98-9A04-5352717E22DB}" srcOrd="0" destOrd="0" parTransId="{7A80641E-CBE0-4C88-8B89-39053C93DA77}" sibTransId="{F4C8EE42-3E17-4AAC-9E70-F3C2C5BD6A34}"/>
-    <dgm:cxn modelId="{49D3B7E4-7905-47B8-AF23-E3BDA56746BC}" type="presParOf" srcId="{6E8CE709-2400-4A10-BEC7-FD0F7659BA0C}" destId="{DCDB2CC4-9269-4FA9-9C29-2601490C2382}" srcOrd="0" destOrd="0" presId="urn:microsoft.com/office/officeart/2008/layout/CircularPictureCallout"/>
-    <dgm:cxn modelId="{85247E09-1CE3-47BA-A3B6-543B9CC37D7B}" type="presParOf" srcId="{DCDB2CC4-9269-4FA9-9C29-2601490C2382}" destId="{EC05C02C-EA7C-4ADA-8143-E71C4039F96B}" srcOrd="0" destOrd="0" presId="urn:microsoft.com/office/officeart/2008/layout/CircularPictureCallout"/>
-    <dgm:cxn modelId="{2C40F75D-97CC-4AC2-A14F-018E34804F36}" type="presParOf" srcId="{EC05C02C-EA7C-4ADA-8143-E71C4039F96B}" destId="{35C9B838-BF1B-484F-B63B-1BCE44AC0930}" srcOrd="0" destOrd="0" presId="urn:microsoft.com/office/officeart/2008/layout/CircularPictureCallout"/>
-    <dgm:cxn modelId="{E80C4012-FC0B-4A63-89FA-CE75CC558859}" type="presParOf" srcId="{DCDB2CC4-9269-4FA9-9C29-2601490C2382}" destId="{5A6E99FC-D29B-49CA-B1BC-B9BE5FBA0B37}" srcOrd="1" destOrd="0" presId="urn:microsoft.com/office/officeart/2008/layout/CircularPictureCallout"/>
+    <dgm:cxn modelId="{4D255DDB-114E-43DE-927A-3A7F26C22CF1}" type="presOf" srcId="{B8B600CD-BA1D-48F0-95D4-3985412BDFBE}" destId="{FF89F895-4FC8-4D60-95AB-72EFCB231994}" srcOrd="0" destOrd="0" presId="urn:microsoft.com/office/officeart/2008/layout/CircularPictureCallout"/>
+    <dgm:cxn modelId="{CE1618BC-F486-4B4A-841E-A2C3EBED0149}" type="presOf" srcId="{752B887D-F9D4-4B48-B47F-2B31FFFC4FAC}" destId="{5310F9BA-0575-4F39-BA49-562FE2561970}" srcOrd="0" destOrd="0" presId="urn:microsoft.com/office/officeart/2008/layout/CircularPictureCallout"/>
+    <dgm:cxn modelId="{9FEB47D2-2079-4DBC-9F74-65205CB82DC9}" type="presOf" srcId="{63DD2E96-94FF-4DFE-978D-AEB296909E45}" destId="{813C7E30-3473-4682-AAD6-373A4D811777}" srcOrd="0" destOrd="0" presId="urn:microsoft.com/office/officeart/2008/layout/CircularPictureCallout"/>
+    <dgm:cxn modelId="{5777DCDC-2F1C-49DE-B3FD-098F139B723A}" srcId="{63DD2E96-94FF-4DFE-978D-AEB296909E45}" destId="{752B887D-F9D4-4B48-B47F-2B31FFFC4FAC}" srcOrd="0" destOrd="0" parTransId="{9CFB2C48-D402-46F8-B635-E56D7748CE9E}" sibTransId="{B8B600CD-BA1D-48F0-95D4-3985412BDFBE}"/>
+    <dgm:cxn modelId="{913C3637-38DD-4500-849B-DD160F8796E1}" type="presParOf" srcId="{813C7E30-3473-4682-AAD6-373A4D811777}" destId="{C1CC18A5-89E3-445C-B9DF-FCCF1F33410C}" srcOrd="0" destOrd="0" presId="urn:microsoft.com/office/officeart/2008/layout/CircularPictureCallout"/>
+    <dgm:cxn modelId="{68B9BEC6-3817-414D-B5BE-BE51A885B405}" type="presParOf" srcId="{C1CC18A5-89E3-445C-B9DF-FCCF1F33410C}" destId="{48A984C4-F2C2-447D-8A1B-ED2F6ABDF8D2}" srcOrd="0" destOrd="0" presId="urn:microsoft.com/office/officeart/2008/layout/CircularPictureCallout"/>
+    <dgm:cxn modelId="{77D6DFFB-C843-4647-A47A-AA4C32743B94}" type="presParOf" srcId="{48A984C4-F2C2-447D-8A1B-ED2F6ABDF8D2}" destId="{FF89F895-4FC8-4D60-95AB-72EFCB231994}" srcOrd="0" destOrd="0" presId="urn:microsoft.com/office/officeart/2008/layout/CircularPictureCallout"/>
+    <dgm:cxn modelId="{05312BCB-FC6F-47C4-8E51-F776C7B25963}" type="presParOf" srcId="{C1CC18A5-89E3-445C-B9DF-FCCF1F33410C}" destId="{5310F9BA-0575-4F39-BA49-562FE2561970}" srcOrd="1" destOrd="0" presId="urn:microsoft.com/office/officeart/2008/layout/CircularPictureCallout"/>
   </dgm:cxnLst>
   <dgm:bg/>
   <dgm:whole/>
   <dgm:extLst>
     <a:ext uri="http://schemas.microsoft.com/office/drawing/2008/diagram">
-      <dsp:dataModelExt xmlns:dsp="http://schemas.microsoft.com/office/drawing/2008/diagram" relId="rId6" minVer="http://schemas.openxmlformats.org/drawingml/2006/diagram"/>
+      <dsp:dataModelExt xmlns:dsp="http://schemas.microsoft.com/office/drawing/2008/diagram" relId="rId7" minVer="http://schemas.openxmlformats.org/drawingml/2006/diagram"/>
     </a:ext>
   </dgm:extLst>
 </dgm:dataModel>
@@ -7905,15 +7928,15 @@
       <dsp:cNvGrpSpPr/>
     </dsp:nvGrpSpPr>
     <dsp:grpSpPr/>
-    <dsp:sp modelId="{35C9B838-BF1B-484F-B63B-1BCE44AC0930}">
+    <dsp:sp modelId="{FF89F895-4FC8-4D60-95AB-72EFCB231994}">
       <dsp:nvSpPr>
         <dsp:cNvPr id="0" name=""/>
         <dsp:cNvSpPr/>
       </dsp:nvSpPr>
       <dsp:spPr>
         <a:xfrm>
-          <a:off x="310589" y="377031"/>
-          <a:ext cx="1908967" cy="1908967"/>
+          <a:off x="0" y="255393"/>
+          <a:ext cx="2259384" cy="2259384"/>
         </a:xfrm>
         <a:prstGeom prst="ellipse">
           <a:avLst/>
@@ -7928,7 +7951,7 @@
           </a:blip>
           <a:srcRect/>
           <a:stretch>
-            <a:fillRect l="-32000" r="-32000"/>
+            <a:fillRect l="-25000" r="-25000"/>
           </a:stretch>
         </a:blipFill>
         <a:ln w="12700" cap="flat" cmpd="sng" algn="ctr">
@@ -7951,15 +7974,15 @@
         <a:fontRef idx="minor"/>
       </dsp:style>
     </dsp:sp>
-    <dsp:sp modelId="{5A6E99FC-D29B-49CA-B1BC-B9BE5FBA0B37}">
+    <dsp:sp modelId="{5310F9BA-0575-4F39-BA49-562FE2561970}">
       <dsp:nvSpPr>
         <dsp:cNvPr id="0" name=""/>
         <dsp:cNvSpPr/>
       </dsp:nvSpPr>
       <dsp:spPr>
         <a:xfrm>
-          <a:off x="1298097" y="1202177"/>
-          <a:ext cx="1221739" cy="629959"/>
+          <a:off x="870480" y="1297072"/>
+          <a:ext cx="819276" cy="422439"/>
         </a:xfrm>
         <a:prstGeom prst="rect">
           <a:avLst/>
@@ -7993,7 +8016,7 @@
         </a:bodyPr>
         <a:lstStyle/>
         <a:p>
-          <a:pPr lvl="0" algn="ctr" defTabSz="2000250">
+          <a:pPr lvl="0" algn="ctr" defTabSz="533400">
             <a:lnSpc>
               <a:spcPct val="90000"/>
             </a:lnSpc>
@@ -8004,12 +8027,26 @@
               <a:spcPct val="35000"/>
             </a:spcAft>
           </a:pPr>
-          <a:endParaRPr lang="pt-BR" sz="4500" kern="1200" dirty="0"/>
+          <a:endParaRPr lang="pt-BR" sz="1200" kern="1200" dirty="0" smtClean="0"/>
+        </a:p>
+        <a:p>
+          <a:pPr lvl="0" algn="ctr" defTabSz="533400">
+            <a:lnSpc>
+              <a:spcPct val="90000"/>
+            </a:lnSpc>
+            <a:spcBef>
+              <a:spcPct val="0"/>
+            </a:spcBef>
+            <a:spcAft>
+              <a:spcPct val="35000"/>
+            </a:spcAft>
+          </a:pPr>
+          <a:endParaRPr lang="pt-BR" sz="1200" kern="1200" dirty="0"/>
         </a:p>
       </dsp:txBody>
       <dsp:txXfrm>
-        <a:off x="1298097" y="1202177"/>
-        <a:ext cx="1221739" cy="629959"/>
+        <a:off x="870480" y="1297072"/>
+        <a:ext cx="819276" cy="422439"/>
       </dsp:txXfrm>
     </dsp:sp>
   </dsp:spTree>
@@ -27802,7 +27839,7 @@
           <a:p>
             <a:fld id="{805C08B1-56D0-4A49-9FD4-BFB6EBDBE882}" type="datetimeFigureOut">
               <a:rPr lang="pt-BR" smtClean="0"/>
-              <a:t>04/09/2020</a:t>
+              <a:t>19/11/2020</a:t>
             </a:fld>
             <a:endParaRPr lang="pt-BR"/>
           </a:p>
@@ -27972,7 +28009,7 @@
           <a:p>
             <a:fld id="{805C08B1-56D0-4A49-9FD4-BFB6EBDBE882}" type="datetimeFigureOut">
               <a:rPr lang="pt-BR" smtClean="0"/>
-              <a:t>04/09/2020</a:t>
+              <a:t>19/11/2020</a:t>
             </a:fld>
             <a:endParaRPr lang="pt-BR"/>
           </a:p>
@@ -28152,7 +28189,7 @@
           <a:p>
             <a:fld id="{805C08B1-56D0-4A49-9FD4-BFB6EBDBE882}" type="datetimeFigureOut">
               <a:rPr lang="pt-BR" smtClean="0"/>
-              <a:t>04/09/2020</a:t>
+              <a:t>19/11/2020</a:t>
             </a:fld>
             <a:endParaRPr lang="pt-BR"/>
           </a:p>
@@ -28322,7 +28359,7 @@
           <a:p>
             <a:fld id="{805C08B1-56D0-4A49-9FD4-BFB6EBDBE882}" type="datetimeFigureOut">
               <a:rPr lang="pt-BR" smtClean="0"/>
-              <a:t>04/09/2020</a:t>
+              <a:t>19/11/2020</a:t>
             </a:fld>
             <a:endParaRPr lang="pt-BR"/>
           </a:p>
@@ -28568,7 +28605,7 @@
           <a:p>
             <a:fld id="{805C08B1-56D0-4A49-9FD4-BFB6EBDBE882}" type="datetimeFigureOut">
               <a:rPr lang="pt-BR" smtClean="0"/>
-              <a:t>04/09/2020</a:t>
+              <a:t>19/11/2020</a:t>
             </a:fld>
             <a:endParaRPr lang="pt-BR"/>
           </a:p>
@@ -28800,7 +28837,7 @@
           <a:p>
             <a:fld id="{805C08B1-56D0-4A49-9FD4-BFB6EBDBE882}" type="datetimeFigureOut">
               <a:rPr lang="pt-BR" smtClean="0"/>
-              <a:t>04/09/2020</a:t>
+              <a:t>19/11/2020</a:t>
             </a:fld>
             <a:endParaRPr lang="pt-BR"/>
           </a:p>
@@ -29167,7 +29204,7 @@
           <a:p>
             <a:fld id="{805C08B1-56D0-4A49-9FD4-BFB6EBDBE882}" type="datetimeFigureOut">
               <a:rPr lang="pt-BR" smtClean="0"/>
-              <a:t>04/09/2020</a:t>
+              <a:t>19/11/2020</a:t>
             </a:fld>
             <a:endParaRPr lang="pt-BR"/>
           </a:p>
@@ -29285,7 +29322,7 @@
           <a:p>
             <a:fld id="{805C08B1-56D0-4A49-9FD4-BFB6EBDBE882}" type="datetimeFigureOut">
               <a:rPr lang="pt-BR" smtClean="0"/>
-              <a:t>04/09/2020</a:t>
+              <a:t>19/11/2020</a:t>
             </a:fld>
             <a:endParaRPr lang="pt-BR"/>
           </a:p>
@@ -29380,7 +29417,7 @@
           <a:p>
             <a:fld id="{805C08B1-56D0-4A49-9FD4-BFB6EBDBE882}" type="datetimeFigureOut">
               <a:rPr lang="pt-BR" smtClean="0"/>
-              <a:t>04/09/2020</a:t>
+              <a:t>19/11/2020</a:t>
             </a:fld>
             <a:endParaRPr lang="pt-BR"/>
           </a:p>
@@ -29657,7 +29694,7 @@
           <a:p>
             <a:fld id="{805C08B1-56D0-4A49-9FD4-BFB6EBDBE882}" type="datetimeFigureOut">
               <a:rPr lang="pt-BR" smtClean="0"/>
-              <a:t>04/09/2020</a:t>
+              <a:t>19/11/2020</a:t>
             </a:fld>
             <a:endParaRPr lang="pt-BR"/>
           </a:p>
@@ -29910,7 +29947,7 @@
           <a:p>
             <a:fld id="{805C08B1-56D0-4A49-9FD4-BFB6EBDBE882}" type="datetimeFigureOut">
               <a:rPr lang="pt-BR" smtClean="0"/>
-              <a:t>04/09/2020</a:t>
+              <a:t>19/11/2020</a:t>
             </a:fld>
             <a:endParaRPr lang="pt-BR"/>
           </a:p>
@@ -30123,7 +30160,7 @@
           <a:p>
             <a:fld id="{805C08B1-56D0-4A49-9FD4-BFB6EBDBE882}" type="datetimeFigureOut">
               <a:rPr lang="pt-BR" smtClean="0"/>
-              <a:t>04/09/2020</a:t>
+              <a:t>19/11/2020</a:t>
             </a:fld>
             <a:endParaRPr lang="pt-BR"/>
           </a:p>
@@ -30831,7 +30868,7 @@
         <p:spPr>
           <a:xfrm>
             <a:off x="1094792" y="3394498"/>
-            <a:ext cx="6069304" cy="1323439"/>
+            <a:ext cx="6069304" cy="1631216"/>
           </a:xfrm>
           <a:prstGeom prst="rect">
             <a:avLst/>
@@ -30852,7 +30889,7 @@
                 </a:solidFill>
                 <a:latin typeface="Bahnschrift SemiBold" panose="020B0502040204020203" pitchFamily="34" charset="0"/>
               </a:rPr>
-              <a:t>Para resolver o problema de ultrapassagem tecnológica dos celulares, desenvolvemos um aplicativo no qual transmitirá o aplicativo que o usuário quiser usar através de streaming.</a:t>
+              <a:t>Para resolver o problema de ultrapassagem tecnológica dos celulares e computadores, desenvolvemos um aplicativo no qual transmitirá o aplicativo/programa que o usuário quiser usar através de streaming.</a:t>
             </a:r>
             <a:endParaRPr lang="pt-BR" sz="2000" dirty="0">
               <a:solidFill>
@@ -30927,6 +30964,63 @@
             </a:r>
           </a:p>
         </p:txBody>
+      </p:sp>
+      <p:sp>
+        <p:nvSpPr>
+          <p:cNvPr id="11" name="Elipse 10" descr="Mesas de trabalho | Wallpaper é ao Domingo! - FCiências"/>
+          <p:cNvSpPr/>
+          <p:nvPr/>
+        </p:nvSpPr>
+        <p:spPr>
+          <a:xfrm>
+            <a:off x="6476269" y="272155"/>
+            <a:ext cx="2259384" cy="2259384"/>
+          </a:xfrm>
+          <a:prstGeom prst="ellipse">
+            <a:avLst/>
+          </a:prstGeom>
+          <a:blipFill>
+            <a:blip r:embed="rId17">
+              <a:extLst>
+                <a:ext uri="{28A0092B-C50C-407E-A947-70E740481C1C}">
+                  <a14:useLocalDpi xmlns:a14="http://schemas.microsoft.com/office/drawing/2010/main" val="0"/>
+                </a:ext>
+              </a:extLst>
+            </a:blip>
+            <a:srcRect/>
+            <a:stretch>
+              <a:fillRect l="-25000" r="-25000"/>
+            </a:stretch>
+          </a:blipFill>
+          <a:ln>
+            <a:noFill/>
+          </a:ln>
+        </p:spPr>
+        <p:style>
+          <a:lnRef idx="2">
+            <a:scrgbClr r="0" g="0" b="0"/>
+          </a:lnRef>
+          <a:fillRef idx="1">
+            <a:scrgbClr r="0" g="0" b="0"/>
+          </a:fillRef>
+          <a:effectRef idx="0">
+            <a:schemeClr val="accent1">
+              <a:tint val="50000"/>
+              <a:hueOff val="0"/>
+              <a:satOff val="0"/>
+              <a:lumOff val="0"/>
+              <a:alphaOff val="0"/>
+            </a:schemeClr>
+          </a:effectRef>
+          <a:fontRef idx="minor">
+            <a:schemeClr val="lt1">
+              <a:hueOff val="0"/>
+              <a:satOff val="0"/>
+              <a:lumOff val="0"/>
+              <a:alphaOff val="0"/>
+            </a:schemeClr>
+          </a:fontRef>
+        </p:style>
       </p:sp>
     </p:spTree>
     <p:extLst>
@@ -31015,7 +31109,7 @@
           <p:nvPr>
             <p:extLst>
               <p:ext uri="{D42A27DB-BD31-4B8C-83A1-F6EECF244321}">
-                <p14:modId xmlns:p14="http://schemas.microsoft.com/office/powerpoint/2010/main" val="2293656202"/>
+                <p14:modId xmlns:p14="http://schemas.microsoft.com/office/powerpoint/2010/main" val="2189537536"/>
               </p:ext>
             </p:extLst>
           </p:nvPr>
@@ -32148,7 +32242,7 @@
                           </a:solidFill>
                           <a:latin typeface="Bahnschrift SemiBold" panose="020B0502040204020203" pitchFamily="34" charset="0"/>
                         </a:rPr>
-                        <a:t>O aplicativo deve ter uma interface</a:t>
+                        <a:t>A aplicação deve ter uma interface</a:t>
                       </a:r>
                       <a:r>
                         <a:rPr lang="pt-BR" sz="1200" baseline="0" dirty="0" smtClean="0">
@@ -33198,7 +33292,7 @@
                           </a:solidFill>
                           <a:latin typeface="Bahnschrift SemiBold" panose="020B0502040204020203" pitchFamily="34" charset="0"/>
                         </a:rPr>
-                        <a:t> aplicativos desejáveis</a:t>
+                        <a:t> aplicativos/programas desejáveis</a:t>
                       </a:r>
                       <a:endParaRPr lang="pt-BR" sz="1200" dirty="0">
                         <a:solidFill>
@@ -33539,7 +33633,7 @@
                           </a:solidFill>
                           <a:latin typeface="Bahnschrift SemiBold" panose="020B0502040204020203" pitchFamily="34" charset="0"/>
                         </a:rPr>
-                        <a:t> deve conter uma biblioteca de aplicativos adquiridos pelo usuário</a:t>
+                        <a:t> deve conter uma biblioteca de aplicativos/programas adquiridos pelo usuário</a:t>
                       </a:r>
                       <a:endParaRPr lang="pt-BR" sz="1200" dirty="0">
                         <a:solidFill>
@@ -33881,6 +33975,15 @@
                           <a:latin typeface="Bahnschrift SemiBold" panose="020B0502040204020203" pitchFamily="34" charset="0"/>
                         </a:rPr>
                         <a:t>apps</a:t>
+                      </a:r>
+                      <a:r>
+                        <a:rPr lang="pt-BR" sz="1200" dirty="0" smtClean="0">
+                          <a:solidFill>
+                            <a:schemeClr val="bg1"/>
+                          </a:solidFill>
+                          <a:latin typeface="Bahnschrift SemiBold" panose="020B0502040204020203" pitchFamily="34" charset="0"/>
+                        </a:rPr>
+                        <a:t>/programas</a:t>
                       </a:r>
                       <a:endParaRPr lang="pt-BR" sz="1200" dirty="0">
                         <a:solidFill>
@@ -35466,6 +35569,1996 @@
 </p:sld>
 </file>
 
+<file path=ppt/slides/slide11.xml><?xml version="1.0" encoding="utf-8"?>
+<p:sld xmlns:a="http://schemas.openxmlformats.org/drawingml/2006/main" xmlns:r="http://schemas.openxmlformats.org/officeDocument/2006/relationships" xmlns:p="http://schemas.openxmlformats.org/presentationml/2006/main">
+  <p:cSld>
+    <p:bg>
+      <p:bgPr>
+        <a:solidFill>
+          <a:srgbClr val="DCE1E7"/>
+        </a:solidFill>
+        <a:effectLst/>
+      </p:bgPr>
+    </p:bg>
+    <p:spTree>
+      <p:nvGrpSpPr>
+        <p:cNvPr id="1" name=""/>
+        <p:cNvGrpSpPr/>
+        <p:nvPr/>
+      </p:nvGrpSpPr>
+      <p:grpSpPr>
+        <a:xfrm>
+          <a:off x="0" y="0"/>
+          <a:ext cx="0" cy="0"/>
+          <a:chOff x="0" y="0"/>
+          <a:chExt cx="0" cy="0"/>
+        </a:xfrm>
+      </p:grpSpPr>
+      <p:sp>
+        <p:nvSpPr>
+          <p:cNvPr id="2" name="Retângulo 1"/>
+          <p:cNvSpPr/>
+          <p:nvPr/>
+        </p:nvSpPr>
+        <p:spPr>
+          <a:xfrm>
+            <a:off x="1094792" y="1021702"/>
+            <a:ext cx="10002417" cy="4814596"/>
+          </a:xfrm>
+          <a:prstGeom prst="rect">
+            <a:avLst/>
+          </a:prstGeom>
+          <a:solidFill>
+            <a:srgbClr val="323947"/>
+          </a:solidFill>
+          <a:ln>
+            <a:solidFill>
+              <a:srgbClr val="323947"/>
+            </a:solidFill>
+          </a:ln>
+        </p:spPr>
+        <p:style>
+          <a:lnRef idx="2">
+            <a:schemeClr val="accent1">
+              <a:shade val="50000"/>
+            </a:schemeClr>
+          </a:lnRef>
+          <a:fillRef idx="1">
+            <a:schemeClr val="accent1"/>
+          </a:fillRef>
+          <a:effectRef idx="0">
+            <a:schemeClr val="accent1"/>
+          </a:effectRef>
+          <a:fontRef idx="minor">
+            <a:schemeClr val="lt1"/>
+          </a:fontRef>
+        </p:style>
+        <p:txBody>
+          <a:bodyPr rtlCol="0" anchor="ctr"/>
+          <a:lstStyle/>
+          <a:p>
+            <a:pPr algn="ctr"/>
+            <a:endParaRPr lang="pt-BR"/>
+          </a:p>
+        </p:txBody>
+      </p:sp>
+      <p:sp>
+        <p:nvSpPr>
+          <p:cNvPr id="3" name="Retângulo 2"/>
+          <p:cNvSpPr/>
+          <p:nvPr/>
+        </p:nvSpPr>
+        <p:spPr>
+          <a:xfrm>
+            <a:off x="7164096" y="0"/>
+            <a:ext cx="3545633" cy="6531428"/>
+          </a:xfrm>
+          <a:prstGeom prst="rect">
+            <a:avLst/>
+          </a:prstGeom>
+          <a:solidFill>
+            <a:srgbClr val="FFB700"/>
+          </a:solidFill>
+          <a:ln>
+            <a:noFill/>
+          </a:ln>
+        </p:spPr>
+        <p:style>
+          <a:lnRef idx="2">
+            <a:schemeClr val="accent1">
+              <a:shade val="50000"/>
+            </a:schemeClr>
+          </a:lnRef>
+          <a:fillRef idx="1">
+            <a:schemeClr val="accent1"/>
+          </a:fillRef>
+          <a:effectRef idx="0">
+            <a:schemeClr val="accent1"/>
+          </a:effectRef>
+          <a:fontRef idx="minor">
+            <a:schemeClr val="lt1"/>
+          </a:fontRef>
+        </p:style>
+        <p:txBody>
+          <a:bodyPr rtlCol="0" anchor="ctr"/>
+          <a:lstStyle/>
+          <a:p>
+            <a:pPr algn="ctr"/>
+            <a:endParaRPr lang="pt-BR"/>
+          </a:p>
+        </p:txBody>
+      </p:sp>
+      <p:sp>
+        <p:nvSpPr>
+          <p:cNvPr id="4" name="Elipse 3" descr="Como atualizar aplicativos [Android e iPhone] | Aplicativos e Software |  Tecnoblog"/>
+          <p:cNvSpPr/>
+          <p:nvPr/>
+        </p:nvSpPr>
+        <p:spPr>
+          <a:xfrm>
+            <a:off x="9381982" y="4881814"/>
+            <a:ext cx="1908967" cy="1908967"/>
+          </a:xfrm>
+          <a:prstGeom prst="ellipse">
+            <a:avLst/>
+          </a:prstGeom>
+          <a:blipFill>
+            <a:blip r:embed="rId2">
+              <a:extLst>
+                <a:ext uri="{28A0092B-C50C-407E-A947-70E740481C1C}">
+                  <a14:useLocalDpi xmlns:a14="http://schemas.microsoft.com/office/drawing/2010/main" val="0"/>
+                </a:ext>
+              </a:extLst>
+            </a:blip>
+            <a:srcRect/>
+            <a:stretch>
+              <a:fillRect l="-32000" r="-32000"/>
+            </a:stretch>
+          </a:blipFill>
+          <a:ln>
+            <a:noFill/>
+          </a:ln>
+        </p:spPr>
+        <p:style>
+          <a:lnRef idx="2">
+            <a:scrgbClr r="0" g="0" b="0"/>
+          </a:lnRef>
+          <a:fillRef idx="1">
+            <a:scrgbClr r="0" g="0" b="0"/>
+          </a:fillRef>
+          <a:effectRef idx="0">
+            <a:schemeClr val="accent1">
+              <a:tint val="50000"/>
+              <a:hueOff val="0"/>
+              <a:satOff val="0"/>
+              <a:lumOff val="0"/>
+              <a:alphaOff val="0"/>
+            </a:schemeClr>
+          </a:effectRef>
+          <a:fontRef idx="minor">
+            <a:schemeClr val="lt1">
+              <a:hueOff val="0"/>
+              <a:satOff val="0"/>
+              <a:lumOff val="0"/>
+              <a:alphaOff val="0"/>
+            </a:schemeClr>
+          </a:fontRef>
+        </p:style>
+      </p:sp>
+      <p:sp>
+        <p:nvSpPr>
+          <p:cNvPr id="5" name="Elipse 4" descr="Mesas de trabalho | Wallpaper é ao Domingo! - FCiências"/>
+          <p:cNvSpPr/>
+          <p:nvPr/>
+        </p:nvSpPr>
+        <p:spPr>
+          <a:xfrm>
+            <a:off x="7547359" y="187304"/>
+            <a:ext cx="2789106" cy="2789106"/>
+          </a:xfrm>
+          <a:prstGeom prst="ellipse">
+            <a:avLst/>
+          </a:prstGeom>
+          <a:blipFill>
+            <a:blip r:embed="rId3">
+              <a:extLst>
+                <a:ext uri="{28A0092B-C50C-407E-A947-70E740481C1C}">
+                  <a14:useLocalDpi xmlns:a14="http://schemas.microsoft.com/office/drawing/2010/main" val="0"/>
+                </a:ext>
+              </a:extLst>
+            </a:blip>
+            <a:srcRect/>
+            <a:stretch>
+              <a:fillRect l="-25000" r="-25000"/>
+            </a:stretch>
+          </a:blipFill>
+          <a:ln>
+            <a:noFill/>
+          </a:ln>
+        </p:spPr>
+        <p:style>
+          <a:lnRef idx="2">
+            <a:scrgbClr r="0" g="0" b="0"/>
+          </a:lnRef>
+          <a:fillRef idx="1">
+            <a:scrgbClr r="0" g="0" b="0"/>
+          </a:fillRef>
+          <a:effectRef idx="0">
+            <a:schemeClr val="accent1">
+              <a:tint val="50000"/>
+              <a:hueOff val="0"/>
+              <a:satOff val="0"/>
+              <a:lumOff val="0"/>
+              <a:alphaOff val="0"/>
+            </a:schemeClr>
+          </a:effectRef>
+          <a:fontRef idx="minor">
+            <a:schemeClr val="lt1">
+              <a:hueOff val="0"/>
+              <a:satOff val="0"/>
+              <a:lumOff val="0"/>
+              <a:alphaOff val="0"/>
+            </a:schemeClr>
+          </a:fontRef>
+        </p:style>
+      </p:sp>
+      <p:sp>
+        <p:nvSpPr>
+          <p:cNvPr id="7" name="CaixaDeTexto 6"/>
+          <p:cNvSpPr txBox="1"/>
+          <p:nvPr/>
+        </p:nvSpPr>
+        <p:spPr>
+          <a:xfrm>
+            <a:off x="1094792" y="2321004"/>
+            <a:ext cx="6069304" cy="2215991"/>
+          </a:xfrm>
+          <a:prstGeom prst="rect">
+            <a:avLst/>
+          </a:prstGeom>
+          <a:noFill/>
+        </p:spPr>
+        <p:txBody>
+          <a:bodyPr wrap="square" rtlCol="0">
+            <a:spAutoFit/>
+          </a:bodyPr>
+          <a:lstStyle/>
+          <a:p>
+            <a:pPr algn="ctr"/>
+            <a:r>
+              <a:rPr lang="pt-BR" sz="13800" dirty="0" smtClean="0">
+                <a:solidFill>
+                  <a:srgbClr val="FFB700"/>
+                </a:solidFill>
+                <a:latin typeface="Bahnschrift SemiBold" panose="020B0502040204020203" pitchFamily="34" charset="0"/>
+              </a:rPr>
+              <a:t>B</a:t>
+            </a:r>
+            <a:r>
+              <a:rPr lang="pt-BR" sz="13800" dirty="0" smtClean="0">
+                <a:solidFill>
+                  <a:schemeClr val="bg1"/>
+                </a:solidFill>
+                <a:latin typeface="Bahnschrift SemiBold" panose="020B0502040204020203" pitchFamily="34" charset="0"/>
+              </a:rPr>
+              <a:t>P</a:t>
+            </a:r>
+            <a:r>
+              <a:rPr lang="pt-BR" sz="13800" dirty="0" smtClean="0">
+                <a:solidFill>
+                  <a:srgbClr val="FFB700"/>
+                </a:solidFill>
+                <a:latin typeface="Bahnschrift SemiBold" panose="020B0502040204020203" pitchFamily="34" charset="0"/>
+              </a:rPr>
+              <a:t>M</a:t>
+            </a:r>
+            <a:r>
+              <a:rPr lang="pt-BR" sz="13800" dirty="0" smtClean="0">
+                <a:solidFill>
+                  <a:schemeClr val="bg1"/>
+                </a:solidFill>
+                <a:latin typeface="Bahnschrift SemiBold" panose="020B0502040204020203" pitchFamily="34" charset="0"/>
+              </a:rPr>
+              <a:t>N</a:t>
+            </a:r>
+            <a:endParaRPr lang="pt-BR" sz="13800" dirty="0">
+              <a:solidFill>
+                <a:schemeClr val="bg1"/>
+              </a:solidFill>
+              <a:latin typeface="Bahnschrift SemiBold" panose="020B0502040204020203" pitchFamily="34" charset="0"/>
+            </a:endParaRPr>
+          </a:p>
+        </p:txBody>
+      </p:sp>
+      <p:sp>
+        <p:nvSpPr>
+          <p:cNvPr id="9" name="Elipse 8" descr="Coreia do Sul tem primeiro celular no mundo com acesso a rede 5G ..."/>
+          <p:cNvSpPr/>
+          <p:nvPr/>
+        </p:nvSpPr>
+        <p:spPr>
+          <a:xfrm>
+            <a:off x="6988280" y="3142037"/>
+            <a:ext cx="2468586" cy="2346045"/>
+          </a:xfrm>
+          <a:prstGeom prst="ellipse">
+            <a:avLst/>
+          </a:prstGeom>
+          <a:blipFill>
+            <a:blip r:embed="rId4" cstate="print">
+              <a:extLst>
+                <a:ext uri="{28A0092B-C50C-407E-A947-70E740481C1C}">
+                  <a14:useLocalDpi xmlns:a14="http://schemas.microsoft.com/office/drawing/2010/main" val="0"/>
+                </a:ext>
+              </a:extLst>
+            </a:blip>
+            <a:srcRect/>
+            <a:stretch>
+              <a:fillRect l="-25000" r="-25000"/>
+            </a:stretch>
+          </a:blipFill>
+          <a:ln>
+            <a:noFill/>
+          </a:ln>
+        </p:spPr>
+        <p:style>
+          <a:lnRef idx="2">
+            <a:scrgbClr r="0" g="0" b="0"/>
+          </a:lnRef>
+          <a:fillRef idx="1">
+            <a:scrgbClr r="0" g="0" b="0"/>
+          </a:fillRef>
+          <a:effectRef idx="0">
+            <a:schemeClr val="accent1">
+              <a:tint val="50000"/>
+              <a:hueOff val="0"/>
+              <a:satOff val="0"/>
+              <a:lumOff val="0"/>
+              <a:alphaOff val="0"/>
+            </a:schemeClr>
+          </a:effectRef>
+          <a:fontRef idx="minor">
+            <a:schemeClr val="lt1">
+              <a:hueOff val="0"/>
+              <a:satOff val="0"/>
+              <a:lumOff val="0"/>
+              <a:alphaOff val="0"/>
+            </a:schemeClr>
+          </a:fontRef>
+        </p:style>
+      </p:sp>
+    </p:spTree>
+    <p:extLst>
+      <p:ext uri="{BB962C8B-B14F-4D97-AF65-F5344CB8AC3E}">
+        <p14:creationId xmlns:p14="http://schemas.microsoft.com/office/powerpoint/2010/main" val="3805691443"/>
+      </p:ext>
+    </p:extLst>
+  </p:cSld>
+  <p:clrMapOvr>
+    <a:masterClrMapping/>
+  </p:clrMapOvr>
+</p:sld>
+</file>
+
+<file path=ppt/slides/slide12.xml><?xml version="1.0" encoding="utf-8"?>
+<p:sld xmlns:a="http://schemas.openxmlformats.org/drawingml/2006/main" xmlns:r="http://schemas.openxmlformats.org/officeDocument/2006/relationships" xmlns:p="http://schemas.openxmlformats.org/presentationml/2006/main">
+  <p:cSld>
+    <p:bg>
+      <p:bgPr>
+        <a:solidFill>
+          <a:srgbClr val="DCE1E7"/>
+        </a:solidFill>
+        <a:effectLst/>
+      </p:bgPr>
+    </p:bg>
+    <p:spTree>
+      <p:nvGrpSpPr>
+        <p:cNvPr id="1" name=""/>
+        <p:cNvGrpSpPr/>
+        <p:nvPr/>
+      </p:nvGrpSpPr>
+      <p:grpSpPr>
+        <a:xfrm>
+          <a:off x="0" y="0"/>
+          <a:ext cx="0" cy="0"/>
+          <a:chOff x="0" y="0"/>
+          <a:chExt cx="0" cy="0"/>
+        </a:xfrm>
+      </p:grpSpPr>
+      <p:sp>
+        <p:nvSpPr>
+          <p:cNvPr id="6" name="Retângulo 5"/>
+          <p:cNvSpPr/>
+          <p:nvPr/>
+        </p:nvSpPr>
+        <p:spPr>
+          <a:xfrm>
+            <a:off x="298450" y="266700"/>
+            <a:ext cx="11595100" cy="6324600"/>
+          </a:xfrm>
+          <a:prstGeom prst="rect">
+            <a:avLst/>
+          </a:prstGeom>
+          <a:solidFill>
+            <a:srgbClr val="323947"/>
+          </a:solidFill>
+          <a:ln>
+            <a:solidFill>
+              <a:srgbClr val="323947"/>
+            </a:solidFill>
+          </a:ln>
+        </p:spPr>
+        <p:style>
+          <a:lnRef idx="2">
+            <a:schemeClr val="accent1">
+              <a:shade val="50000"/>
+            </a:schemeClr>
+          </a:lnRef>
+          <a:fillRef idx="1">
+            <a:schemeClr val="accent1"/>
+          </a:fillRef>
+          <a:effectRef idx="0">
+            <a:schemeClr val="accent1"/>
+          </a:effectRef>
+          <a:fontRef idx="minor">
+            <a:schemeClr val="lt1"/>
+          </a:fontRef>
+        </p:style>
+        <p:txBody>
+          <a:bodyPr rtlCol="0" anchor="ctr"/>
+          <a:lstStyle/>
+          <a:p>
+            <a:pPr algn="ctr"/>
+            <a:endParaRPr lang="pt-BR"/>
+          </a:p>
+        </p:txBody>
+      </p:sp>
+      <p:sp>
+        <p:nvSpPr>
+          <p:cNvPr id="7" name="Retângulo 6"/>
+          <p:cNvSpPr/>
+          <p:nvPr/>
+        </p:nvSpPr>
+        <p:spPr>
+          <a:xfrm>
+            <a:off x="2375548" y="0"/>
+            <a:ext cx="7440904" cy="838200"/>
+          </a:xfrm>
+          <a:prstGeom prst="rect">
+            <a:avLst/>
+          </a:prstGeom>
+          <a:solidFill>
+            <a:srgbClr val="FFB700"/>
+          </a:solidFill>
+          <a:ln>
+            <a:noFill/>
+          </a:ln>
+        </p:spPr>
+        <p:style>
+          <a:lnRef idx="2">
+            <a:schemeClr val="accent1">
+              <a:shade val="50000"/>
+            </a:schemeClr>
+          </a:lnRef>
+          <a:fillRef idx="1">
+            <a:schemeClr val="accent1"/>
+          </a:fillRef>
+          <a:effectRef idx="0">
+            <a:schemeClr val="accent1"/>
+          </a:effectRef>
+          <a:fontRef idx="minor">
+            <a:schemeClr val="lt1"/>
+          </a:fontRef>
+        </p:style>
+        <p:txBody>
+          <a:bodyPr rtlCol="0" anchor="ctr"/>
+          <a:lstStyle/>
+          <a:p>
+            <a:pPr algn="ctr"/>
+            <a:endParaRPr lang="pt-BR"/>
+          </a:p>
+        </p:txBody>
+      </p:sp>
+      <p:sp>
+        <p:nvSpPr>
+          <p:cNvPr id="13" name="CaixaDeTexto 12"/>
+          <p:cNvSpPr txBox="1"/>
+          <p:nvPr/>
+        </p:nvSpPr>
+        <p:spPr>
+          <a:xfrm>
+            <a:off x="1927346" y="65157"/>
+            <a:ext cx="8273056" cy="769441"/>
+          </a:xfrm>
+          <a:prstGeom prst="rect">
+            <a:avLst/>
+          </a:prstGeom>
+          <a:noFill/>
+        </p:spPr>
+        <p:txBody>
+          <a:bodyPr wrap="square" rtlCol="0">
+            <a:spAutoFit/>
+          </a:bodyPr>
+          <a:lstStyle/>
+          <a:p>
+            <a:pPr algn="ctr"/>
+            <a:r>
+              <a:rPr lang="pt-BR" sz="4400" dirty="0" smtClean="0">
+                <a:solidFill>
+                  <a:schemeClr val="bg1"/>
+                </a:solidFill>
+                <a:latin typeface="Bahnschrift SemiBold" panose="020B0502040204020203" pitchFamily="34" charset="0"/>
+              </a:rPr>
+              <a:t>BPMN-Uso do aplicativo</a:t>
+            </a:r>
+            <a:endParaRPr lang="pt-BR" sz="4400" dirty="0">
+              <a:solidFill>
+                <a:schemeClr val="bg1"/>
+              </a:solidFill>
+              <a:latin typeface="Bahnschrift SemiBold" panose="020B0502040204020203" pitchFamily="34" charset="0"/>
+            </a:endParaRPr>
+          </a:p>
+        </p:txBody>
+      </p:sp>
+      <p:pic>
+        <p:nvPicPr>
+          <p:cNvPr id="2" name="Imagem 1"/>
+          <p:cNvPicPr>
+            <a:picLocks noChangeAspect="1"/>
+          </p:cNvPicPr>
+          <p:nvPr/>
+        </p:nvPicPr>
+        <p:blipFill>
+          <a:blip r:embed="rId2"/>
+          <a:stretch>
+            <a:fillRect/>
+          </a:stretch>
+        </p:blipFill>
+        <p:spPr>
+          <a:xfrm>
+            <a:off x="1154952" y="1036141"/>
+            <a:ext cx="9817844" cy="5153366"/>
+          </a:xfrm>
+          <a:prstGeom prst="rect">
+            <a:avLst/>
+          </a:prstGeom>
+        </p:spPr>
+      </p:pic>
+    </p:spTree>
+    <p:extLst>
+      <p:ext uri="{BB962C8B-B14F-4D97-AF65-F5344CB8AC3E}">
+        <p14:creationId xmlns:p14="http://schemas.microsoft.com/office/powerpoint/2010/main" val="354820376"/>
+      </p:ext>
+    </p:extLst>
+  </p:cSld>
+  <p:clrMapOvr>
+    <a:masterClrMapping/>
+  </p:clrMapOvr>
+</p:sld>
+</file>
+
+<file path=ppt/slides/slide13.xml><?xml version="1.0" encoding="utf-8"?>
+<p:sld xmlns:a="http://schemas.openxmlformats.org/drawingml/2006/main" xmlns:r="http://schemas.openxmlformats.org/officeDocument/2006/relationships" xmlns:p="http://schemas.openxmlformats.org/presentationml/2006/main">
+  <p:cSld>
+    <p:bg>
+      <p:bgPr>
+        <a:solidFill>
+          <a:srgbClr val="DCE1E7"/>
+        </a:solidFill>
+        <a:effectLst/>
+      </p:bgPr>
+    </p:bg>
+    <p:spTree>
+      <p:nvGrpSpPr>
+        <p:cNvPr id="1" name=""/>
+        <p:cNvGrpSpPr/>
+        <p:nvPr/>
+      </p:nvGrpSpPr>
+      <p:grpSpPr>
+        <a:xfrm>
+          <a:off x="0" y="0"/>
+          <a:ext cx="0" cy="0"/>
+          <a:chOff x="0" y="0"/>
+          <a:chExt cx="0" cy="0"/>
+        </a:xfrm>
+      </p:grpSpPr>
+      <p:sp>
+        <p:nvSpPr>
+          <p:cNvPr id="6" name="Retângulo 5"/>
+          <p:cNvSpPr/>
+          <p:nvPr/>
+        </p:nvSpPr>
+        <p:spPr>
+          <a:xfrm>
+            <a:off x="298450" y="266700"/>
+            <a:ext cx="11595100" cy="6324600"/>
+          </a:xfrm>
+          <a:prstGeom prst="rect">
+            <a:avLst/>
+          </a:prstGeom>
+          <a:solidFill>
+            <a:srgbClr val="323947"/>
+          </a:solidFill>
+          <a:ln>
+            <a:solidFill>
+              <a:srgbClr val="323947"/>
+            </a:solidFill>
+          </a:ln>
+        </p:spPr>
+        <p:style>
+          <a:lnRef idx="2">
+            <a:schemeClr val="accent1">
+              <a:shade val="50000"/>
+            </a:schemeClr>
+          </a:lnRef>
+          <a:fillRef idx="1">
+            <a:schemeClr val="accent1"/>
+          </a:fillRef>
+          <a:effectRef idx="0">
+            <a:schemeClr val="accent1"/>
+          </a:effectRef>
+          <a:fontRef idx="minor">
+            <a:schemeClr val="lt1"/>
+          </a:fontRef>
+        </p:style>
+        <p:txBody>
+          <a:bodyPr rtlCol="0" anchor="ctr"/>
+          <a:lstStyle/>
+          <a:p>
+            <a:pPr algn="ctr"/>
+            <a:endParaRPr lang="pt-BR"/>
+          </a:p>
+        </p:txBody>
+      </p:sp>
+      <p:sp>
+        <p:nvSpPr>
+          <p:cNvPr id="7" name="Retângulo 6"/>
+          <p:cNvSpPr/>
+          <p:nvPr/>
+        </p:nvSpPr>
+        <p:spPr>
+          <a:xfrm>
+            <a:off x="2375548" y="0"/>
+            <a:ext cx="7440904" cy="838200"/>
+          </a:xfrm>
+          <a:prstGeom prst="rect">
+            <a:avLst/>
+          </a:prstGeom>
+          <a:solidFill>
+            <a:srgbClr val="FFB700"/>
+          </a:solidFill>
+          <a:ln>
+            <a:noFill/>
+          </a:ln>
+        </p:spPr>
+        <p:style>
+          <a:lnRef idx="2">
+            <a:schemeClr val="accent1">
+              <a:shade val="50000"/>
+            </a:schemeClr>
+          </a:lnRef>
+          <a:fillRef idx="1">
+            <a:schemeClr val="accent1"/>
+          </a:fillRef>
+          <a:effectRef idx="0">
+            <a:schemeClr val="accent1"/>
+          </a:effectRef>
+          <a:fontRef idx="minor">
+            <a:schemeClr val="lt1"/>
+          </a:fontRef>
+        </p:style>
+        <p:txBody>
+          <a:bodyPr rtlCol="0" anchor="ctr"/>
+          <a:lstStyle/>
+          <a:p>
+            <a:pPr algn="ctr"/>
+            <a:endParaRPr lang="pt-BR"/>
+          </a:p>
+        </p:txBody>
+      </p:sp>
+      <p:sp>
+        <p:nvSpPr>
+          <p:cNvPr id="13" name="CaixaDeTexto 12"/>
+          <p:cNvSpPr txBox="1"/>
+          <p:nvPr/>
+        </p:nvSpPr>
+        <p:spPr>
+          <a:xfrm>
+            <a:off x="1927346" y="65157"/>
+            <a:ext cx="8273056" cy="707886"/>
+          </a:xfrm>
+          <a:prstGeom prst="rect">
+            <a:avLst/>
+          </a:prstGeom>
+          <a:noFill/>
+        </p:spPr>
+        <p:txBody>
+          <a:bodyPr wrap="square" rtlCol="0">
+            <a:spAutoFit/>
+          </a:bodyPr>
+          <a:lstStyle/>
+          <a:p>
+            <a:pPr algn="ctr"/>
+            <a:r>
+              <a:rPr lang="pt-BR" sz="4000" dirty="0" err="1" smtClean="0">
+                <a:solidFill>
+                  <a:schemeClr val="bg1"/>
+                </a:solidFill>
+                <a:latin typeface="Bahnschrift SemiBold" panose="020B0502040204020203" pitchFamily="34" charset="0"/>
+              </a:rPr>
+              <a:t>Subprocesso</a:t>
+            </a:r>
+            <a:r>
+              <a:rPr lang="pt-BR" sz="4000" dirty="0" smtClean="0">
+                <a:solidFill>
+                  <a:schemeClr val="bg1"/>
+                </a:solidFill>
+                <a:latin typeface="Bahnschrift SemiBold" panose="020B0502040204020203" pitchFamily="34" charset="0"/>
+              </a:rPr>
+              <a:t>-Efetuar Cadastro</a:t>
+            </a:r>
+            <a:endParaRPr lang="pt-BR" sz="4000" dirty="0">
+              <a:solidFill>
+                <a:schemeClr val="bg1"/>
+              </a:solidFill>
+              <a:latin typeface="Bahnschrift SemiBold" panose="020B0502040204020203" pitchFamily="34" charset="0"/>
+            </a:endParaRPr>
+          </a:p>
+        </p:txBody>
+      </p:sp>
+      <p:pic>
+        <p:nvPicPr>
+          <p:cNvPr id="3" name="Imagem 2"/>
+          <p:cNvPicPr>
+            <a:picLocks noChangeAspect="1"/>
+          </p:cNvPicPr>
+          <p:nvPr/>
+        </p:nvPicPr>
+        <p:blipFill>
+          <a:blip r:embed="rId2"/>
+          <a:stretch>
+            <a:fillRect/>
+          </a:stretch>
+        </p:blipFill>
+        <p:spPr>
+          <a:xfrm>
+            <a:off x="2284553" y="979290"/>
+            <a:ext cx="7531899" cy="5467318"/>
+          </a:xfrm>
+          <a:prstGeom prst="rect">
+            <a:avLst/>
+          </a:prstGeom>
+        </p:spPr>
+      </p:pic>
+    </p:spTree>
+    <p:extLst>
+      <p:ext uri="{BB962C8B-B14F-4D97-AF65-F5344CB8AC3E}">
+        <p14:creationId xmlns:p14="http://schemas.microsoft.com/office/powerpoint/2010/main" val="3824874621"/>
+      </p:ext>
+    </p:extLst>
+  </p:cSld>
+  <p:clrMapOvr>
+    <a:masterClrMapping/>
+  </p:clrMapOvr>
+</p:sld>
+</file>
+
+<file path=ppt/slides/slide14.xml><?xml version="1.0" encoding="utf-8"?>
+<p:sld xmlns:a="http://schemas.openxmlformats.org/drawingml/2006/main" xmlns:r="http://schemas.openxmlformats.org/officeDocument/2006/relationships" xmlns:p="http://schemas.openxmlformats.org/presentationml/2006/main">
+  <p:cSld>
+    <p:bg>
+      <p:bgPr>
+        <a:solidFill>
+          <a:srgbClr val="DCE1E7"/>
+        </a:solidFill>
+        <a:effectLst/>
+      </p:bgPr>
+    </p:bg>
+    <p:spTree>
+      <p:nvGrpSpPr>
+        <p:cNvPr id="1" name=""/>
+        <p:cNvGrpSpPr/>
+        <p:nvPr/>
+      </p:nvGrpSpPr>
+      <p:grpSpPr>
+        <a:xfrm>
+          <a:off x="0" y="0"/>
+          <a:ext cx="0" cy="0"/>
+          <a:chOff x="0" y="0"/>
+          <a:chExt cx="0" cy="0"/>
+        </a:xfrm>
+      </p:grpSpPr>
+      <p:sp>
+        <p:nvSpPr>
+          <p:cNvPr id="6" name="Retângulo 5"/>
+          <p:cNvSpPr/>
+          <p:nvPr/>
+        </p:nvSpPr>
+        <p:spPr>
+          <a:xfrm>
+            <a:off x="298450" y="266700"/>
+            <a:ext cx="11595100" cy="6324600"/>
+          </a:xfrm>
+          <a:prstGeom prst="rect">
+            <a:avLst/>
+          </a:prstGeom>
+          <a:solidFill>
+            <a:srgbClr val="323947"/>
+          </a:solidFill>
+          <a:ln>
+            <a:solidFill>
+              <a:srgbClr val="323947"/>
+            </a:solidFill>
+          </a:ln>
+        </p:spPr>
+        <p:style>
+          <a:lnRef idx="2">
+            <a:schemeClr val="accent1">
+              <a:shade val="50000"/>
+            </a:schemeClr>
+          </a:lnRef>
+          <a:fillRef idx="1">
+            <a:schemeClr val="accent1"/>
+          </a:fillRef>
+          <a:effectRef idx="0">
+            <a:schemeClr val="accent1"/>
+          </a:effectRef>
+          <a:fontRef idx="minor">
+            <a:schemeClr val="lt1"/>
+          </a:fontRef>
+        </p:style>
+        <p:txBody>
+          <a:bodyPr rtlCol="0" anchor="ctr"/>
+          <a:lstStyle/>
+          <a:p>
+            <a:pPr algn="ctr"/>
+            <a:endParaRPr lang="pt-BR"/>
+          </a:p>
+        </p:txBody>
+      </p:sp>
+      <p:sp>
+        <p:nvSpPr>
+          <p:cNvPr id="7" name="Retângulo 6"/>
+          <p:cNvSpPr/>
+          <p:nvPr/>
+        </p:nvSpPr>
+        <p:spPr>
+          <a:xfrm>
+            <a:off x="2375548" y="0"/>
+            <a:ext cx="7440904" cy="838200"/>
+          </a:xfrm>
+          <a:prstGeom prst="rect">
+            <a:avLst/>
+          </a:prstGeom>
+          <a:solidFill>
+            <a:srgbClr val="FFB700"/>
+          </a:solidFill>
+          <a:ln>
+            <a:noFill/>
+          </a:ln>
+        </p:spPr>
+        <p:style>
+          <a:lnRef idx="2">
+            <a:schemeClr val="accent1">
+              <a:shade val="50000"/>
+            </a:schemeClr>
+          </a:lnRef>
+          <a:fillRef idx="1">
+            <a:schemeClr val="accent1"/>
+          </a:fillRef>
+          <a:effectRef idx="0">
+            <a:schemeClr val="accent1"/>
+          </a:effectRef>
+          <a:fontRef idx="minor">
+            <a:schemeClr val="lt1"/>
+          </a:fontRef>
+        </p:style>
+        <p:txBody>
+          <a:bodyPr rtlCol="0" anchor="ctr"/>
+          <a:lstStyle/>
+          <a:p>
+            <a:pPr algn="ctr"/>
+            <a:endParaRPr lang="pt-BR"/>
+          </a:p>
+        </p:txBody>
+      </p:sp>
+      <p:sp>
+        <p:nvSpPr>
+          <p:cNvPr id="13" name="CaixaDeTexto 12"/>
+          <p:cNvSpPr txBox="1"/>
+          <p:nvPr/>
+        </p:nvSpPr>
+        <p:spPr>
+          <a:xfrm>
+            <a:off x="1927346" y="65157"/>
+            <a:ext cx="8273056" cy="646331"/>
+          </a:xfrm>
+          <a:prstGeom prst="rect">
+            <a:avLst/>
+          </a:prstGeom>
+          <a:noFill/>
+        </p:spPr>
+        <p:txBody>
+          <a:bodyPr wrap="square" rtlCol="0">
+            <a:spAutoFit/>
+          </a:bodyPr>
+          <a:lstStyle/>
+          <a:p>
+            <a:pPr algn="ctr"/>
+            <a:r>
+              <a:rPr lang="pt-BR" sz="3600" dirty="0" err="1" smtClean="0">
+                <a:solidFill>
+                  <a:schemeClr val="bg1"/>
+                </a:solidFill>
+                <a:latin typeface="Bahnschrift SemiBold" panose="020B0502040204020203" pitchFamily="34" charset="0"/>
+              </a:rPr>
+              <a:t>Subprocesso</a:t>
+            </a:r>
+            <a:r>
+              <a:rPr lang="pt-BR" sz="3600" dirty="0" smtClean="0">
+                <a:solidFill>
+                  <a:schemeClr val="bg1"/>
+                </a:solidFill>
+                <a:latin typeface="Bahnschrift SemiBold" panose="020B0502040204020203" pitchFamily="34" charset="0"/>
+              </a:rPr>
+              <a:t>-Adquirir programa</a:t>
+            </a:r>
+            <a:endParaRPr lang="pt-BR" sz="3600" dirty="0">
+              <a:solidFill>
+                <a:schemeClr val="bg1"/>
+              </a:solidFill>
+              <a:latin typeface="Bahnschrift SemiBold" panose="020B0502040204020203" pitchFamily="34" charset="0"/>
+            </a:endParaRPr>
+          </a:p>
+        </p:txBody>
+      </p:sp>
+      <p:pic>
+        <p:nvPicPr>
+          <p:cNvPr id="2" name="Imagem 1"/>
+          <p:cNvPicPr>
+            <a:picLocks noChangeAspect="1"/>
+          </p:cNvPicPr>
+          <p:nvPr/>
+        </p:nvPicPr>
+        <p:blipFill>
+          <a:blip r:embed="rId2"/>
+          <a:stretch>
+            <a:fillRect/>
+          </a:stretch>
+        </p:blipFill>
+        <p:spPr>
+          <a:xfrm>
+            <a:off x="1138761" y="974129"/>
+            <a:ext cx="9850225" cy="5477639"/>
+          </a:xfrm>
+          <a:prstGeom prst="rect">
+            <a:avLst/>
+          </a:prstGeom>
+        </p:spPr>
+      </p:pic>
+    </p:spTree>
+    <p:extLst>
+      <p:ext uri="{BB962C8B-B14F-4D97-AF65-F5344CB8AC3E}">
+        <p14:creationId xmlns:p14="http://schemas.microsoft.com/office/powerpoint/2010/main" val="898263348"/>
+      </p:ext>
+    </p:extLst>
+  </p:cSld>
+  <p:clrMapOvr>
+    <a:masterClrMapping/>
+  </p:clrMapOvr>
+</p:sld>
+</file>
+
+<file path=ppt/slides/slide15.xml><?xml version="1.0" encoding="utf-8"?>
+<p:sld xmlns:a="http://schemas.openxmlformats.org/drawingml/2006/main" xmlns:r="http://schemas.openxmlformats.org/officeDocument/2006/relationships" xmlns:p="http://schemas.openxmlformats.org/presentationml/2006/main">
+  <p:cSld>
+    <p:bg>
+      <p:bgPr>
+        <a:solidFill>
+          <a:srgbClr val="DCE1E7"/>
+        </a:solidFill>
+        <a:effectLst/>
+      </p:bgPr>
+    </p:bg>
+    <p:spTree>
+      <p:nvGrpSpPr>
+        <p:cNvPr id="1" name=""/>
+        <p:cNvGrpSpPr/>
+        <p:nvPr/>
+      </p:nvGrpSpPr>
+      <p:grpSpPr>
+        <a:xfrm>
+          <a:off x="0" y="0"/>
+          <a:ext cx="0" cy="0"/>
+          <a:chOff x="0" y="0"/>
+          <a:chExt cx="0" cy="0"/>
+        </a:xfrm>
+      </p:grpSpPr>
+      <p:sp>
+        <p:nvSpPr>
+          <p:cNvPr id="2" name="Retângulo 1"/>
+          <p:cNvSpPr/>
+          <p:nvPr/>
+        </p:nvSpPr>
+        <p:spPr>
+          <a:xfrm>
+            <a:off x="1094792" y="1021702"/>
+            <a:ext cx="10002417" cy="4814596"/>
+          </a:xfrm>
+          <a:prstGeom prst="rect">
+            <a:avLst/>
+          </a:prstGeom>
+          <a:solidFill>
+            <a:srgbClr val="323947"/>
+          </a:solidFill>
+          <a:ln>
+            <a:solidFill>
+              <a:srgbClr val="323947"/>
+            </a:solidFill>
+          </a:ln>
+        </p:spPr>
+        <p:style>
+          <a:lnRef idx="2">
+            <a:schemeClr val="accent1">
+              <a:shade val="50000"/>
+            </a:schemeClr>
+          </a:lnRef>
+          <a:fillRef idx="1">
+            <a:schemeClr val="accent1"/>
+          </a:fillRef>
+          <a:effectRef idx="0">
+            <a:schemeClr val="accent1"/>
+          </a:effectRef>
+          <a:fontRef idx="minor">
+            <a:schemeClr val="lt1"/>
+          </a:fontRef>
+        </p:style>
+        <p:txBody>
+          <a:bodyPr rtlCol="0" anchor="ctr"/>
+          <a:lstStyle/>
+          <a:p>
+            <a:pPr algn="ctr"/>
+            <a:endParaRPr lang="pt-BR"/>
+          </a:p>
+        </p:txBody>
+      </p:sp>
+      <p:sp>
+        <p:nvSpPr>
+          <p:cNvPr id="3" name="Retângulo 2"/>
+          <p:cNvSpPr/>
+          <p:nvPr/>
+        </p:nvSpPr>
+        <p:spPr>
+          <a:xfrm>
+            <a:off x="7164096" y="0"/>
+            <a:ext cx="3545633" cy="6531428"/>
+          </a:xfrm>
+          <a:prstGeom prst="rect">
+            <a:avLst/>
+          </a:prstGeom>
+          <a:solidFill>
+            <a:srgbClr val="FFB700"/>
+          </a:solidFill>
+          <a:ln>
+            <a:noFill/>
+          </a:ln>
+        </p:spPr>
+        <p:style>
+          <a:lnRef idx="2">
+            <a:schemeClr val="accent1">
+              <a:shade val="50000"/>
+            </a:schemeClr>
+          </a:lnRef>
+          <a:fillRef idx="1">
+            <a:schemeClr val="accent1"/>
+          </a:fillRef>
+          <a:effectRef idx="0">
+            <a:schemeClr val="accent1"/>
+          </a:effectRef>
+          <a:fontRef idx="minor">
+            <a:schemeClr val="lt1"/>
+          </a:fontRef>
+        </p:style>
+        <p:txBody>
+          <a:bodyPr rtlCol="0" anchor="ctr"/>
+          <a:lstStyle/>
+          <a:p>
+            <a:pPr algn="ctr"/>
+            <a:endParaRPr lang="pt-BR"/>
+          </a:p>
+        </p:txBody>
+      </p:sp>
+      <p:sp>
+        <p:nvSpPr>
+          <p:cNvPr id="4" name="Elipse 3" descr="Como atualizar aplicativos [Android e iPhone] | Aplicativos e Software |  Tecnoblog"/>
+          <p:cNvSpPr/>
+          <p:nvPr/>
+        </p:nvSpPr>
+        <p:spPr>
+          <a:xfrm>
+            <a:off x="9381982" y="4881814"/>
+            <a:ext cx="1908967" cy="1908967"/>
+          </a:xfrm>
+          <a:prstGeom prst="ellipse">
+            <a:avLst/>
+          </a:prstGeom>
+          <a:blipFill>
+            <a:blip r:embed="rId2">
+              <a:extLst>
+                <a:ext uri="{28A0092B-C50C-407E-A947-70E740481C1C}">
+                  <a14:useLocalDpi xmlns:a14="http://schemas.microsoft.com/office/drawing/2010/main" val="0"/>
+                </a:ext>
+              </a:extLst>
+            </a:blip>
+            <a:srcRect/>
+            <a:stretch>
+              <a:fillRect l="-32000" r="-32000"/>
+            </a:stretch>
+          </a:blipFill>
+          <a:ln>
+            <a:noFill/>
+          </a:ln>
+        </p:spPr>
+        <p:style>
+          <a:lnRef idx="2">
+            <a:scrgbClr r="0" g="0" b="0"/>
+          </a:lnRef>
+          <a:fillRef idx="1">
+            <a:scrgbClr r="0" g="0" b="0"/>
+          </a:fillRef>
+          <a:effectRef idx="0">
+            <a:schemeClr val="accent1">
+              <a:tint val="50000"/>
+              <a:hueOff val="0"/>
+              <a:satOff val="0"/>
+              <a:lumOff val="0"/>
+              <a:alphaOff val="0"/>
+            </a:schemeClr>
+          </a:effectRef>
+          <a:fontRef idx="minor">
+            <a:schemeClr val="lt1">
+              <a:hueOff val="0"/>
+              <a:satOff val="0"/>
+              <a:lumOff val="0"/>
+              <a:alphaOff val="0"/>
+            </a:schemeClr>
+          </a:fontRef>
+        </p:style>
+      </p:sp>
+      <p:sp>
+        <p:nvSpPr>
+          <p:cNvPr id="5" name="Elipse 4" descr="Mesas de trabalho | Wallpaper é ao Domingo! - FCiências"/>
+          <p:cNvSpPr/>
+          <p:nvPr/>
+        </p:nvSpPr>
+        <p:spPr>
+          <a:xfrm>
+            <a:off x="7547359" y="187304"/>
+            <a:ext cx="2789106" cy="2789106"/>
+          </a:xfrm>
+          <a:prstGeom prst="ellipse">
+            <a:avLst/>
+          </a:prstGeom>
+          <a:blipFill>
+            <a:blip r:embed="rId3">
+              <a:extLst>
+                <a:ext uri="{28A0092B-C50C-407E-A947-70E740481C1C}">
+                  <a14:useLocalDpi xmlns:a14="http://schemas.microsoft.com/office/drawing/2010/main" val="0"/>
+                </a:ext>
+              </a:extLst>
+            </a:blip>
+            <a:srcRect/>
+            <a:stretch>
+              <a:fillRect l="-25000" r="-25000"/>
+            </a:stretch>
+          </a:blipFill>
+          <a:ln>
+            <a:noFill/>
+          </a:ln>
+        </p:spPr>
+        <p:style>
+          <a:lnRef idx="2">
+            <a:scrgbClr r="0" g="0" b="0"/>
+          </a:lnRef>
+          <a:fillRef idx="1">
+            <a:scrgbClr r="0" g="0" b="0"/>
+          </a:fillRef>
+          <a:effectRef idx="0">
+            <a:schemeClr val="accent1">
+              <a:tint val="50000"/>
+              <a:hueOff val="0"/>
+              <a:satOff val="0"/>
+              <a:lumOff val="0"/>
+              <a:alphaOff val="0"/>
+            </a:schemeClr>
+          </a:effectRef>
+          <a:fontRef idx="minor">
+            <a:schemeClr val="lt1">
+              <a:hueOff val="0"/>
+              <a:satOff val="0"/>
+              <a:lumOff val="0"/>
+              <a:alphaOff val="0"/>
+            </a:schemeClr>
+          </a:fontRef>
+        </p:style>
+      </p:sp>
+      <p:sp>
+        <p:nvSpPr>
+          <p:cNvPr id="7" name="CaixaDeTexto 6"/>
+          <p:cNvSpPr txBox="1"/>
+          <p:nvPr/>
+        </p:nvSpPr>
+        <p:spPr>
+          <a:xfrm>
+            <a:off x="1094792" y="1793814"/>
+            <a:ext cx="6069304" cy="1200329"/>
+          </a:xfrm>
+          <a:prstGeom prst="rect">
+            <a:avLst/>
+          </a:prstGeom>
+          <a:noFill/>
+        </p:spPr>
+        <p:txBody>
+          <a:bodyPr wrap="square" rtlCol="0">
+            <a:spAutoFit/>
+          </a:bodyPr>
+          <a:lstStyle/>
+          <a:p>
+            <a:pPr algn="ctr"/>
+            <a:r>
+              <a:rPr lang="pt-BR" sz="7200" dirty="0" smtClean="0">
+                <a:solidFill>
+                  <a:srgbClr val="FFB700"/>
+                </a:solidFill>
+                <a:latin typeface="Bahnschrift SemiBold" panose="020B0502040204020203" pitchFamily="34" charset="0"/>
+              </a:rPr>
+              <a:t>P</a:t>
+            </a:r>
+            <a:r>
+              <a:rPr lang="pt-BR" sz="7200" dirty="0" smtClean="0">
+                <a:solidFill>
+                  <a:schemeClr val="bg1"/>
+                </a:solidFill>
+                <a:latin typeface="Bahnschrift SemiBold" panose="020B0502040204020203" pitchFamily="34" charset="0"/>
+              </a:rPr>
+              <a:t>rototipação</a:t>
+            </a:r>
+            <a:endParaRPr lang="pt-BR" sz="7200" dirty="0">
+              <a:solidFill>
+                <a:schemeClr val="bg1"/>
+              </a:solidFill>
+              <a:latin typeface="Bahnschrift SemiBold" panose="020B0502040204020203" pitchFamily="34" charset="0"/>
+            </a:endParaRPr>
+          </a:p>
+        </p:txBody>
+      </p:sp>
+      <p:sp>
+        <p:nvSpPr>
+          <p:cNvPr id="9" name="Elipse 8" descr="Coreia do Sul tem primeiro celular no mundo com acesso a rede 5G ..."/>
+          <p:cNvSpPr/>
+          <p:nvPr/>
+        </p:nvSpPr>
+        <p:spPr>
+          <a:xfrm>
+            <a:off x="6988280" y="3142037"/>
+            <a:ext cx="2468586" cy="2346045"/>
+          </a:xfrm>
+          <a:prstGeom prst="ellipse">
+            <a:avLst/>
+          </a:prstGeom>
+          <a:blipFill>
+            <a:blip r:embed="rId4" cstate="print">
+              <a:extLst>
+                <a:ext uri="{28A0092B-C50C-407E-A947-70E740481C1C}">
+                  <a14:useLocalDpi xmlns:a14="http://schemas.microsoft.com/office/drawing/2010/main" val="0"/>
+                </a:ext>
+              </a:extLst>
+            </a:blip>
+            <a:srcRect/>
+            <a:stretch>
+              <a:fillRect l="-25000" r="-25000"/>
+            </a:stretch>
+          </a:blipFill>
+          <a:ln>
+            <a:noFill/>
+          </a:ln>
+        </p:spPr>
+        <p:style>
+          <a:lnRef idx="2">
+            <a:scrgbClr r="0" g="0" b="0"/>
+          </a:lnRef>
+          <a:fillRef idx="1">
+            <a:scrgbClr r="0" g="0" b="0"/>
+          </a:fillRef>
+          <a:effectRef idx="0">
+            <a:schemeClr val="accent1">
+              <a:tint val="50000"/>
+              <a:hueOff val="0"/>
+              <a:satOff val="0"/>
+              <a:lumOff val="0"/>
+              <a:alphaOff val="0"/>
+            </a:schemeClr>
+          </a:effectRef>
+          <a:fontRef idx="minor">
+            <a:schemeClr val="lt1">
+              <a:hueOff val="0"/>
+              <a:satOff val="0"/>
+              <a:lumOff val="0"/>
+              <a:alphaOff val="0"/>
+            </a:schemeClr>
+          </a:fontRef>
+        </p:style>
+      </p:sp>
+      <p:sp>
+        <p:nvSpPr>
+          <p:cNvPr id="8" name="CaixaDeTexto 7"/>
+          <p:cNvSpPr txBox="1"/>
+          <p:nvPr/>
+        </p:nvSpPr>
+        <p:spPr>
+          <a:xfrm>
+            <a:off x="1094792" y="3142037"/>
+            <a:ext cx="6069304" cy="1323439"/>
+          </a:xfrm>
+          <a:prstGeom prst="rect">
+            <a:avLst/>
+          </a:prstGeom>
+          <a:noFill/>
+        </p:spPr>
+        <p:txBody>
+          <a:bodyPr wrap="square" rtlCol="0">
+            <a:spAutoFit/>
+          </a:bodyPr>
+          <a:lstStyle/>
+          <a:p>
+            <a:pPr algn="ctr"/>
+            <a:r>
+              <a:rPr lang="pt-BR" sz="7200" dirty="0" smtClean="0">
+                <a:solidFill>
+                  <a:srgbClr val="FFB700"/>
+                </a:solidFill>
+                <a:latin typeface="Bahnschrift SemiBold" panose="020B0502040204020203" pitchFamily="34" charset="0"/>
+              </a:rPr>
+              <a:t>S</a:t>
+            </a:r>
+            <a:r>
+              <a:rPr lang="pt-BR" sz="7200" dirty="0" smtClean="0">
+                <a:solidFill>
+                  <a:schemeClr val="bg1"/>
+                </a:solidFill>
+                <a:latin typeface="Bahnschrift SemiBold" panose="020B0502040204020203" pitchFamily="34" charset="0"/>
+              </a:rPr>
+              <a:t>ite</a:t>
+            </a:r>
+            <a:r>
+              <a:rPr lang="pt-BR" sz="8000" dirty="0" smtClean="0">
+                <a:solidFill>
+                  <a:schemeClr val="bg1"/>
+                </a:solidFill>
+                <a:latin typeface="Bahnschrift SemiBold" panose="020B0502040204020203" pitchFamily="34" charset="0"/>
+              </a:rPr>
+              <a:t>:</a:t>
+            </a:r>
+            <a:endParaRPr lang="pt-BR" sz="11500" dirty="0">
+              <a:solidFill>
+                <a:schemeClr val="bg1"/>
+              </a:solidFill>
+              <a:latin typeface="Bahnschrift SemiBold" panose="020B0502040204020203" pitchFamily="34" charset="0"/>
+            </a:endParaRPr>
+          </a:p>
+        </p:txBody>
+      </p:sp>
+    </p:spTree>
+    <p:extLst>
+      <p:ext uri="{BB962C8B-B14F-4D97-AF65-F5344CB8AC3E}">
+        <p14:creationId xmlns:p14="http://schemas.microsoft.com/office/powerpoint/2010/main" val="2923399458"/>
+      </p:ext>
+    </p:extLst>
+  </p:cSld>
+  <p:clrMapOvr>
+    <a:masterClrMapping/>
+  </p:clrMapOvr>
+</p:sld>
+</file>
+
+<file path=ppt/slides/slide16.xml><?xml version="1.0" encoding="utf-8"?>
+<p:sld xmlns:a="http://schemas.openxmlformats.org/drawingml/2006/main" xmlns:r="http://schemas.openxmlformats.org/officeDocument/2006/relationships" xmlns:p="http://schemas.openxmlformats.org/presentationml/2006/main">
+  <p:cSld>
+    <p:bg>
+      <p:bgPr>
+        <a:solidFill>
+          <a:srgbClr val="DCE1E7"/>
+        </a:solidFill>
+        <a:effectLst/>
+      </p:bgPr>
+    </p:bg>
+    <p:spTree>
+      <p:nvGrpSpPr>
+        <p:cNvPr id="1" name=""/>
+        <p:cNvGrpSpPr/>
+        <p:nvPr/>
+      </p:nvGrpSpPr>
+      <p:grpSpPr>
+        <a:xfrm>
+          <a:off x="0" y="0"/>
+          <a:ext cx="0" cy="0"/>
+          <a:chOff x="0" y="0"/>
+          <a:chExt cx="0" cy="0"/>
+        </a:xfrm>
+      </p:grpSpPr>
+      <p:pic>
+        <p:nvPicPr>
+          <p:cNvPr id="2" name="Imagem 1"/>
+          <p:cNvPicPr>
+            <a:picLocks noChangeAspect="1"/>
+          </p:cNvPicPr>
+          <p:nvPr/>
+        </p:nvPicPr>
+        <p:blipFill>
+          <a:blip r:embed="rId2"/>
+          <a:stretch>
+            <a:fillRect/>
+          </a:stretch>
+        </p:blipFill>
+        <p:spPr>
+          <a:xfrm>
+            <a:off x="407377" y="0"/>
+            <a:ext cx="11377246" cy="6860606"/>
+          </a:xfrm>
+          <a:prstGeom prst="rect">
+            <a:avLst/>
+          </a:prstGeom>
+        </p:spPr>
+      </p:pic>
+    </p:spTree>
+    <p:extLst>
+      <p:ext uri="{BB962C8B-B14F-4D97-AF65-F5344CB8AC3E}">
+        <p14:creationId xmlns:p14="http://schemas.microsoft.com/office/powerpoint/2010/main" val="2565459404"/>
+      </p:ext>
+    </p:extLst>
+  </p:cSld>
+  <p:clrMapOvr>
+    <a:masterClrMapping/>
+  </p:clrMapOvr>
+</p:sld>
+</file>
+
+<file path=ppt/slides/slide17.xml><?xml version="1.0" encoding="utf-8"?>
+<p:sld xmlns:a="http://schemas.openxmlformats.org/drawingml/2006/main" xmlns:r="http://schemas.openxmlformats.org/officeDocument/2006/relationships" xmlns:p="http://schemas.openxmlformats.org/presentationml/2006/main">
+  <p:cSld>
+    <p:bg>
+      <p:bgPr>
+        <a:solidFill>
+          <a:srgbClr val="DCE1E7"/>
+        </a:solidFill>
+        <a:effectLst/>
+      </p:bgPr>
+    </p:bg>
+    <p:spTree>
+      <p:nvGrpSpPr>
+        <p:cNvPr id="1" name=""/>
+        <p:cNvGrpSpPr/>
+        <p:nvPr/>
+      </p:nvGrpSpPr>
+      <p:grpSpPr>
+        <a:xfrm>
+          <a:off x="0" y="0"/>
+          <a:ext cx="0" cy="0"/>
+          <a:chOff x="0" y="0"/>
+          <a:chExt cx="0" cy="0"/>
+        </a:xfrm>
+      </p:grpSpPr>
+      <p:pic>
+        <p:nvPicPr>
+          <p:cNvPr id="2" name="Imagem 1"/>
+          <p:cNvPicPr>
+            <a:picLocks noChangeAspect="1"/>
+          </p:cNvPicPr>
+          <p:nvPr/>
+        </p:nvPicPr>
+        <p:blipFill>
+          <a:blip r:embed="rId2"/>
+          <a:stretch>
+            <a:fillRect/>
+          </a:stretch>
+        </p:blipFill>
+        <p:spPr>
+          <a:xfrm>
+            <a:off x="416169" y="0"/>
+            <a:ext cx="11359662" cy="6851859"/>
+          </a:xfrm>
+          <a:prstGeom prst="rect">
+            <a:avLst/>
+          </a:prstGeom>
+        </p:spPr>
+      </p:pic>
+    </p:spTree>
+    <p:extLst>
+      <p:ext uri="{BB962C8B-B14F-4D97-AF65-F5344CB8AC3E}">
+        <p14:creationId xmlns:p14="http://schemas.microsoft.com/office/powerpoint/2010/main" val="1465047612"/>
+      </p:ext>
+    </p:extLst>
+  </p:cSld>
+  <p:clrMapOvr>
+    <a:masterClrMapping/>
+  </p:clrMapOvr>
+</p:sld>
+</file>
+
+<file path=ppt/slides/slide18.xml><?xml version="1.0" encoding="utf-8"?>
+<p:sld xmlns:a="http://schemas.openxmlformats.org/drawingml/2006/main" xmlns:r="http://schemas.openxmlformats.org/officeDocument/2006/relationships" xmlns:p="http://schemas.openxmlformats.org/presentationml/2006/main">
+  <p:cSld>
+    <p:bg>
+      <p:bgPr>
+        <a:solidFill>
+          <a:srgbClr val="DCE1E7"/>
+        </a:solidFill>
+        <a:effectLst/>
+      </p:bgPr>
+    </p:bg>
+    <p:spTree>
+      <p:nvGrpSpPr>
+        <p:cNvPr id="1" name=""/>
+        <p:cNvGrpSpPr/>
+        <p:nvPr/>
+      </p:nvGrpSpPr>
+      <p:grpSpPr>
+        <a:xfrm>
+          <a:off x="0" y="0"/>
+          <a:ext cx="0" cy="0"/>
+          <a:chOff x="0" y="0"/>
+          <a:chExt cx="0" cy="0"/>
+        </a:xfrm>
+      </p:grpSpPr>
+      <p:sp>
+        <p:nvSpPr>
+          <p:cNvPr id="2" name="Retângulo 1"/>
+          <p:cNvSpPr/>
+          <p:nvPr/>
+        </p:nvSpPr>
+        <p:spPr>
+          <a:xfrm>
+            <a:off x="1094792" y="1021702"/>
+            <a:ext cx="10002417" cy="4814596"/>
+          </a:xfrm>
+          <a:prstGeom prst="rect">
+            <a:avLst/>
+          </a:prstGeom>
+          <a:solidFill>
+            <a:srgbClr val="323947"/>
+          </a:solidFill>
+          <a:ln>
+            <a:solidFill>
+              <a:srgbClr val="323947"/>
+            </a:solidFill>
+          </a:ln>
+        </p:spPr>
+        <p:style>
+          <a:lnRef idx="2">
+            <a:schemeClr val="accent1">
+              <a:shade val="50000"/>
+            </a:schemeClr>
+          </a:lnRef>
+          <a:fillRef idx="1">
+            <a:schemeClr val="accent1"/>
+          </a:fillRef>
+          <a:effectRef idx="0">
+            <a:schemeClr val="accent1"/>
+          </a:effectRef>
+          <a:fontRef idx="minor">
+            <a:schemeClr val="lt1"/>
+          </a:fontRef>
+        </p:style>
+        <p:txBody>
+          <a:bodyPr rtlCol="0" anchor="ctr"/>
+          <a:lstStyle/>
+          <a:p>
+            <a:pPr algn="ctr"/>
+            <a:endParaRPr lang="pt-BR"/>
+          </a:p>
+        </p:txBody>
+      </p:sp>
+      <p:sp>
+        <p:nvSpPr>
+          <p:cNvPr id="3" name="Retângulo 2"/>
+          <p:cNvSpPr/>
+          <p:nvPr/>
+        </p:nvSpPr>
+        <p:spPr>
+          <a:xfrm>
+            <a:off x="7164096" y="0"/>
+            <a:ext cx="3545633" cy="6531428"/>
+          </a:xfrm>
+          <a:prstGeom prst="rect">
+            <a:avLst/>
+          </a:prstGeom>
+          <a:solidFill>
+            <a:srgbClr val="FFB700"/>
+          </a:solidFill>
+          <a:ln>
+            <a:noFill/>
+          </a:ln>
+        </p:spPr>
+        <p:style>
+          <a:lnRef idx="2">
+            <a:schemeClr val="accent1">
+              <a:shade val="50000"/>
+            </a:schemeClr>
+          </a:lnRef>
+          <a:fillRef idx="1">
+            <a:schemeClr val="accent1"/>
+          </a:fillRef>
+          <a:effectRef idx="0">
+            <a:schemeClr val="accent1"/>
+          </a:effectRef>
+          <a:fontRef idx="minor">
+            <a:schemeClr val="lt1"/>
+          </a:fontRef>
+        </p:style>
+        <p:txBody>
+          <a:bodyPr rtlCol="0" anchor="ctr"/>
+          <a:lstStyle/>
+          <a:p>
+            <a:pPr algn="ctr"/>
+            <a:endParaRPr lang="pt-BR"/>
+          </a:p>
+        </p:txBody>
+      </p:sp>
+      <p:sp>
+        <p:nvSpPr>
+          <p:cNvPr id="4" name="Elipse 3" descr="Como atualizar aplicativos [Android e iPhone] | Aplicativos e Software |  Tecnoblog"/>
+          <p:cNvSpPr/>
+          <p:nvPr/>
+        </p:nvSpPr>
+        <p:spPr>
+          <a:xfrm>
+            <a:off x="9381982" y="4881814"/>
+            <a:ext cx="1908967" cy="1908967"/>
+          </a:xfrm>
+          <a:prstGeom prst="ellipse">
+            <a:avLst/>
+          </a:prstGeom>
+          <a:blipFill>
+            <a:blip r:embed="rId2">
+              <a:extLst>
+                <a:ext uri="{28A0092B-C50C-407E-A947-70E740481C1C}">
+                  <a14:useLocalDpi xmlns:a14="http://schemas.microsoft.com/office/drawing/2010/main" val="0"/>
+                </a:ext>
+              </a:extLst>
+            </a:blip>
+            <a:srcRect/>
+            <a:stretch>
+              <a:fillRect l="-32000" r="-32000"/>
+            </a:stretch>
+          </a:blipFill>
+          <a:ln>
+            <a:noFill/>
+          </a:ln>
+        </p:spPr>
+        <p:style>
+          <a:lnRef idx="2">
+            <a:scrgbClr r="0" g="0" b="0"/>
+          </a:lnRef>
+          <a:fillRef idx="1">
+            <a:scrgbClr r="0" g="0" b="0"/>
+          </a:fillRef>
+          <a:effectRef idx="0">
+            <a:schemeClr val="accent1">
+              <a:tint val="50000"/>
+              <a:hueOff val="0"/>
+              <a:satOff val="0"/>
+              <a:lumOff val="0"/>
+              <a:alphaOff val="0"/>
+            </a:schemeClr>
+          </a:effectRef>
+          <a:fontRef idx="minor">
+            <a:schemeClr val="lt1">
+              <a:hueOff val="0"/>
+              <a:satOff val="0"/>
+              <a:lumOff val="0"/>
+              <a:alphaOff val="0"/>
+            </a:schemeClr>
+          </a:fontRef>
+        </p:style>
+      </p:sp>
+      <p:sp>
+        <p:nvSpPr>
+          <p:cNvPr id="5" name="Elipse 4" descr="Mesas de trabalho | Wallpaper é ao Domingo! - FCiências"/>
+          <p:cNvSpPr/>
+          <p:nvPr/>
+        </p:nvSpPr>
+        <p:spPr>
+          <a:xfrm>
+            <a:off x="7547359" y="187304"/>
+            <a:ext cx="2789106" cy="2789106"/>
+          </a:xfrm>
+          <a:prstGeom prst="ellipse">
+            <a:avLst/>
+          </a:prstGeom>
+          <a:blipFill>
+            <a:blip r:embed="rId3">
+              <a:extLst>
+                <a:ext uri="{28A0092B-C50C-407E-A947-70E740481C1C}">
+                  <a14:useLocalDpi xmlns:a14="http://schemas.microsoft.com/office/drawing/2010/main" val="0"/>
+                </a:ext>
+              </a:extLst>
+            </a:blip>
+            <a:srcRect/>
+            <a:stretch>
+              <a:fillRect l="-25000" r="-25000"/>
+            </a:stretch>
+          </a:blipFill>
+          <a:ln>
+            <a:noFill/>
+          </a:ln>
+        </p:spPr>
+        <p:style>
+          <a:lnRef idx="2">
+            <a:scrgbClr r="0" g="0" b="0"/>
+          </a:lnRef>
+          <a:fillRef idx="1">
+            <a:scrgbClr r="0" g="0" b="0"/>
+          </a:fillRef>
+          <a:effectRef idx="0">
+            <a:schemeClr val="accent1">
+              <a:tint val="50000"/>
+              <a:hueOff val="0"/>
+              <a:satOff val="0"/>
+              <a:lumOff val="0"/>
+              <a:alphaOff val="0"/>
+            </a:schemeClr>
+          </a:effectRef>
+          <a:fontRef idx="minor">
+            <a:schemeClr val="lt1">
+              <a:hueOff val="0"/>
+              <a:satOff val="0"/>
+              <a:lumOff val="0"/>
+              <a:alphaOff val="0"/>
+            </a:schemeClr>
+          </a:fontRef>
+        </p:style>
+      </p:sp>
+      <p:sp>
+        <p:nvSpPr>
+          <p:cNvPr id="7" name="CaixaDeTexto 6"/>
+          <p:cNvSpPr txBox="1"/>
+          <p:nvPr/>
+        </p:nvSpPr>
+        <p:spPr>
+          <a:xfrm>
+            <a:off x="1094792" y="1793814"/>
+            <a:ext cx="6069304" cy="1200329"/>
+          </a:xfrm>
+          <a:prstGeom prst="rect">
+            <a:avLst/>
+          </a:prstGeom>
+          <a:noFill/>
+        </p:spPr>
+        <p:txBody>
+          <a:bodyPr wrap="square" rtlCol="0">
+            <a:spAutoFit/>
+          </a:bodyPr>
+          <a:lstStyle/>
+          <a:p>
+            <a:pPr algn="ctr"/>
+            <a:r>
+              <a:rPr lang="pt-BR" sz="7200" dirty="0" smtClean="0">
+                <a:solidFill>
+                  <a:srgbClr val="FFB700"/>
+                </a:solidFill>
+                <a:latin typeface="Bahnschrift SemiBold" panose="020B0502040204020203" pitchFamily="34" charset="0"/>
+              </a:rPr>
+              <a:t>P</a:t>
+            </a:r>
+            <a:r>
+              <a:rPr lang="pt-BR" sz="7200" dirty="0" smtClean="0">
+                <a:solidFill>
+                  <a:schemeClr val="bg1"/>
+                </a:solidFill>
+                <a:latin typeface="Bahnschrift SemiBold" panose="020B0502040204020203" pitchFamily="34" charset="0"/>
+              </a:rPr>
+              <a:t>rototipação</a:t>
+            </a:r>
+            <a:endParaRPr lang="pt-BR" sz="7200" dirty="0">
+              <a:solidFill>
+                <a:schemeClr val="bg1"/>
+              </a:solidFill>
+              <a:latin typeface="Bahnschrift SemiBold" panose="020B0502040204020203" pitchFamily="34" charset="0"/>
+            </a:endParaRPr>
+          </a:p>
+        </p:txBody>
+      </p:sp>
+      <p:sp>
+        <p:nvSpPr>
+          <p:cNvPr id="9" name="Elipse 8" descr="Coreia do Sul tem primeiro celular no mundo com acesso a rede 5G ..."/>
+          <p:cNvSpPr/>
+          <p:nvPr/>
+        </p:nvSpPr>
+        <p:spPr>
+          <a:xfrm>
+            <a:off x="6988280" y="3142037"/>
+            <a:ext cx="2468586" cy="2346045"/>
+          </a:xfrm>
+          <a:prstGeom prst="ellipse">
+            <a:avLst/>
+          </a:prstGeom>
+          <a:blipFill>
+            <a:blip r:embed="rId4" cstate="print">
+              <a:extLst>
+                <a:ext uri="{28A0092B-C50C-407E-A947-70E740481C1C}">
+                  <a14:useLocalDpi xmlns:a14="http://schemas.microsoft.com/office/drawing/2010/main" val="0"/>
+                </a:ext>
+              </a:extLst>
+            </a:blip>
+            <a:srcRect/>
+            <a:stretch>
+              <a:fillRect l="-25000" r="-25000"/>
+            </a:stretch>
+          </a:blipFill>
+          <a:ln>
+            <a:noFill/>
+          </a:ln>
+        </p:spPr>
+        <p:style>
+          <a:lnRef idx="2">
+            <a:scrgbClr r="0" g="0" b="0"/>
+          </a:lnRef>
+          <a:fillRef idx="1">
+            <a:scrgbClr r="0" g="0" b="0"/>
+          </a:fillRef>
+          <a:effectRef idx="0">
+            <a:schemeClr val="accent1">
+              <a:tint val="50000"/>
+              <a:hueOff val="0"/>
+              <a:satOff val="0"/>
+              <a:lumOff val="0"/>
+              <a:alphaOff val="0"/>
+            </a:schemeClr>
+          </a:effectRef>
+          <a:fontRef idx="minor">
+            <a:schemeClr val="lt1">
+              <a:hueOff val="0"/>
+              <a:satOff val="0"/>
+              <a:lumOff val="0"/>
+              <a:alphaOff val="0"/>
+            </a:schemeClr>
+          </a:fontRef>
+        </p:style>
+      </p:sp>
+      <p:sp>
+        <p:nvSpPr>
+          <p:cNvPr id="8" name="CaixaDeTexto 7"/>
+          <p:cNvSpPr txBox="1"/>
+          <p:nvPr/>
+        </p:nvSpPr>
+        <p:spPr>
+          <a:xfrm>
+            <a:off x="1094792" y="3142037"/>
+            <a:ext cx="6069304" cy="1323439"/>
+          </a:xfrm>
+          <a:prstGeom prst="rect">
+            <a:avLst/>
+          </a:prstGeom>
+          <a:noFill/>
+        </p:spPr>
+        <p:txBody>
+          <a:bodyPr wrap="square" rtlCol="0">
+            <a:spAutoFit/>
+          </a:bodyPr>
+          <a:lstStyle/>
+          <a:p>
+            <a:pPr algn="ctr"/>
+            <a:r>
+              <a:rPr lang="pt-BR" sz="7200" dirty="0" smtClean="0">
+                <a:solidFill>
+                  <a:srgbClr val="FFB700"/>
+                </a:solidFill>
+                <a:latin typeface="Bahnschrift SemiBold" panose="020B0502040204020203" pitchFamily="34" charset="0"/>
+              </a:rPr>
+              <a:t>A</a:t>
+            </a:r>
+            <a:r>
+              <a:rPr lang="pt-BR" sz="7200" dirty="0" smtClean="0">
+                <a:solidFill>
+                  <a:schemeClr val="bg1"/>
+                </a:solidFill>
+                <a:latin typeface="Bahnschrift SemiBold" panose="020B0502040204020203" pitchFamily="34" charset="0"/>
+              </a:rPr>
+              <a:t>plicação</a:t>
+            </a:r>
+            <a:r>
+              <a:rPr lang="pt-BR" sz="8000" dirty="0" smtClean="0">
+                <a:solidFill>
+                  <a:schemeClr val="bg1"/>
+                </a:solidFill>
+                <a:latin typeface="Bahnschrift SemiBold" panose="020B0502040204020203" pitchFamily="34" charset="0"/>
+              </a:rPr>
+              <a:t>:</a:t>
+            </a:r>
+            <a:endParaRPr lang="pt-BR" sz="11500" dirty="0">
+              <a:solidFill>
+                <a:schemeClr val="bg1"/>
+              </a:solidFill>
+              <a:latin typeface="Bahnschrift SemiBold" panose="020B0502040204020203" pitchFamily="34" charset="0"/>
+            </a:endParaRPr>
+          </a:p>
+        </p:txBody>
+      </p:sp>
+    </p:spTree>
+    <p:extLst>
+      <p:ext uri="{BB962C8B-B14F-4D97-AF65-F5344CB8AC3E}">
+        <p14:creationId xmlns:p14="http://schemas.microsoft.com/office/powerpoint/2010/main" val="3610190732"/>
+      </p:ext>
+    </p:extLst>
+  </p:cSld>
+  <p:clrMapOvr>
+    <a:masterClrMapping/>
+  </p:clrMapOvr>
+</p:sld>
+</file>
+
+<file path=ppt/slides/slide19.xml><?xml version="1.0" encoding="utf-8"?>
+<p:sld xmlns:a="http://schemas.openxmlformats.org/drawingml/2006/main" xmlns:r="http://schemas.openxmlformats.org/officeDocument/2006/relationships" xmlns:p="http://schemas.openxmlformats.org/presentationml/2006/main">
+  <p:cSld>
+    <p:bg>
+      <p:bgPr>
+        <a:solidFill>
+          <a:srgbClr val="DCE1E7"/>
+        </a:solidFill>
+        <a:effectLst/>
+      </p:bgPr>
+    </p:bg>
+    <p:spTree>
+      <p:nvGrpSpPr>
+        <p:cNvPr id="1" name=""/>
+        <p:cNvGrpSpPr/>
+        <p:nvPr/>
+      </p:nvGrpSpPr>
+      <p:grpSpPr>
+        <a:xfrm>
+          <a:off x="0" y="0"/>
+          <a:ext cx="0" cy="0"/>
+          <a:chOff x="0" y="0"/>
+          <a:chExt cx="0" cy="0"/>
+        </a:xfrm>
+      </p:grpSpPr>
+      <p:pic>
+        <p:nvPicPr>
+          <p:cNvPr id="2" name="Imagem 1"/>
+          <p:cNvPicPr>
+            <a:picLocks noChangeAspect="1"/>
+          </p:cNvPicPr>
+          <p:nvPr/>
+        </p:nvPicPr>
+        <p:blipFill>
+          <a:blip r:embed="rId2"/>
+          <a:stretch>
+            <a:fillRect/>
+          </a:stretch>
+        </p:blipFill>
+        <p:spPr>
+          <a:xfrm>
+            <a:off x="416169" y="0"/>
+            <a:ext cx="11359662" cy="6864443"/>
+          </a:xfrm>
+          <a:prstGeom prst="rect">
+            <a:avLst/>
+          </a:prstGeom>
+        </p:spPr>
+      </p:pic>
+    </p:spTree>
+    <p:extLst>
+      <p:ext uri="{BB962C8B-B14F-4D97-AF65-F5344CB8AC3E}">
+        <p14:creationId xmlns:p14="http://schemas.microsoft.com/office/powerpoint/2010/main" val="1811769464"/>
+      </p:ext>
+    </p:extLst>
+  </p:cSld>
+  <p:clrMapOvr>
+    <a:masterClrMapping/>
+  </p:clrMapOvr>
+</p:sld>
+</file>
+
 <file path=ppt/slides/slide2.xml><?xml version="1.0" encoding="utf-8"?>
 <p:sld xmlns:a="http://schemas.openxmlformats.org/drawingml/2006/main" xmlns:r="http://schemas.openxmlformats.org/officeDocument/2006/relationships" xmlns:p="http://schemas.openxmlformats.org/presentationml/2006/main">
   <p:cSld>
@@ -35657,7 +37750,7 @@
         <p:spPr>
           <a:xfrm>
             <a:off x="1502229" y="2571039"/>
-            <a:ext cx="4870580" cy="2677656"/>
+            <a:ext cx="4870580" cy="2308324"/>
           </a:xfrm>
           <a:prstGeom prst="rect">
             <a:avLst/>
@@ -35736,10 +37829,8 @@
                 </a:solidFill>
                 <a:latin typeface="Bahnschrift SemiBold" panose="020B0502040204020203" pitchFamily="34" charset="0"/>
               </a:rPr>
-              <a:t> Grande usuário de aplicativos no dispositivo</a:t>
+              <a:t> Grande usuário de aplicativos </a:t>
             </a:r>
-          </a:p>
-          <a:p>
             <a:r>
               <a:rPr lang="pt-BR" sz="2400" dirty="0">
                 <a:solidFill>
@@ -35765,6 +37856,2898 @@
     <p:extLst>
       <p:ext uri="{BB962C8B-B14F-4D97-AF65-F5344CB8AC3E}">
         <p14:creationId xmlns:p14="http://schemas.microsoft.com/office/powerpoint/2010/main" val="1564350856"/>
+      </p:ext>
+    </p:extLst>
+  </p:cSld>
+  <p:clrMapOvr>
+    <a:masterClrMapping/>
+  </p:clrMapOvr>
+</p:sld>
+</file>
+
+<file path=ppt/slides/slide20.xml><?xml version="1.0" encoding="utf-8"?>
+<p:sld xmlns:a="http://schemas.openxmlformats.org/drawingml/2006/main" xmlns:r="http://schemas.openxmlformats.org/officeDocument/2006/relationships" xmlns:p="http://schemas.openxmlformats.org/presentationml/2006/main">
+  <p:cSld>
+    <p:bg>
+      <p:bgPr>
+        <a:solidFill>
+          <a:srgbClr val="DCE1E7"/>
+        </a:solidFill>
+        <a:effectLst/>
+      </p:bgPr>
+    </p:bg>
+    <p:spTree>
+      <p:nvGrpSpPr>
+        <p:cNvPr id="1" name=""/>
+        <p:cNvGrpSpPr/>
+        <p:nvPr/>
+      </p:nvGrpSpPr>
+      <p:grpSpPr>
+        <a:xfrm>
+          <a:off x="0" y="0"/>
+          <a:ext cx="0" cy="0"/>
+          <a:chOff x="0" y="0"/>
+          <a:chExt cx="0" cy="0"/>
+        </a:xfrm>
+      </p:grpSpPr>
+      <p:pic>
+        <p:nvPicPr>
+          <p:cNvPr id="2" name="Imagem 1"/>
+          <p:cNvPicPr>
+            <a:picLocks noChangeAspect="1"/>
+          </p:cNvPicPr>
+          <p:nvPr/>
+        </p:nvPicPr>
+        <p:blipFill>
+          <a:blip r:embed="rId2"/>
+          <a:stretch>
+            <a:fillRect/>
+          </a:stretch>
+        </p:blipFill>
+        <p:spPr>
+          <a:xfrm>
+            <a:off x="424962" y="0"/>
+            <a:ext cx="11342077" cy="6853817"/>
+          </a:xfrm>
+          <a:prstGeom prst="rect">
+            <a:avLst/>
+          </a:prstGeom>
+        </p:spPr>
+      </p:pic>
+    </p:spTree>
+    <p:extLst>
+      <p:ext uri="{BB962C8B-B14F-4D97-AF65-F5344CB8AC3E}">
+        <p14:creationId xmlns:p14="http://schemas.microsoft.com/office/powerpoint/2010/main" val="1060900502"/>
+      </p:ext>
+    </p:extLst>
+  </p:cSld>
+  <p:clrMapOvr>
+    <a:masterClrMapping/>
+  </p:clrMapOvr>
+</p:sld>
+</file>
+
+<file path=ppt/slides/slide21.xml><?xml version="1.0" encoding="utf-8"?>
+<p:sld xmlns:a="http://schemas.openxmlformats.org/drawingml/2006/main" xmlns:r="http://schemas.openxmlformats.org/officeDocument/2006/relationships" xmlns:p="http://schemas.openxmlformats.org/presentationml/2006/main">
+  <p:cSld>
+    <p:bg>
+      <p:bgPr>
+        <a:solidFill>
+          <a:srgbClr val="DCE1E7"/>
+        </a:solidFill>
+        <a:effectLst/>
+      </p:bgPr>
+    </p:bg>
+    <p:spTree>
+      <p:nvGrpSpPr>
+        <p:cNvPr id="1" name=""/>
+        <p:cNvGrpSpPr/>
+        <p:nvPr/>
+      </p:nvGrpSpPr>
+      <p:grpSpPr>
+        <a:xfrm>
+          <a:off x="0" y="0"/>
+          <a:ext cx="0" cy="0"/>
+          <a:chOff x="0" y="0"/>
+          <a:chExt cx="0" cy="0"/>
+        </a:xfrm>
+      </p:grpSpPr>
+      <p:pic>
+        <p:nvPicPr>
+          <p:cNvPr id="2" name="Imagem 1"/>
+          <p:cNvPicPr>
+            <a:picLocks noChangeAspect="1"/>
+          </p:cNvPicPr>
+          <p:nvPr/>
+        </p:nvPicPr>
+        <p:blipFill>
+          <a:blip r:embed="rId2"/>
+          <a:stretch>
+            <a:fillRect/>
+          </a:stretch>
+        </p:blipFill>
+        <p:spPr>
+          <a:xfrm>
+            <a:off x="389793" y="0"/>
+            <a:ext cx="11412415" cy="6879953"/>
+          </a:xfrm>
+          <a:prstGeom prst="rect">
+            <a:avLst/>
+          </a:prstGeom>
+        </p:spPr>
+      </p:pic>
+    </p:spTree>
+    <p:extLst>
+      <p:ext uri="{BB962C8B-B14F-4D97-AF65-F5344CB8AC3E}">
+        <p14:creationId xmlns:p14="http://schemas.microsoft.com/office/powerpoint/2010/main" val="4063424376"/>
+      </p:ext>
+    </p:extLst>
+  </p:cSld>
+  <p:clrMapOvr>
+    <a:masterClrMapping/>
+  </p:clrMapOvr>
+</p:sld>
+</file>
+
+<file path=ppt/slides/slide22.xml><?xml version="1.0" encoding="utf-8"?>
+<p:sld xmlns:a="http://schemas.openxmlformats.org/drawingml/2006/main" xmlns:r="http://schemas.openxmlformats.org/officeDocument/2006/relationships" xmlns:p="http://schemas.openxmlformats.org/presentationml/2006/main">
+  <p:cSld>
+    <p:bg>
+      <p:bgPr>
+        <a:solidFill>
+          <a:srgbClr val="DCE1E7"/>
+        </a:solidFill>
+        <a:effectLst/>
+      </p:bgPr>
+    </p:bg>
+    <p:spTree>
+      <p:nvGrpSpPr>
+        <p:cNvPr id="1" name=""/>
+        <p:cNvGrpSpPr/>
+        <p:nvPr/>
+      </p:nvGrpSpPr>
+      <p:grpSpPr>
+        <a:xfrm>
+          <a:off x="0" y="0"/>
+          <a:ext cx="0" cy="0"/>
+          <a:chOff x="0" y="0"/>
+          <a:chExt cx="0" cy="0"/>
+        </a:xfrm>
+      </p:grpSpPr>
+      <p:pic>
+        <p:nvPicPr>
+          <p:cNvPr id="2" name="Imagem 1"/>
+          <p:cNvPicPr>
+            <a:picLocks noChangeAspect="1"/>
+          </p:cNvPicPr>
+          <p:nvPr/>
+        </p:nvPicPr>
+        <p:blipFill>
+          <a:blip r:embed="rId2"/>
+          <a:stretch>
+            <a:fillRect/>
+          </a:stretch>
+        </p:blipFill>
+        <p:spPr>
+          <a:xfrm>
+            <a:off x="424962" y="1"/>
+            <a:ext cx="11342077" cy="6855696"/>
+          </a:xfrm>
+          <a:prstGeom prst="rect">
+            <a:avLst/>
+          </a:prstGeom>
+        </p:spPr>
+      </p:pic>
+    </p:spTree>
+    <p:extLst>
+      <p:ext uri="{BB962C8B-B14F-4D97-AF65-F5344CB8AC3E}">
+        <p14:creationId xmlns:p14="http://schemas.microsoft.com/office/powerpoint/2010/main" val="1809116309"/>
+      </p:ext>
+    </p:extLst>
+  </p:cSld>
+  <p:clrMapOvr>
+    <a:masterClrMapping/>
+  </p:clrMapOvr>
+</p:sld>
+</file>
+
+<file path=ppt/slides/slide23.xml><?xml version="1.0" encoding="utf-8"?>
+<p:sld xmlns:a="http://schemas.openxmlformats.org/drawingml/2006/main" xmlns:r="http://schemas.openxmlformats.org/officeDocument/2006/relationships" xmlns:p="http://schemas.openxmlformats.org/presentationml/2006/main">
+  <p:cSld>
+    <p:bg>
+      <p:bgPr>
+        <a:solidFill>
+          <a:srgbClr val="DCE1E7"/>
+        </a:solidFill>
+        <a:effectLst/>
+      </p:bgPr>
+    </p:bg>
+    <p:spTree>
+      <p:nvGrpSpPr>
+        <p:cNvPr id="1" name=""/>
+        <p:cNvGrpSpPr/>
+        <p:nvPr/>
+      </p:nvGrpSpPr>
+      <p:grpSpPr>
+        <a:xfrm>
+          <a:off x="0" y="0"/>
+          <a:ext cx="0" cy="0"/>
+          <a:chOff x="0" y="0"/>
+          <a:chExt cx="0" cy="0"/>
+        </a:xfrm>
+      </p:grpSpPr>
+      <p:pic>
+        <p:nvPicPr>
+          <p:cNvPr id="2" name="Imagem 1"/>
+          <p:cNvPicPr>
+            <a:picLocks noChangeAspect="1"/>
+          </p:cNvPicPr>
+          <p:nvPr/>
+        </p:nvPicPr>
+        <p:blipFill>
+          <a:blip r:embed="rId2"/>
+          <a:stretch>
+            <a:fillRect/>
+          </a:stretch>
+        </p:blipFill>
+        <p:spPr>
+          <a:xfrm>
+            <a:off x="398585" y="0"/>
+            <a:ext cx="11394831" cy="6865769"/>
+          </a:xfrm>
+          <a:prstGeom prst="rect">
+            <a:avLst/>
+          </a:prstGeom>
+        </p:spPr>
+      </p:pic>
+    </p:spTree>
+    <p:extLst>
+      <p:ext uri="{BB962C8B-B14F-4D97-AF65-F5344CB8AC3E}">
+        <p14:creationId xmlns:p14="http://schemas.microsoft.com/office/powerpoint/2010/main" val="3685017050"/>
+      </p:ext>
+    </p:extLst>
+  </p:cSld>
+  <p:clrMapOvr>
+    <a:masterClrMapping/>
+  </p:clrMapOvr>
+</p:sld>
+</file>
+
+<file path=ppt/slides/slide24.xml><?xml version="1.0" encoding="utf-8"?>
+<p:sld xmlns:a="http://schemas.openxmlformats.org/drawingml/2006/main" xmlns:r="http://schemas.openxmlformats.org/officeDocument/2006/relationships" xmlns:p="http://schemas.openxmlformats.org/presentationml/2006/main">
+  <p:cSld>
+    <p:bg>
+      <p:bgPr>
+        <a:solidFill>
+          <a:srgbClr val="DCE1E7"/>
+        </a:solidFill>
+        <a:effectLst/>
+      </p:bgPr>
+    </p:bg>
+    <p:spTree>
+      <p:nvGrpSpPr>
+        <p:cNvPr id="1" name=""/>
+        <p:cNvGrpSpPr/>
+        <p:nvPr/>
+      </p:nvGrpSpPr>
+      <p:grpSpPr>
+        <a:xfrm>
+          <a:off x="0" y="0"/>
+          <a:ext cx="0" cy="0"/>
+          <a:chOff x="0" y="0"/>
+          <a:chExt cx="0" cy="0"/>
+        </a:xfrm>
+      </p:grpSpPr>
+      <p:sp>
+        <p:nvSpPr>
+          <p:cNvPr id="2" name="Retângulo 1"/>
+          <p:cNvSpPr/>
+          <p:nvPr/>
+        </p:nvSpPr>
+        <p:spPr>
+          <a:xfrm>
+            <a:off x="1094792" y="1021702"/>
+            <a:ext cx="10002417" cy="4814596"/>
+          </a:xfrm>
+          <a:prstGeom prst="rect">
+            <a:avLst/>
+          </a:prstGeom>
+          <a:solidFill>
+            <a:srgbClr val="323947"/>
+          </a:solidFill>
+          <a:ln>
+            <a:solidFill>
+              <a:srgbClr val="323947"/>
+            </a:solidFill>
+          </a:ln>
+        </p:spPr>
+        <p:style>
+          <a:lnRef idx="2">
+            <a:schemeClr val="accent1">
+              <a:shade val="50000"/>
+            </a:schemeClr>
+          </a:lnRef>
+          <a:fillRef idx="1">
+            <a:schemeClr val="accent1"/>
+          </a:fillRef>
+          <a:effectRef idx="0">
+            <a:schemeClr val="accent1"/>
+          </a:effectRef>
+          <a:fontRef idx="minor">
+            <a:schemeClr val="lt1"/>
+          </a:fontRef>
+        </p:style>
+        <p:txBody>
+          <a:bodyPr rtlCol="0" anchor="ctr"/>
+          <a:lstStyle/>
+          <a:p>
+            <a:pPr algn="ctr"/>
+            <a:endParaRPr lang="pt-BR"/>
+          </a:p>
+        </p:txBody>
+      </p:sp>
+      <p:sp>
+        <p:nvSpPr>
+          <p:cNvPr id="3" name="Retângulo 2"/>
+          <p:cNvSpPr/>
+          <p:nvPr/>
+        </p:nvSpPr>
+        <p:spPr>
+          <a:xfrm>
+            <a:off x="7164096" y="0"/>
+            <a:ext cx="3545633" cy="6531428"/>
+          </a:xfrm>
+          <a:prstGeom prst="rect">
+            <a:avLst/>
+          </a:prstGeom>
+          <a:solidFill>
+            <a:srgbClr val="FFB700"/>
+          </a:solidFill>
+          <a:ln>
+            <a:noFill/>
+          </a:ln>
+        </p:spPr>
+        <p:style>
+          <a:lnRef idx="2">
+            <a:schemeClr val="accent1">
+              <a:shade val="50000"/>
+            </a:schemeClr>
+          </a:lnRef>
+          <a:fillRef idx="1">
+            <a:schemeClr val="accent1"/>
+          </a:fillRef>
+          <a:effectRef idx="0">
+            <a:schemeClr val="accent1"/>
+          </a:effectRef>
+          <a:fontRef idx="minor">
+            <a:schemeClr val="lt1"/>
+          </a:fontRef>
+        </p:style>
+        <p:txBody>
+          <a:bodyPr rtlCol="0" anchor="ctr"/>
+          <a:lstStyle/>
+          <a:p>
+            <a:pPr algn="ctr"/>
+            <a:endParaRPr lang="pt-BR"/>
+          </a:p>
+        </p:txBody>
+      </p:sp>
+      <p:sp>
+        <p:nvSpPr>
+          <p:cNvPr id="4" name="Elipse 3" descr="Como atualizar aplicativos [Android e iPhone] | Aplicativos e Software |  Tecnoblog"/>
+          <p:cNvSpPr/>
+          <p:nvPr/>
+        </p:nvSpPr>
+        <p:spPr>
+          <a:xfrm>
+            <a:off x="9381982" y="4881814"/>
+            <a:ext cx="1908967" cy="1908967"/>
+          </a:xfrm>
+          <a:prstGeom prst="ellipse">
+            <a:avLst/>
+          </a:prstGeom>
+          <a:blipFill>
+            <a:blip r:embed="rId2">
+              <a:extLst>
+                <a:ext uri="{28A0092B-C50C-407E-A947-70E740481C1C}">
+                  <a14:useLocalDpi xmlns:a14="http://schemas.microsoft.com/office/drawing/2010/main" val="0"/>
+                </a:ext>
+              </a:extLst>
+            </a:blip>
+            <a:srcRect/>
+            <a:stretch>
+              <a:fillRect l="-32000" r="-32000"/>
+            </a:stretch>
+          </a:blipFill>
+          <a:ln>
+            <a:noFill/>
+          </a:ln>
+        </p:spPr>
+        <p:style>
+          <a:lnRef idx="2">
+            <a:scrgbClr r="0" g="0" b="0"/>
+          </a:lnRef>
+          <a:fillRef idx="1">
+            <a:scrgbClr r="0" g="0" b="0"/>
+          </a:fillRef>
+          <a:effectRef idx="0">
+            <a:schemeClr val="accent1">
+              <a:tint val="50000"/>
+              <a:hueOff val="0"/>
+              <a:satOff val="0"/>
+              <a:lumOff val="0"/>
+              <a:alphaOff val="0"/>
+            </a:schemeClr>
+          </a:effectRef>
+          <a:fontRef idx="minor">
+            <a:schemeClr val="lt1">
+              <a:hueOff val="0"/>
+              <a:satOff val="0"/>
+              <a:lumOff val="0"/>
+              <a:alphaOff val="0"/>
+            </a:schemeClr>
+          </a:fontRef>
+        </p:style>
+      </p:sp>
+      <p:sp>
+        <p:nvSpPr>
+          <p:cNvPr id="5" name="Elipse 4" descr="Mesas de trabalho | Wallpaper é ao Domingo! - FCiências"/>
+          <p:cNvSpPr/>
+          <p:nvPr/>
+        </p:nvSpPr>
+        <p:spPr>
+          <a:xfrm>
+            <a:off x="7547359" y="187304"/>
+            <a:ext cx="2789106" cy="2789106"/>
+          </a:xfrm>
+          <a:prstGeom prst="ellipse">
+            <a:avLst/>
+          </a:prstGeom>
+          <a:blipFill>
+            <a:blip r:embed="rId3">
+              <a:extLst>
+                <a:ext uri="{28A0092B-C50C-407E-A947-70E740481C1C}">
+                  <a14:useLocalDpi xmlns:a14="http://schemas.microsoft.com/office/drawing/2010/main" val="0"/>
+                </a:ext>
+              </a:extLst>
+            </a:blip>
+            <a:srcRect/>
+            <a:stretch>
+              <a:fillRect l="-25000" r="-25000"/>
+            </a:stretch>
+          </a:blipFill>
+          <a:ln>
+            <a:noFill/>
+          </a:ln>
+        </p:spPr>
+        <p:style>
+          <a:lnRef idx="2">
+            <a:scrgbClr r="0" g="0" b="0"/>
+          </a:lnRef>
+          <a:fillRef idx="1">
+            <a:scrgbClr r="0" g="0" b="0"/>
+          </a:fillRef>
+          <a:effectRef idx="0">
+            <a:schemeClr val="accent1">
+              <a:tint val="50000"/>
+              <a:hueOff val="0"/>
+              <a:satOff val="0"/>
+              <a:lumOff val="0"/>
+              <a:alphaOff val="0"/>
+            </a:schemeClr>
+          </a:effectRef>
+          <a:fontRef idx="minor">
+            <a:schemeClr val="lt1">
+              <a:hueOff val="0"/>
+              <a:satOff val="0"/>
+              <a:lumOff val="0"/>
+              <a:alphaOff val="0"/>
+            </a:schemeClr>
+          </a:fontRef>
+        </p:style>
+      </p:sp>
+      <p:sp>
+        <p:nvSpPr>
+          <p:cNvPr id="7" name="CaixaDeTexto 6"/>
+          <p:cNvSpPr txBox="1"/>
+          <p:nvPr/>
+        </p:nvSpPr>
+        <p:spPr>
+          <a:xfrm>
+            <a:off x="1094792" y="2111552"/>
+            <a:ext cx="6069304" cy="2308324"/>
+          </a:xfrm>
+          <a:prstGeom prst="rect">
+            <a:avLst/>
+          </a:prstGeom>
+          <a:noFill/>
+        </p:spPr>
+        <p:txBody>
+          <a:bodyPr wrap="square" rtlCol="0">
+            <a:spAutoFit/>
+          </a:bodyPr>
+          <a:lstStyle/>
+          <a:p>
+            <a:pPr algn="ctr"/>
+            <a:r>
+              <a:rPr lang="pt-BR" sz="7200" dirty="0" smtClean="0">
+                <a:solidFill>
+                  <a:srgbClr val="FFB700"/>
+                </a:solidFill>
+                <a:latin typeface="Bahnschrift SemiBold" panose="020B0502040204020203" pitchFamily="34" charset="0"/>
+              </a:rPr>
+              <a:t>M</a:t>
+            </a:r>
+            <a:r>
+              <a:rPr lang="pt-BR" sz="7200" dirty="0" smtClean="0">
+                <a:solidFill>
+                  <a:schemeClr val="bg1"/>
+                </a:solidFill>
+                <a:latin typeface="Bahnschrift SemiBold" panose="020B0502040204020203" pitchFamily="34" charset="0"/>
+              </a:rPr>
+              <a:t>apeamento de </a:t>
+            </a:r>
+            <a:r>
+              <a:rPr lang="pt-BR" sz="7200" dirty="0" smtClean="0">
+                <a:solidFill>
+                  <a:srgbClr val="FFB700"/>
+                </a:solidFill>
+                <a:latin typeface="Bahnschrift SemiBold" panose="020B0502040204020203" pitchFamily="34" charset="0"/>
+              </a:rPr>
+              <a:t>F</a:t>
+            </a:r>
+            <a:r>
+              <a:rPr lang="pt-BR" sz="7200" dirty="0" smtClean="0">
+                <a:solidFill>
+                  <a:schemeClr val="bg1"/>
+                </a:solidFill>
+                <a:latin typeface="Bahnschrift SemiBold" panose="020B0502040204020203" pitchFamily="34" charset="0"/>
+              </a:rPr>
+              <a:t>unção</a:t>
+            </a:r>
+            <a:endParaRPr lang="pt-BR" sz="7200" dirty="0">
+              <a:solidFill>
+                <a:schemeClr val="bg1"/>
+              </a:solidFill>
+              <a:latin typeface="Bahnschrift SemiBold" panose="020B0502040204020203" pitchFamily="34" charset="0"/>
+            </a:endParaRPr>
+          </a:p>
+        </p:txBody>
+      </p:sp>
+      <p:sp>
+        <p:nvSpPr>
+          <p:cNvPr id="9" name="Elipse 8" descr="Coreia do Sul tem primeiro celular no mundo com acesso a rede 5G ..."/>
+          <p:cNvSpPr/>
+          <p:nvPr/>
+        </p:nvSpPr>
+        <p:spPr>
+          <a:xfrm>
+            <a:off x="6988280" y="3142037"/>
+            <a:ext cx="2468586" cy="2346045"/>
+          </a:xfrm>
+          <a:prstGeom prst="ellipse">
+            <a:avLst/>
+          </a:prstGeom>
+          <a:blipFill>
+            <a:blip r:embed="rId4" cstate="print">
+              <a:extLst>
+                <a:ext uri="{28A0092B-C50C-407E-A947-70E740481C1C}">
+                  <a14:useLocalDpi xmlns:a14="http://schemas.microsoft.com/office/drawing/2010/main" val="0"/>
+                </a:ext>
+              </a:extLst>
+            </a:blip>
+            <a:srcRect/>
+            <a:stretch>
+              <a:fillRect l="-25000" r="-25000"/>
+            </a:stretch>
+          </a:blipFill>
+          <a:ln>
+            <a:noFill/>
+          </a:ln>
+        </p:spPr>
+        <p:style>
+          <a:lnRef idx="2">
+            <a:scrgbClr r="0" g="0" b="0"/>
+          </a:lnRef>
+          <a:fillRef idx="1">
+            <a:scrgbClr r="0" g="0" b="0"/>
+          </a:fillRef>
+          <a:effectRef idx="0">
+            <a:schemeClr val="accent1">
+              <a:tint val="50000"/>
+              <a:hueOff val="0"/>
+              <a:satOff val="0"/>
+              <a:lumOff val="0"/>
+              <a:alphaOff val="0"/>
+            </a:schemeClr>
+          </a:effectRef>
+          <a:fontRef idx="minor">
+            <a:schemeClr val="lt1">
+              <a:hueOff val="0"/>
+              <a:satOff val="0"/>
+              <a:lumOff val="0"/>
+              <a:alphaOff val="0"/>
+            </a:schemeClr>
+          </a:fontRef>
+        </p:style>
+      </p:sp>
+    </p:spTree>
+    <p:extLst>
+      <p:ext uri="{BB962C8B-B14F-4D97-AF65-F5344CB8AC3E}">
+        <p14:creationId xmlns:p14="http://schemas.microsoft.com/office/powerpoint/2010/main" val="1114427631"/>
+      </p:ext>
+    </p:extLst>
+  </p:cSld>
+  <p:clrMapOvr>
+    <a:masterClrMapping/>
+  </p:clrMapOvr>
+</p:sld>
+</file>
+
+<file path=ppt/slides/slide25.xml><?xml version="1.0" encoding="utf-8"?>
+<p:sld xmlns:a="http://schemas.openxmlformats.org/drawingml/2006/main" xmlns:r="http://schemas.openxmlformats.org/officeDocument/2006/relationships" xmlns:p="http://schemas.openxmlformats.org/presentationml/2006/main">
+  <p:cSld>
+    <p:bg>
+      <p:bgPr>
+        <a:solidFill>
+          <a:srgbClr val="DCE1E7"/>
+        </a:solidFill>
+        <a:effectLst/>
+      </p:bgPr>
+    </p:bg>
+    <p:spTree>
+      <p:nvGrpSpPr>
+        <p:cNvPr id="1" name=""/>
+        <p:cNvGrpSpPr/>
+        <p:nvPr/>
+      </p:nvGrpSpPr>
+      <p:grpSpPr>
+        <a:xfrm>
+          <a:off x="0" y="0"/>
+          <a:ext cx="0" cy="0"/>
+          <a:chOff x="0" y="0"/>
+          <a:chExt cx="0" cy="0"/>
+        </a:xfrm>
+      </p:grpSpPr>
+      <p:sp>
+        <p:nvSpPr>
+          <p:cNvPr id="2" name="Retângulo 1"/>
+          <p:cNvSpPr/>
+          <p:nvPr/>
+        </p:nvSpPr>
+        <p:spPr>
+          <a:xfrm>
+            <a:off x="516294" y="443204"/>
+            <a:ext cx="4680857" cy="6060232"/>
+          </a:xfrm>
+          <a:prstGeom prst="rect">
+            <a:avLst/>
+          </a:prstGeom>
+          <a:solidFill>
+            <a:srgbClr val="323947"/>
+          </a:solidFill>
+          <a:ln>
+            <a:solidFill>
+              <a:srgbClr val="323947"/>
+            </a:solidFill>
+          </a:ln>
+        </p:spPr>
+        <p:style>
+          <a:lnRef idx="2">
+            <a:schemeClr val="accent1">
+              <a:shade val="50000"/>
+            </a:schemeClr>
+          </a:lnRef>
+          <a:fillRef idx="1">
+            <a:schemeClr val="accent1"/>
+          </a:fillRef>
+          <a:effectRef idx="0">
+            <a:schemeClr val="accent1"/>
+          </a:effectRef>
+          <a:fontRef idx="minor">
+            <a:schemeClr val="lt1"/>
+          </a:fontRef>
+        </p:style>
+        <p:txBody>
+          <a:bodyPr rtlCol="0" anchor="ctr"/>
+          <a:lstStyle/>
+          <a:p>
+            <a:pPr algn="ctr"/>
+            <a:endParaRPr lang="pt-BR"/>
+          </a:p>
+        </p:txBody>
+      </p:sp>
+      <p:sp>
+        <p:nvSpPr>
+          <p:cNvPr id="3" name="Retângulo 2"/>
+          <p:cNvSpPr/>
+          <p:nvPr/>
+        </p:nvSpPr>
+        <p:spPr>
+          <a:xfrm>
+            <a:off x="6873551" y="443204"/>
+            <a:ext cx="4680857" cy="6060232"/>
+          </a:xfrm>
+          <a:prstGeom prst="rect">
+            <a:avLst/>
+          </a:prstGeom>
+          <a:solidFill>
+            <a:srgbClr val="323947"/>
+          </a:solidFill>
+          <a:ln>
+            <a:solidFill>
+              <a:srgbClr val="323947"/>
+            </a:solidFill>
+          </a:ln>
+        </p:spPr>
+        <p:style>
+          <a:lnRef idx="2">
+            <a:schemeClr val="accent1">
+              <a:shade val="50000"/>
+            </a:schemeClr>
+          </a:lnRef>
+          <a:fillRef idx="1">
+            <a:schemeClr val="accent1"/>
+          </a:fillRef>
+          <a:effectRef idx="0">
+            <a:schemeClr val="accent1"/>
+          </a:effectRef>
+          <a:fontRef idx="minor">
+            <a:schemeClr val="lt1"/>
+          </a:fontRef>
+        </p:style>
+        <p:txBody>
+          <a:bodyPr rtlCol="0" anchor="ctr"/>
+          <a:lstStyle/>
+          <a:p>
+            <a:pPr algn="ctr"/>
+            <a:endParaRPr lang="pt-BR"/>
+          </a:p>
+        </p:txBody>
+      </p:sp>
+      <p:sp>
+        <p:nvSpPr>
+          <p:cNvPr id="5" name="Retângulo 4"/>
+          <p:cNvSpPr/>
+          <p:nvPr/>
+        </p:nvSpPr>
+        <p:spPr>
+          <a:xfrm>
+            <a:off x="1069132" y="0"/>
+            <a:ext cx="3575179" cy="1175657"/>
+          </a:xfrm>
+          <a:prstGeom prst="rect">
+            <a:avLst/>
+          </a:prstGeom>
+          <a:solidFill>
+            <a:srgbClr val="FFB700"/>
+          </a:solidFill>
+          <a:ln>
+            <a:noFill/>
+          </a:ln>
+        </p:spPr>
+        <p:style>
+          <a:lnRef idx="2">
+            <a:schemeClr val="accent1">
+              <a:shade val="50000"/>
+            </a:schemeClr>
+          </a:lnRef>
+          <a:fillRef idx="1">
+            <a:schemeClr val="accent1"/>
+          </a:fillRef>
+          <a:effectRef idx="0">
+            <a:schemeClr val="accent1"/>
+          </a:effectRef>
+          <a:fontRef idx="minor">
+            <a:schemeClr val="lt1"/>
+          </a:fontRef>
+        </p:style>
+        <p:txBody>
+          <a:bodyPr rtlCol="0" anchor="ctr"/>
+          <a:lstStyle/>
+          <a:p>
+            <a:pPr algn="ctr"/>
+            <a:endParaRPr lang="pt-BR"/>
+          </a:p>
+        </p:txBody>
+      </p:sp>
+      <p:sp>
+        <p:nvSpPr>
+          <p:cNvPr id="7" name="Retângulo 6"/>
+          <p:cNvSpPr/>
+          <p:nvPr/>
+        </p:nvSpPr>
+        <p:spPr>
+          <a:xfrm>
+            <a:off x="7426389" y="-1"/>
+            <a:ext cx="3575179" cy="1175657"/>
+          </a:xfrm>
+          <a:prstGeom prst="rect">
+            <a:avLst/>
+          </a:prstGeom>
+          <a:solidFill>
+            <a:srgbClr val="FFB700"/>
+          </a:solidFill>
+          <a:ln>
+            <a:noFill/>
+          </a:ln>
+        </p:spPr>
+        <p:style>
+          <a:lnRef idx="2">
+            <a:schemeClr val="accent1">
+              <a:shade val="50000"/>
+            </a:schemeClr>
+          </a:lnRef>
+          <a:fillRef idx="1">
+            <a:schemeClr val="accent1"/>
+          </a:fillRef>
+          <a:effectRef idx="0">
+            <a:schemeClr val="accent1"/>
+          </a:effectRef>
+          <a:fontRef idx="minor">
+            <a:schemeClr val="lt1"/>
+          </a:fontRef>
+        </p:style>
+        <p:txBody>
+          <a:bodyPr rtlCol="0" anchor="ctr"/>
+          <a:lstStyle/>
+          <a:p>
+            <a:pPr algn="ctr"/>
+            <a:endParaRPr lang="pt-BR"/>
+          </a:p>
+        </p:txBody>
+      </p:sp>
+      <p:sp>
+        <p:nvSpPr>
+          <p:cNvPr id="8" name="CaixaDeTexto 7"/>
+          <p:cNvSpPr txBox="1"/>
+          <p:nvPr/>
+        </p:nvSpPr>
+        <p:spPr>
+          <a:xfrm>
+            <a:off x="959496" y="172328"/>
+            <a:ext cx="3794450" cy="830997"/>
+          </a:xfrm>
+          <a:prstGeom prst="rect">
+            <a:avLst/>
+          </a:prstGeom>
+          <a:noFill/>
+        </p:spPr>
+        <p:txBody>
+          <a:bodyPr wrap="square" rtlCol="0">
+            <a:spAutoFit/>
+          </a:bodyPr>
+          <a:lstStyle/>
+          <a:p>
+            <a:pPr algn="ctr"/>
+            <a:r>
+              <a:rPr lang="pt-BR" sz="4800" dirty="0" smtClean="0">
+                <a:solidFill>
+                  <a:schemeClr val="bg1"/>
+                </a:solidFill>
+                <a:latin typeface="Bahnschrift SemiBold" panose="020B0502040204020203" pitchFamily="34" charset="0"/>
+              </a:rPr>
+              <a:t>Função Site</a:t>
+            </a:r>
+            <a:endParaRPr lang="pt-BR" sz="4800" dirty="0">
+              <a:solidFill>
+                <a:schemeClr val="bg1"/>
+              </a:solidFill>
+              <a:latin typeface="Bahnschrift SemiBold" panose="020B0502040204020203" pitchFamily="34" charset="0"/>
+            </a:endParaRPr>
+          </a:p>
+        </p:txBody>
+      </p:sp>
+      <p:sp>
+        <p:nvSpPr>
+          <p:cNvPr id="9" name="CaixaDeTexto 8"/>
+          <p:cNvSpPr txBox="1"/>
+          <p:nvPr/>
+        </p:nvSpPr>
+        <p:spPr>
+          <a:xfrm>
+            <a:off x="7316753" y="-147783"/>
+            <a:ext cx="3794450" cy="1323439"/>
+          </a:xfrm>
+          <a:prstGeom prst="rect">
+            <a:avLst/>
+          </a:prstGeom>
+          <a:noFill/>
+        </p:spPr>
+        <p:txBody>
+          <a:bodyPr wrap="square" rtlCol="0">
+            <a:spAutoFit/>
+          </a:bodyPr>
+          <a:lstStyle/>
+          <a:p>
+            <a:pPr algn="ctr"/>
+            <a:r>
+              <a:rPr lang="pt-BR" sz="4000" dirty="0" smtClean="0">
+                <a:solidFill>
+                  <a:schemeClr val="bg1"/>
+                </a:solidFill>
+                <a:latin typeface="Bahnschrift SemiBold" panose="020B0502040204020203" pitchFamily="34" charset="0"/>
+              </a:rPr>
+              <a:t>Função Aplicação</a:t>
+            </a:r>
+            <a:endParaRPr lang="pt-BR" sz="4000" dirty="0">
+              <a:solidFill>
+                <a:schemeClr val="bg1"/>
+              </a:solidFill>
+              <a:latin typeface="Bahnschrift SemiBold" panose="020B0502040204020203" pitchFamily="34" charset="0"/>
+            </a:endParaRPr>
+          </a:p>
+        </p:txBody>
+      </p:sp>
+      <p:pic>
+        <p:nvPicPr>
+          <p:cNvPr id="10" name="Imagem 9"/>
+          <p:cNvPicPr>
+            <a:picLocks noChangeAspect="1"/>
+          </p:cNvPicPr>
+          <p:nvPr/>
+        </p:nvPicPr>
+        <p:blipFill>
+          <a:blip r:embed="rId2"/>
+          <a:stretch>
+            <a:fillRect/>
+          </a:stretch>
+        </p:blipFill>
+        <p:spPr>
+          <a:xfrm>
+            <a:off x="1069132" y="1735492"/>
+            <a:ext cx="3575178" cy="253058"/>
+          </a:xfrm>
+          <a:prstGeom prst="rect">
+            <a:avLst/>
+          </a:prstGeom>
+        </p:spPr>
+      </p:pic>
+      <p:sp>
+        <p:nvSpPr>
+          <p:cNvPr id="12" name="Retângulo 11"/>
+          <p:cNvSpPr/>
+          <p:nvPr/>
+        </p:nvSpPr>
+        <p:spPr>
+          <a:xfrm>
+            <a:off x="959496" y="1446533"/>
+            <a:ext cx="938726" cy="338554"/>
+          </a:xfrm>
+          <a:prstGeom prst="rect">
+            <a:avLst/>
+          </a:prstGeom>
+          <a:ln w="38100">
+            <a:noFill/>
+            <a:prstDash val="lgDash"/>
+          </a:ln>
+        </p:spPr>
+        <p:txBody>
+          <a:bodyPr wrap="square">
+            <a:spAutoFit/>
+          </a:bodyPr>
+          <a:lstStyle/>
+          <a:p>
+            <a:pPr algn="ctr"/>
+            <a:r>
+              <a:rPr lang="pt-BR" sz="1600" dirty="0" smtClean="0">
+                <a:solidFill>
+                  <a:schemeClr val="bg1"/>
+                </a:solidFill>
+                <a:latin typeface="Bahnschrift SemiBold" panose="020B0502040204020203" pitchFamily="34" charset="0"/>
+              </a:rPr>
+              <a:t>Header:</a:t>
+            </a:r>
+            <a:endParaRPr lang="pt-BR" sz="1600" dirty="0">
+              <a:solidFill>
+                <a:schemeClr val="bg1"/>
+              </a:solidFill>
+              <a:latin typeface="Bahnschrift SemiBold" panose="020B0502040204020203" pitchFamily="34" charset="0"/>
+            </a:endParaRPr>
+          </a:p>
+        </p:txBody>
+      </p:sp>
+      <p:sp>
+        <p:nvSpPr>
+          <p:cNvPr id="14" name="Retângulo 13"/>
+          <p:cNvSpPr/>
+          <p:nvPr/>
+        </p:nvSpPr>
+        <p:spPr>
+          <a:xfrm>
+            <a:off x="1435427" y="2020340"/>
+            <a:ext cx="2842588" cy="1200329"/>
+          </a:xfrm>
+          <a:prstGeom prst="rect">
+            <a:avLst/>
+          </a:prstGeom>
+          <a:ln w="38100">
+            <a:noFill/>
+            <a:prstDash val="lgDash"/>
+          </a:ln>
+        </p:spPr>
+        <p:txBody>
+          <a:bodyPr wrap="square">
+            <a:spAutoFit/>
+          </a:bodyPr>
+          <a:lstStyle/>
+          <a:p>
+            <a:pPr marL="285750" indent="-285750">
+              <a:buFont typeface="Arial" panose="020B0604020202020204" pitchFamily="34" charset="0"/>
+              <a:buChar char="•"/>
+            </a:pPr>
+            <a:r>
+              <a:rPr lang="pt-BR" sz="1400" dirty="0" smtClean="0">
+                <a:solidFill>
+                  <a:schemeClr val="bg1"/>
+                </a:solidFill>
+                <a:latin typeface="Bahnschrift SemiBold" panose="020B0502040204020203" pitchFamily="34" charset="0"/>
+              </a:rPr>
+              <a:t>Ir para página de </a:t>
+            </a:r>
+            <a:r>
+              <a:rPr lang="pt-BR" sz="1400" dirty="0" err="1" smtClean="0">
+                <a:solidFill>
+                  <a:schemeClr val="bg1"/>
+                </a:solidFill>
+                <a:latin typeface="Bahnschrift SemiBold" panose="020B0502040204020203" pitchFamily="34" charset="0"/>
+              </a:rPr>
+              <a:t>login</a:t>
+            </a:r>
+            <a:r>
+              <a:rPr lang="pt-BR" sz="1400" dirty="0" smtClean="0">
+                <a:solidFill>
+                  <a:schemeClr val="bg1"/>
+                </a:solidFill>
+                <a:latin typeface="Bahnschrift SemiBold" panose="020B0502040204020203" pitchFamily="34" charset="0"/>
+              </a:rPr>
+              <a:t>/cadastro</a:t>
+            </a:r>
+          </a:p>
+          <a:p>
+            <a:pPr marL="285750" indent="-285750">
+              <a:buFont typeface="Arial" panose="020B0604020202020204" pitchFamily="34" charset="0"/>
+              <a:buChar char="•"/>
+            </a:pPr>
+            <a:r>
+              <a:rPr lang="pt-BR" sz="1400" dirty="0" smtClean="0">
+                <a:solidFill>
+                  <a:schemeClr val="bg1"/>
+                </a:solidFill>
+                <a:latin typeface="Bahnschrift SemiBold" panose="020B0502040204020203" pitchFamily="34" charset="0"/>
+              </a:rPr>
+              <a:t>Ir para Home, Sobre nós e para a página de downloads</a:t>
+            </a:r>
+          </a:p>
+          <a:p>
+            <a:pPr marL="285750" indent="-285750">
+              <a:buFont typeface="Arial" panose="020B0604020202020204" pitchFamily="34" charset="0"/>
+              <a:buChar char="•"/>
+            </a:pPr>
+            <a:endParaRPr lang="pt-BR" sz="1600" dirty="0">
+              <a:solidFill>
+                <a:schemeClr val="bg1"/>
+              </a:solidFill>
+              <a:latin typeface="Bahnschrift SemiBold" panose="020B0502040204020203" pitchFamily="34" charset="0"/>
+            </a:endParaRPr>
+          </a:p>
+        </p:txBody>
+      </p:sp>
+      <p:pic>
+        <p:nvPicPr>
+          <p:cNvPr id="15" name="Imagem 14"/>
+          <p:cNvPicPr>
+            <a:picLocks noChangeAspect="1"/>
+          </p:cNvPicPr>
+          <p:nvPr/>
+        </p:nvPicPr>
+        <p:blipFill>
+          <a:blip r:embed="rId3"/>
+          <a:stretch>
+            <a:fillRect/>
+          </a:stretch>
+        </p:blipFill>
+        <p:spPr>
+          <a:xfrm>
+            <a:off x="1069132" y="4007895"/>
+            <a:ext cx="1714845" cy="2038882"/>
+          </a:xfrm>
+          <a:prstGeom prst="rect">
+            <a:avLst/>
+          </a:prstGeom>
+        </p:spPr>
+      </p:pic>
+      <p:sp>
+        <p:nvSpPr>
+          <p:cNvPr id="16" name="Retângulo 15"/>
+          <p:cNvSpPr/>
+          <p:nvPr/>
+        </p:nvSpPr>
+        <p:spPr>
+          <a:xfrm>
+            <a:off x="988741" y="3694207"/>
+            <a:ext cx="1073323" cy="338554"/>
+          </a:xfrm>
+          <a:prstGeom prst="rect">
+            <a:avLst/>
+          </a:prstGeom>
+          <a:ln w="38100">
+            <a:noFill/>
+            <a:prstDash val="lgDash"/>
+          </a:ln>
+        </p:spPr>
+        <p:txBody>
+          <a:bodyPr wrap="square">
+            <a:spAutoFit/>
+          </a:bodyPr>
+          <a:lstStyle/>
+          <a:p>
+            <a:pPr algn="ctr"/>
+            <a:r>
+              <a:rPr lang="pt-BR" sz="1600" dirty="0" smtClean="0">
+                <a:solidFill>
+                  <a:schemeClr val="bg1"/>
+                </a:solidFill>
+                <a:latin typeface="Bahnschrift SemiBold" panose="020B0502040204020203" pitchFamily="34" charset="0"/>
+              </a:rPr>
+              <a:t>Cadastro:</a:t>
+            </a:r>
+            <a:endParaRPr lang="pt-BR" sz="1600" dirty="0">
+              <a:solidFill>
+                <a:schemeClr val="bg1"/>
+              </a:solidFill>
+              <a:latin typeface="Bahnschrift SemiBold" panose="020B0502040204020203" pitchFamily="34" charset="0"/>
+            </a:endParaRPr>
+          </a:p>
+        </p:txBody>
+      </p:sp>
+      <p:sp>
+        <p:nvSpPr>
+          <p:cNvPr id="17" name="Retângulo 16"/>
+          <p:cNvSpPr/>
+          <p:nvPr/>
+        </p:nvSpPr>
+        <p:spPr>
+          <a:xfrm>
+            <a:off x="2783977" y="4427171"/>
+            <a:ext cx="2109997" cy="1200329"/>
+          </a:xfrm>
+          <a:prstGeom prst="rect">
+            <a:avLst/>
+          </a:prstGeom>
+          <a:ln w="38100">
+            <a:noFill/>
+            <a:prstDash val="lgDash"/>
+          </a:ln>
+        </p:spPr>
+        <p:txBody>
+          <a:bodyPr wrap="square">
+            <a:spAutoFit/>
+          </a:bodyPr>
+          <a:lstStyle/>
+          <a:p>
+            <a:pPr marL="285750" indent="-285750">
+              <a:buFont typeface="Arial" panose="020B0604020202020204" pitchFamily="34" charset="0"/>
+              <a:buChar char="•"/>
+            </a:pPr>
+            <a:r>
+              <a:rPr lang="pt-BR" sz="1400" dirty="0" smtClean="0">
+                <a:solidFill>
+                  <a:schemeClr val="bg1"/>
+                </a:solidFill>
+                <a:latin typeface="Bahnschrift SemiBold" panose="020B0502040204020203" pitchFamily="34" charset="0"/>
+              </a:rPr>
+              <a:t>Inserir as informações pessoais</a:t>
+            </a:r>
+          </a:p>
+          <a:p>
+            <a:pPr marL="285750" indent="-285750">
+              <a:buFont typeface="Arial" panose="020B0604020202020204" pitchFamily="34" charset="0"/>
+              <a:buChar char="•"/>
+            </a:pPr>
+            <a:r>
+              <a:rPr lang="pt-BR" sz="1400" dirty="0" smtClean="0">
+                <a:solidFill>
+                  <a:schemeClr val="bg1"/>
+                </a:solidFill>
+                <a:latin typeface="Bahnschrift SemiBold" panose="020B0502040204020203" pitchFamily="34" charset="0"/>
+              </a:rPr>
+              <a:t>Cadastrar-se</a:t>
+            </a:r>
+          </a:p>
+          <a:p>
+            <a:pPr marL="285750" indent="-285750">
+              <a:buFont typeface="Arial" panose="020B0604020202020204" pitchFamily="34" charset="0"/>
+              <a:buChar char="•"/>
+            </a:pPr>
+            <a:endParaRPr lang="pt-BR" sz="1600" dirty="0">
+              <a:solidFill>
+                <a:schemeClr val="bg1"/>
+              </a:solidFill>
+              <a:latin typeface="Bahnschrift SemiBold" panose="020B0502040204020203" pitchFamily="34" charset="0"/>
+            </a:endParaRPr>
+          </a:p>
+        </p:txBody>
+      </p:sp>
+      <p:pic>
+        <p:nvPicPr>
+          <p:cNvPr id="18" name="Imagem 17"/>
+          <p:cNvPicPr>
+            <a:picLocks noChangeAspect="1"/>
+          </p:cNvPicPr>
+          <p:nvPr/>
+        </p:nvPicPr>
+        <p:blipFill>
+          <a:blip r:embed="rId4"/>
+          <a:stretch>
+            <a:fillRect/>
+          </a:stretch>
+        </p:blipFill>
+        <p:spPr>
+          <a:xfrm>
+            <a:off x="7426388" y="1552451"/>
+            <a:ext cx="730296" cy="1429432"/>
+          </a:xfrm>
+          <a:prstGeom prst="rect">
+            <a:avLst/>
+          </a:prstGeom>
+        </p:spPr>
+      </p:pic>
+      <p:sp>
+        <p:nvSpPr>
+          <p:cNvPr id="19" name="Retângulo 18"/>
+          <p:cNvSpPr/>
+          <p:nvPr/>
+        </p:nvSpPr>
+        <p:spPr>
+          <a:xfrm>
+            <a:off x="7316752" y="1263997"/>
+            <a:ext cx="759088" cy="338554"/>
+          </a:xfrm>
+          <a:prstGeom prst="rect">
+            <a:avLst/>
+          </a:prstGeom>
+          <a:ln w="38100">
+            <a:noFill/>
+            <a:prstDash val="lgDash"/>
+          </a:ln>
+        </p:spPr>
+        <p:txBody>
+          <a:bodyPr wrap="square">
+            <a:spAutoFit/>
+          </a:bodyPr>
+          <a:lstStyle/>
+          <a:p>
+            <a:r>
+              <a:rPr lang="pt-BR" sz="1600" dirty="0" smtClean="0">
+                <a:solidFill>
+                  <a:schemeClr val="bg1"/>
+                </a:solidFill>
+                <a:latin typeface="Bahnschrift SemiBold" panose="020B0502040204020203" pitchFamily="34" charset="0"/>
+              </a:rPr>
+              <a:t>Menu:</a:t>
+            </a:r>
+            <a:endParaRPr lang="pt-BR" sz="1600" dirty="0">
+              <a:solidFill>
+                <a:schemeClr val="bg1"/>
+              </a:solidFill>
+              <a:latin typeface="Bahnschrift SemiBold" panose="020B0502040204020203" pitchFamily="34" charset="0"/>
+            </a:endParaRPr>
+          </a:p>
+        </p:txBody>
+      </p:sp>
+      <p:sp>
+        <p:nvSpPr>
+          <p:cNvPr id="20" name="Retângulo 19"/>
+          <p:cNvSpPr/>
+          <p:nvPr/>
+        </p:nvSpPr>
+        <p:spPr>
+          <a:xfrm>
+            <a:off x="8185476" y="1552451"/>
+            <a:ext cx="2109997" cy="954107"/>
+          </a:xfrm>
+          <a:prstGeom prst="rect">
+            <a:avLst/>
+          </a:prstGeom>
+          <a:ln w="38100">
+            <a:noFill/>
+            <a:prstDash val="lgDash"/>
+          </a:ln>
+        </p:spPr>
+        <p:txBody>
+          <a:bodyPr wrap="square">
+            <a:spAutoFit/>
+          </a:bodyPr>
+          <a:lstStyle/>
+          <a:p>
+            <a:pPr marL="285750" indent="-285750">
+              <a:buFont typeface="Arial" panose="020B0604020202020204" pitchFamily="34" charset="0"/>
+              <a:buChar char="•"/>
+            </a:pPr>
+            <a:r>
+              <a:rPr lang="pt-BR" sz="1400" dirty="0" smtClean="0">
+                <a:solidFill>
+                  <a:schemeClr val="bg1"/>
+                </a:solidFill>
+                <a:latin typeface="Bahnschrift SemiBold" panose="020B0502040204020203" pitchFamily="34" charset="0"/>
+              </a:rPr>
+              <a:t>Acessar a biblioteca</a:t>
+            </a:r>
+          </a:p>
+          <a:p>
+            <a:pPr marL="285750" indent="-285750">
+              <a:buFont typeface="Arial" panose="020B0604020202020204" pitchFamily="34" charset="0"/>
+              <a:buChar char="•"/>
+            </a:pPr>
+            <a:r>
+              <a:rPr lang="pt-BR" sz="1400" dirty="0" smtClean="0">
+                <a:solidFill>
+                  <a:schemeClr val="bg1"/>
+                </a:solidFill>
+                <a:latin typeface="Bahnschrift SemiBold" panose="020B0502040204020203" pitchFamily="34" charset="0"/>
+              </a:rPr>
+              <a:t>Acessar a loja</a:t>
+            </a:r>
+          </a:p>
+          <a:p>
+            <a:pPr marL="285750" indent="-285750">
+              <a:buFont typeface="Arial" panose="020B0604020202020204" pitchFamily="34" charset="0"/>
+              <a:buChar char="•"/>
+            </a:pPr>
+            <a:r>
+              <a:rPr lang="pt-BR" sz="1400" dirty="0" smtClean="0">
+                <a:solidFill>
+                  <a:schemeClr val="bg1"/>
+                </a:solidFill>
+                <a:latin typeface="Bahnschrift SemiBold" panose="020B0502040204020203" pitchFamily="34" charset="0"/>
+              </a:rPr>
+              <a:t>Acessar o perfil</a:t>
+            </a:r>
+          </a:p>
+          <a:p>
+            <a:pPr marL="285750" indent="-285750">
+              <a:buFont typeface="Arial" panose="020B0604020202020204" pitchFamily="34" charset="0"/>
+              <a:buChar char="•"/>
+            </a:pPr>
+            <a:r>
+              <a:rPr lang="pt-BR" sz="1400" dirty="0" smtClean="0">
+                <a:solidFill>
+                  <a:schemeClr val="bg1"/>
+                </a:solidFill>
+                <a:latin typeface="Bahnschrift SemiBold" panose="020B0502040204020203" pitchFamily="34" charset="0"/>
+              </a:rPr>
+              <a:t>Sair da aplicação </a:t>
+            </a:r>
+          </a:p>
+        </p:txBody>
+      </p:sp>
+      <p:pic>
+        <p:nvPicPr>
+          <p:cNvPr id="21" name="Imagem 20"/>
+          <p:cNvPicPr>
+            <a:picLocks noChangeAspect="1"/>
+          </p:cNvPicPr>
+          <p:nvPr/>
+        </p:nvPicPr>
+        <p:blipFill>
+          <a:blip r:embed="rId5"/>
+          <a:stretch>
+            <a:fillRect/>
+          </a:stretch>
+        </p:blipFill>
+        <p:spPr>
+          <a:xfrm>
+            <a:off x="9041362" y="3028400"/>
+            <a:ext cx="1960205" cy="1564750"/>
+          </a:xfrm>
+          <a:prstGeom prst="rect">
+            <a:avLst/>
+          </a:prstGeom>
+        </p:spPr>
+      </p:pic>
+      <p:sp>
+        <p:nvSpPr>
+          <p:cNvPr id="22" name="Retângulo 21"/>
+          <p:cNvSpPr/>
+          <p:nvPr/>
+        </p:nvSpPr>
+        <p:spPr>
+          <a:xfrm>
+            <a:off x="9918794" y="2687883"/>
+            <a:ext cx="1254330" cy="338554"/>
+          </a:xfrm>
+          <a:prstGeom prst="rect">
+            <a:avLst/>
+          </a:prstGeom>
+          <a:ln w="38100">
+            <a:noFill/>
+            <a:prstDash val="lgDash"/>
+          </a:ln>
+        </p:spPr>
+        <p:txBody>
+          <a:bodyPr wrap="square">
+            <a:spAutoFit/>
+          </a:bodyPr>
+          <a:lstStyle/>
+          <a:p>
+            <a:r>
+              <a:rPr lang="pt-BR" sz="1600" dirty="0" smtClean="0">
+                <a:solidFill>
+                  <a:schemeClr val="bg1"/>
+                </a:solidFill>
+                <a:latin typeface="Bahnschrift SemiBold" panose="020B0502040204020203" pitchFamily="34" charset="0"/>
+              </a:rPr>
+              <a:t>Biblioteca:</a:t>
+            </a:r>
+            <a:endParaRPr lang="pt-BR" sz="1600" dirty="0">
+              <a:solidFill>
+                <a:schemeClr val="bg1"/>
+              </a:solidFill>
+              <a:latin typeface="Bahnschrift SemiBold" panose="020B0502040204020203" pitchFamily="34" charset="0"/>
+            </a:endParaRPr>
+          </a:p>
+        </p:txBody>
+      </p:sp>
+      <p:sp>
+        <p:nvSpPr>
+          <p:cNvPr id="23" name="Retângulo 22"/>
+          <p:cNvSpPr/>
+          <p:nvPr/>
+        </p:nvSpPr>
+        <p:spPr>
+          <a:xfrm>
+            <a:off x="7316752" y="3247746"/>
+            <a:ext cx="1724609" cy="954107"/>
+          </a:xfrm>
+          <a:prstGeom prst="rect">
+            <a:avLst/>
+          </a:prstGeom>
+          <a:ln w="38100">
+            <a:noFill/>
+            <a:prstDash val="lgDash"/>
+          </a:ln>
+        </p:spPr>
+        <p:txBody>
+          <a:bodyPr wrap="square">
+            <a:spAutoFit/>
+          </a:bodyPr>
+          <a:lstStyle/>
+          <a:p>
+            <a:pPr marL="285750" indent="-285750">
+              <a:buFont typeface="Arial" panose="020B0604020202020204" pitchFamily="34" charset="0"/>
+              <a:buChar char="•"/>
+            </a:pPr>
+            <a:r>
+              <a:rPr lang="pt-BR" sz="1400" dirty="0" smtClean="0">
+                <a:solidFill>
+                  <a:schemeClr val="bg1"/>
+                </a:solidFill>
+                <a:latin typeface="Bahnschrift SemiBold" panose="020B0502040204020203" pitchFamily="34" charset="0"/>
+              </a:rPr>
+              <a:t>Iniciar aplicativo</a:t>
+            </a:r>
+          </a:p>
+          <a:p>
+            <a:pPr marL="285750" indent="-285750">
+              <a:buFont typeface="Arial" panose="020B0604020202020204" pitchFamily="34" charset="0"/>
+              <a:buChar char="•"/>
+            </a:pPr>
+            <a:r>
+              <a:rPr lang="pt-BR" sz="1400" dirty="0" smtClean="0">
+                <a:solidFill>
+                  <a:schemeClr val="bg1"/>
+                </a:solidFill>
+                <a:latin typeface="Bahnschrift SemiBold" panose="020B0502040204020203" pitchFamily="34" charset="0"/>
+              </a:rPr>
+              <a:t>Ordenar aplicativos</a:t>
+            </a:r>
+          </a:p>
+        </p:txBody>
+      </p:sp>
+      <p:pic>
+        <p:nvPicPr>
+          <p:cNvPr id="24" name="Imagem 23"/>
+          <p:cNvPicPr>
+            <a:picLocks noChangeAspect="1"/>
+          </p:cNvPicPr>
+          <p:nvPr/>
+        </p:nvPicPr>
+        <p:blipFill>
+          <a:blip r:embed="rId6"/>
+          <a:stretch>
+            <a:fillRect/>
+          </a:stretch>
+        </p:blipFill>
+        <p:spPr>
+          <a:xfrm>
+            <a:off x="7426388" y="4774476"/>
+            <a:ext cx="1982782" cy="1566713"/>
+          </a:xfrm>
+          <a:prstGeom prst="rect">
+            <a:avLst/>
+          </a:prstGeom>
+        </p:spPr>
+      </p:pic>
+      <p:sp>
+        <p:nvSpPr>
+          <p:cNvPr id="25" name="Retângulo 24"/>
+          <p:cNvSpPr/>
+          <p:nvPr/>
+        </p:nvSpPr>
+        <p:spPr>
+          <a:xfrm>
+            <a:off x="9448516" y="5084920"/>
+            <a:ext cx="1724609" cy="954107"/>
+          </a:xfrm>
+          <a:prstGeom prst="rect">
+            <a:avLst/>
+          </a:prstGeom>
+          <a:ln w="38100">
+            <a:noFill/>
+            <a:prstDash val="lgDash"/>
+          </a:ln>
+        </p:spPr>
+        <p:txBody>
+          <a:bodyPr wrap="square">
+            <a:spAutoFit/>
+          </a:bodyPr>
+          <a:lstStyle/>
+          <a:p>
+            <a:pPr marL="285750" indent="-285750">
+              <a:buFont typeface="Arial" panose="020B0604020202020204" pitchFamily="34" charset="0"/>
+              <a:buChar char="•"/>
+            </a:pPr>
+            <a:r>
+              <a:rPr lang="pt-BR" sz="1400" dirty="0" smtClean="0">
+                <a:solidFill>
+                  <a:schemeClr val="bg1"/>
+                </a:solidFill>
+                <a:latin typeface="Bahnschrift SemiBold" panose="020B0502040204020203" pitchFamily="34" charset="0"/>
+              </a:rPr>
+              <a:t>Comprar aplicativo</a:t>
+            </a:r>
+          </a:p>
+          <a:p>
+            <a:pPr marL="285750" indent="-285750">
+              <a:buFont typeface="Arial" panose="020B0604020202020204" pitchFamily="34" charset="0"/>
+              <a:buChar char="•"/>
+            </a:pPr>
+            <a:r>
+              <a:rPr lang="pt-BR" sz="1400" dirty="0" smtClean="0">
+                <a:solidFill>
+                  <a:schemeClr val="bg1"/>
+                </a:solidFill>
+                <a:latin typeface="Bahnschrift SemiBold" panose="020B0502040204020203" pitchFamily="34" charset="0"/>
+              </a:rPr>
+              <a:t>Ordenar aplicativos</a:t>
+            </a:r>
+          </a:p>
+        </p:txBody>
+      </p:sp>
+    </p:spTree>
+    <p:extLst>
+      <p:ext uri="{BB962C8B-B14F-4D97-AF65-F5344CB8AC3E}">
+        <p14:creationId xmlns:p14="http://schemas.microsoft.com/office/powerpoint/2010/main" val="1579183662"/>
+      </p:ext>
+    </p:extLst>
+  </p:cSld>
+  <p:clrMapOvr>
+    <a:masterClrMapping/>
+  </p:clrMapOvr>
+</p:sld>
+</file>
+
+<file path=ppt/slides/slide26.xml><?xml version="1.0" encoding="utf-8"?>
+<p:sld xmlns:a="http://schemas.openxmlformats.org/drawingml/2006/main" xmlns:r="http://schemas.openxmlformats.org/officeDocument/2006/relationships" xmlns:p="http://schemas.openxmlformats.org/presentationml/2006/main">
+  <p:cSld>
+    <p:bg>
+      <p:bgPr>
+        <a:solidFill>
+          <a:srgbClr val="DCE1E7"/>
+        </a:solidFill>
+        <a:effectLst/>
+      </p:bgPr>
+    </p:bg>
+    <p:spTree>
+      <p:nvGrpSpPr>
+        <p:cNvPr id="1" name=""/>
+        <p:cNvGrpSpPr/>
+        <p:nvPr/>
+      </p:nvGrpSpPr>
+      <p:grpSpPr>
+        <a:xfrm>
+          <a:off x="0" y="0"/>
+          <a:ext cx="0" cy="0"/>
+          <a:chOff x="0" y="0"/>
+          <a:chExt cx="0" cy="0"/>
+        </a:xfrm>
+      </p:grpSpPr>
+      <p:sp>
+        <p:nvSpPr>
+          <p:cNvPr id="3" name="Retângulo 2"/>
+          <p:cNvSpPr/>
+          <p:nvPr/>
+        </p:nvSpPr>
+        <p:spPr>
+          <a:xfrm>
+            <a:off x="3755572" y="443204"/>
+            <a:ext cx="4680857" cy="6060232"/>
+          </a:xfrm>
+          <a:prstGeom prst="rect">
+            <a:avLst/>
+          </a:prstGeom>
+          <a:solidFill>
+            <a:srgbClr val="323947"/>
+          </a:solidFill>
+          <a:ln>
+            <a:solidFill>
+              <a:srgbClr val="323947"/>
+            </a:solidFill>
+          </a:ln>
+        </p:spPr>
+        <p:style>
+          <a:lnRef idx="2">
+            <a:schemeClr val="accent1">
+              <a:shade val="50000"/>
+            </a:schemeClr>
+          </a:lnRef>
+          <a:fillRef idx="1">
+            <a:schemeClr val="accent1"/>
+          </a:fillRef>
+          <a:effectRef idx="0">
+            <a:schemeClr val="accent1"/>
+          </a:effectRef>
+          <a:fontRef idx="minor">
+            <a:schemeClr val="lt1"/>
+          </a:fontRef>
+        </p:style>
+        <p:txBody>
+          <a:bodyPr rtlCol="0" anchor="ctr"/>
+          <a:lstStyle/>
+          <a:p>
+            <a:pPr algn="ctr"/>
+            <a:endParaRPr lang="pt-BR"/>
+          </a:p>
+        </p:txBody>
+      </p:sp>
+      <p:sp>
+        <p:nvSpPr>
+          <p:cNvPr id="7" name="Retângulo 6"/>
+          <p:cNvSpPr/>
+          <p:nvPr/>
+        </p:nvSpPr>
+        <p:spPr>
+          <a:xfrm>
+            <a:off x="4308411" y="-1"/>
+            <a:ext cx="3575179" cy="1175657"/>
+          </a:xfrm>
+          <a:prstGeom prst="rect">
+            <a:avLst/>
+          </a:prstGeom>
+          <a:solidFill>
+            <a:srgbClr val="FFB700"/>
+          </a:solidFill>
+          <a:ln>
+            <a:noFill/>
+          </a:ln>
+        </p:spPr>
+        <p:style>
+          <a:lnRef idx="2">
+            <a:schemeClr val="accent1">
+              <a:shade val="50000"/>
+            </a:schemeClr>
+          </a:lnRef>
+          <a:fillRef idx="1">
+            <a:schemeClr val="accent1"/>
+          </a:fillRef>
+          <a:effectRef idx="0">
+            <a:schemeClr val="accent1"/>
+          </a:effectRef>
+          <a:fontRef idx="minor">
+            <a:schemeClr val="lt1"/>
+          </a:fontRef>
+        </p:style>
+        <p:txBody>
+          <a:bodyPr rtlCol="0" anchor="ctr"/>
+          <a:lstStyle/>
+          <a:p>
+            <a:pPr algn="ctr"/>
+            <a:endParaRPr lang="pt-BR"/>
+          </a:p>
+        </p:txBody>
+      </p:sp>
+      <p:sp>
+        <p:nvSpPr>
+          <p:cNvPr id="9" name="CaixaDeTexto 8"/>
+          <p:cNvSpPr txBox="1"/>
+          <p:nvPr/>
+        </p:nvSpPr>
+        <p:spPr>
+          <a:xfrm>
+            <a:off x="4198775" y="-147783"/>
+            <a:ext cx="3794450" cy="1323439"/>
+          </a:xfrm>
+          <a:prstGeom prst="rect">
+            <a:avLst/>
+          </a:prstGeom>
+          <a:noFill/>
+        </p:spPr>
+        <p:txBody>
+          <a:bodyPr wrap="square" rtlCol="0">
+            <a:spAutoFit/>
+          </a:bodyPr>
+          <a:lstStyle/>
+          <a:p>
+            <a:pPr algn="ctr"/>
+            <a:r>
+              <a:rPr lang="pt-BR" sz="4000" dirty="0" smtClean="0">
+                <a:solidFill>
+                  <a:schemeClr val="bg1"/>
+                </a:solidFill>
+                <a:latin typeface="Bahnschrift SemiBold" panose="020B0502040204020203" pitchFamily="34" charset="0"/>
+              </a:rPr>
+              <a:t>Função Aplicação</a:t>
+            </a:r>
+            <a:endParaRPr lang="pt-BR" sz="4000" dirty="0">
+              <a:solidFill>
+                <a:schemeClr val="bg1"/>
+              </a:solidFill>
+              <a:latin typeface="Bahnschrift SemiBold" panose="020B0502040204020203" pitchFamily="34" charset="0"/>
+            </a:endParaRPr>
+          </a:p>
+        </p:txBody>
+      </p:sp>
+      <p:sp>
+        <p:nvSpPr>
+          <p:cNvPr id="19" name="Retângulo 18"/>
+          <p:cNvSpPr/>
+          <p:nvPr/>
+        </p:nvSpPr>
+        <p:spPr>
+          <a:xfrm>
+            <a:off x="4308411" y="1213897"/>
+            <a:ext cx="759088" cy="338554"/>
+          </a:xfrm>
+          <a:prstGeom prst="rect">
+            <a:avLst/>
+          </a:prstGeom>
+          <a:ln w="38100">
+            <a:noFill/>
+            <a:prstDash val="lgDash"/>
+          </a:ln>
+        </p:spPr>
+        <p:txBody>
+          <a:bodyPr wrap="square">
+            <a:spAutoFit/>
+          </a:bodyPr>
+          <a:lstStyle/>
+          <a:p>
+            <a:r>
+              <a:rPr lang="pt-BR" sz="1600" dirty="0" smtClean="0">
+                <a:solidFill>
+                  <a:schemeClr val="bg1"/>
+                </a:solidFill>
+                <a:latin typeface="Bahnschrift SemiBold" panose="020B0502040204020203" pitchFamily="34" charset="0"/>
+              </a:rPr>
+              <a:t>Perfil:</a:t>
+            </a:r>
+            <a:endParaRPr lang="pt-BR" sz="1600" dirty="0">
+              <a:solidFill>
+                <a:schemeClr val="bg1"/>
+              </a:solidFill>
+              <a:latin typeface="Bahnschrift SemiBold" panose="020B0502040204020203" pitchFamily="34" charset="0"/>
+            </a:endParaRPr>
+          </a:p>
+        </p:txBody>
+      </p:sp>
+      <p:sp>
+        <p:nvSpPr>
+          <p:cNvPr id="20" name="Retângulo 19"/>
+          <p:cNvSpPr/>
+          <p:nvPr/>
+        </p:nvSpPr>
+        <p:spPr>
+          <a:xfrm>
+            <a:off x="5888977" y="1932874"/>
+            <a:ext cx="2109997" cy="954107"/>
+          </a:xfrm>
+          <a:prstGeom prst="rect">
+            <a:avLst/>
+          </a:prstGeom>
+          <a:ln w="38100">
+            <a:noFill/>
+            <a:prstDash val="lgDash"/>
+          </a:ln>
+        </p:spPr>
+        <p:txBody>
+          <a:bodyPr wrap="square">
+            <a:spAutoFit/>
+          </a:bodyPr>
+          <a:lstStyle/>
+          <a:p>
+            <a:pPr marL="285750" indent="-285750">
+              <a:buFont typeface="Arial" panose="020B0604020202020204" pitchFamily="34" charset="0"/>
+              <a:buChar char="•"/>
+            </a:pPr>
+            <a:r>
+              <a:rPr lang="pt-BR" sz="1400" dirty="0" smtClean="0">
+                <a:solidFill>
+                  <a:schemeClr val="bg1"/>
+                </a:solidFill>
+                <a:latin typeface="Bahnschrift SemiBold" panose="020B0502040204020203" pitchFamily="34" charset="0"/>
+              </a:rPr>
+              <a:t>Ver dados pessoais</a:t>
+            </a:r>
+          </a:p>
+          <a:p>
+            <a:pPr marL="285750" indent="-285750">
+              <a:buFont typeface="Arial" panose="020B0604020202020204" pitchFamily="34" charset="0"/>
+              <a:buChar char="•"/>
+            </a:pPr>
+            <a:r>
+              <a:rPr lang="pt-BR" sz="1400" dirty="0" smtClean="0">
+                <a:solidFill>
+                  <a:schemeClr val="bg1"/>
+                </a:solidFill>
+                <a:latin typeface="Bahnschrift SemiBold" panose="020B0502040204020203" pitchFamily="34" charset="0"/>
+              </a:rPr>
+              <a:t>Alterar dados pessoais</a:t>
+            </a:r>
+          </a:p>
+          <a:p>
+            <a:pPr marL="285750" indent="-285750">
+              <a:buFont typeface="Arial" panose="020B0604020202020204" pitchFamily="34" charset="0"/>
+              <a:buChar char="•"/>
+            </a:pPr>
+            <a:r>
+              <a:rPr lang="pt-BR" sz="1400" dirty="0" smtClean="0">
+                <a:solidFill>
+                  <a:schemeClr val="bg1"/>
+                </a:solidFill>
+                <a:latin typeface="Bahnschrift SemiBold" panose="020B0502040204020203" pitchFamily="34" charset="0"/>
+              </a:rPr>
+              <a:t>Ver lista de amigos</a:t>
+            </a:r>
+          </a:p>
+        </p:txBody>
+      </p:sp>
+      <p:pic>
+        <p:nvPicPr>
+          <p:cNvPr id="4" name="Imagem 3"/>
+          <p:cNvPicPr>
+            <a:picLocks noChangeAspect="1"/>
+          </p:cNvPicPr>
+          <p:nvPr/>
+        </p:nvPicPr>
+        <p:blipFill>
+          <a:blip r:embed="rId2"/>
+          <a:stretch>
+            <a:fillRect/>
+          </a:stretch>
+        </p:blipFill>
+        <p:spPr>
+          <a:xfrm>
+            <a:off x="4308411" y="1552451"/>
+            <a:ext cx="1580566" cy="1499511"/>
+          </a:xfrm>
+          <a:prstGeom prst="rect">
+            <a:avLst/>
+          </a:prstGeom>
+        </p:spPr>
+      </p:pic>
+      <p:pic>
+        <p:nvPicPr>
+          <p:cNvPr id="6" name="Imagem 5"/>
+          <p:cNvPicPr>
+            <a:picLocks noChangeAspect="1"/>
+          </p:cNvPicPr>
+          <p:nvPr/>
+        </p:nvPicPr>
+        <p:blipFill>
+          <a:blip r:embed="rId3"/>
+          <a:stretch>
+            <a:fillRect/>
+          </a:stretch>
+        </p:blipFill>
+        <p:spPr>
+          <a:xfrm>
+            <a:off x="5889428" y="4254759"/>
+            <a:ext cx="1994162" cy="1371314"/>
+          </a:xfrm>
+          <a:prstGeom prst="rect">
+            <a:avLst/>
+          </a:prstGeom>
+        </p:spPr>
+      </p:pic>
+      <p:sp>
+        <p:nvSpPr>
+          <p:cNvPr id="26" name="Retângulo 25"/>
+          <p:cNvSpPr/>
+          <p:nvPr/>
+        </p:nvSpPr>
+        <p:spPr>
+          <a:xfrm>
+            <a:off x="4308412" y="4291835"/>
+            <a:ext cx="1580566" cy="1169551"/>
+          </a:xfrm>
+          <a:prstGeom prst="rect">
+            <a:avLst/>
+          </a:prstGeom>
+          <a:ln w="38100">
+            <a:noFill/>
+            <a:prstDash val="lgDash"/>
+          </a:ln>
+        </p:spPr>
+        <p:txBody>
+          <a:bodyPr wrap="square">
+            <a:spAutoFit/>
+          </a:bodyPr>
+          <a:lstStyle/>
+          <a:p>
+            <a:pPr marL="285750" indent="-285750">
+              <a:buFont typeface="Arial" panose="020B0604020202020204" pitchFamily="34" charset="0"/>
+              <a:buChar char="•"/>
+            </a:pPr>
+            <a:r>
+              <a:rPr lang="pt-BR" sz="1400" dirty="0" smtClean="0">
+                <a:solidFill>
+                  <a:schemeClr val="bg1"/>
+                </a:solidFill>
+                <a:latin typeface="Bahnschrift SemiBold" panose="020B0502040204020203" pitchFamily="34" charset="0"/>
+              </a:rPr>
+              <a:t>Usar o aplicativo</a:t>
+            </a:r>
+          </a:p>
+          <a:p>
+            <a:pPr marL="285750" indent="-285750">
+              <a:buFont typeface="Arial" panose="020B0604020202020204" pitchFamily="34" charset="0"/>
+              <a:buChar char="•"/>
+            </a:pPr>
+            <a:r>
+              <a:rPr lang="pt-BR" sz="1400" dirty="0" smtClean="0">
+                <a:solidFill>
+                  <a:schemeClr val="bg1"/>
+                </a:solidFill>
+                <a:latin typeface="Bahnschrift SemiBold" panose="020B0502040204020203" pitchFamily="34" charset="0"/>
+              </a:rPr>
+              <a:t>Salvar</a:t>
+            </a:r>
+          </a:p>
+          <a:p>
+            <a:pPr marL="285750" indent="-285750">
+              <a:buFont typeface="Arial" panose="020B0604020202020204" pitchFamily="34" charset="0"/>
+              <a:buChar char="•"/>
+            </a:pPr>
+            <a:r>
+              <a:rPr lang="pt-BR" sz="1400" dirty="0" smtClean="0">
+                <a:solidFill>
+                  <a:schemeClr val="bg1"/>
+                </a:solidFill>
+                <a:latin typeface="Bahnschrift SemiBold" panose="020B0502040204020203" pitchFamily="34" charset="0"/>
+              </a:rPr>
+              <a:t>Fechar aplicativo</a:t>
+            </a:r>
+          </a:p>
+        </p:txBody>
+      </p:sp>
+      <p:sp>
+        <p:nvSpPr>
+          <p:cNvPr id="27" name="Retângulo 26"/>
+          <p:cNvSpPr/>
+          <p:nvPr/>
+        </p:nvSpPr>
+        <p:spPr>
+          <a:xfrm>
+            <a:off x="6441818" y="3880979"/>
+            <a:ext cx="1456008" cy="338554"/>
+          </a:xfrm>
+          <a:prstGeom prst="rect">
+            <a:avLst/>
+          </a:prstGeom>
+          <a:ln w="38100">
+            <a:noFill/>
+            <a:prstDash val="lgDash"/>
+          </a:ln>
+        </p:spPr>
+        <p:txBody>
+          <a:bodyPr wrap="square">
+            <a:spAutoFit/>
+          </a:bodyPr>
+          <a:lstStyle/>
+          <a:p>
+            <a:r>
+              <a:rPr lang="pt-BR" sz="1600" dirty="0" smtClean="0">
+                <a:solidFill>
+                  <a:schemeClr val="bg1"/>
+                </a:solidFill>
+                <a:latin typeface="Bahnschrift SemiBold" panose="020B0502040204020203" pitchFamily="34" charset="0"/>
+              </a:rPr>
+              <a:t>Transmissão:</a:t>
+            </a:r>
+            <a:endParaRPr lang="pt-BR" sz="1600" dirty="0">
+              <a:solidFill>
+                <a:schemeClr val="bg1"/>
+              </a:solidFill>
+              <a:latin typeface="Bahnschrift SemiBold" panose="020B0502040204020203" pitchFamily="34" charset="0"/>
+            </a:endParaRPr>
+          </a:p>
+        </p:txBody>
+      </p:sp>
+    </p:spTree>
+    <p:extLst>
+      <p:ext uri="{BB962C8B-B14F-4D97-AF65-F5344CB8AC3E}">
+        <p14:creationId xmlns:p14="http://schemas.microsoft.com/office/powerpoint/2010/main" val="2475959264"/>
+      </p:ext>
+    </p:extLst>
+  </p:cSld>
+  <p:clrMapOvr>
+    <a:masterClrMapping/>
+  </p:clrMapOvr>
+</p:sld>
+</file>
+
+<file path=ppt/slides/slide27.xml><?xml version="1.0" encoding="utf-8"?>
+<p:sld xmlns:a="http://schemas.openxmlformats.org/drawingml/2006/main" xmlns:r="http://schemas.openxmlformats.org/officeDocument/2006/relationships" xmlns:p="http://schemas.openxmlformats.org/presentationml/2006/main">
+  <p:cSld>
+    <p:bg>
+      <p:bgPr>
+        <a:solidFill>
+          <a:srgbClr val="DCE1E7"/>
+        </a:solidFill>
+        <a:effectLst/>
+      </p:bgPr>
+    </p:bg>
+    <p:spTree>
+      <p:nvGrpSpPr>
+        <p:cNvPr id="1" name=""/>
+        <p:cNvGrpSpPr/>
+        <p:nvPr/>
+      </p:nvGrpSpPr>
+      <p:grpSpPr>
+        <a:xfrm>
+          <a:off x="0" y="0"/>
+          <a:ext cx="0" cy="0"/>
+          <a:chOff x="0" y="0"/>
+          <a:chExt cx="0" cy="0"/>
+        </a:xfrm>
+      </p:grpSpPr>
+      <p:sp>
+        <p:nvSpPr>
+          <p:cNvPr id="2" name="Retângulo 1"/>
+          <p:cNvSpPr/>
+          <p:nvPr/>
+        </p:nvSpPr>
+        <p:spPr>
+          <a:xfrm>
+            <a:off x="1094792" y="1021702"/>
+            <a:ext cx="10002417" cy="4814596"/>
+          </a:xfrm>
+          <a:prstGeom prst="rect">
+            <a:avLst/>
+          </a:prstGeom>
+          <a:solidFill>
+            <a:srgbClr val="323947"/>
+          </a:solidFill>
+          <a:ln>
+            <a:solidFill>
+              <a:srgbClr val="323947"/>
+            </a:solidFill>
+          </a:ln>
+        </p:spPr>
+        <p:style>
+          <a:lnRef idx="2">
+            <a:schemeClr val="accent1">
+              <a:shade val="50000"/>
+            </a:schemeClr>
+          </a:lnRef>
+          <a:fillRef idx="1">
+            <a:schemeClr val="accent1"/>
+          </a:fillRef>
+          <a:effectRef idx="0">
+            <a:schemeClr val="accent1"/>
+          </a:effectRef>
+          <a:fontRef idx="minor">
+            <a:schemeClr val="lt1"/>
+          </a:fontRef>
+        </p:style>
+        <p:txBody>
+          <a:bodyPr rtlCol="0" anchor="ctr"/>
+          <a:lstStyle/>
+          <a:p>
+            <a:pPr algn="ctr"/>
+            <a:endParaRPr lang="pt-BR"/>
+          </a:p>
+        </p:txBody>
+      </p:sp>
+      <p:sp>
+        <p:nvSpPr>
+          <p:cNvPr id="3" name="Retângulo 2"/>
+          <p:cNvSpPr/>
+          <p:nvPr/>
+        </p:nvSpPr>
+        <p:spPr>
+          <a:xfrm>
+            <a:off x="7164096" y="0"/>
+            <a:ext cx="3545633" cy="6531428"/>
+          </a:xfrm>
+          <a:prstGeom prst="rect">
+            <a:avLst/>
+          </a:prstGeom>
+          <a:solidFill>
+            <a:srgbClr val="FFB700"/>
+          </a:solidFill>
+          <a:ln>
+            <a:noFill/>
+          </a:ln>
+        </p:spPr>
+        <p:style>
+          <a:lnRef idx="2">
+            <a:schemeClr val="accent1">
+              <a:shade val="50000"/>
+            </a:schemeClr>
+          </a:lnRef>
+          <a:fillRef idx="1">
+            <a:schemeClr val="accent1"/>
+          </a:fillRef>
+          <a:effectRef idx="0">
+            <a:schemeClr val="accent1"/>
+          </a:effectRef>
+          <a:fontRef idx="minor">
+            <a:schemeClr val="lt1"/>
+          </a:fontRef>
+        </p:style>
+        <p:txBody>
+          <a:bodyPr rtlCol="0" anchor="ctr"/>
+          <a:lstStyle/>
+          <a:p>
+            <a:pPr algn="ctr"/>
+            <a:endParaRPr lang="pt-BR"/>
+          </a:p>
+        </p:txBody>
+      </p:sp>
+      <p:sp>
+        <p:nvSpPr>
+          <p:cNvPr id="4" name="Elipse 3" descr="Como atualizar aplicativos [Android e iPhone] | Aplicativos e Software |  Tecnoblog"/>
+          <p:cNvSpPr/>
+          <p:nvPr/>
+        </p:nvSpPr>
+        <p:spPr>
+          <a:xfrm>
+            <a:off x="9381982" y="4881814"/>
+            <a:ext cx="1908967" cy="1908967"/>
+          </a:xfrm>
+          <a:prstGeom prst="ellipse">
+            <a:avLst/>
+          </a:prstGeom>
+          <a:blipFill>
+            <a:blip r:embed="rId2">
+              <a:extLst>
+                <a:ext uri="{28A0092B-C50C-407E-A947-70E740481C1C}">
+                  <a14:useLocalDpi xmlns:a14="http://schemas.microsoft.com/office/drawing/2010/main" val="0"/>
+                </a:ext>
+              </a:extLst>
+            </a:blip>
+            <a:srcRect/>
+            <a:stretch>
+              <a:fillRect l="-32000" r="-32000"/>
+            </a:stretch>
+          </a:blipFill>
+          <a:ln>
+            <a:noFill/>
+          </a:ln>
+        </p:spPr>
+        <p:style>
+          <a:lnRef idx="2">
+            <a:scrgbClr r="0" g="0" b="0"/>
+          </a:lnRef>
+          <a:fillRef idx="1">
+            <a:scrgbClr r="0" g="0" b="0"/>
+          </a:fillRef>
+          <a:effectRef idx="0">
+            <a:schemeClr val="accent1">
+              <a:tint val="50000"/>
+              <a:hueOff val="0"/>
+              <a:satOff val="0"/>
+              <a:lumOff val="0"/>
+              <a:alphaOff val="0"/>
+            </a:schemeClr>
+          </a:effectRef>
+          <a:fontRef idx="minor">
+            <a:schemeClr val="lt1">
+              <a:hueOff val="0"/>
+              <a:satOff val="0"/>
+              <a:lumOff val="0"/>
+              <a:alphaOff val="0"/>
+            </a:schemeClr>
+          </a:fontRef>
+        </p:style>
+      </p:sp>
+      <p:sp>
+        <p:nvSpPr>
+          <p:cNvPr id="5" name="Elipse 4" descr="Mesas de trabalho | Wallpaper é ao Domingo! - FCiências"/>
+          <p:cNvSpPr/>
+          <p:nvPr/>
+        </p:nvSpPr>
+        <p:spPr>
+          <a:xfrm>
+            <a:off x="7547359" y="187304"/>
+            <a:ext cx="2789106" cy="2789106"/>
+          </a:xfrm>
+          <a:prstGeom prst="ellipse">
+            <a:avLst/>
+          </a:prstGeom>
+          <a:blipFill>
+            <a:blip r:embed="rId3">
+              <a:extLst>
+                <a:ext uri="{28A0092B-C50C-407E-A947-70E740481C1C}">
+                  <a14:useLocalDpi xmlns:a14="http://schemas.microsoft.com/office/drawing/2010/main" val="0"/>
+                </a:ext>
+              </a:extLst>
+            </a:blip>
+            <a:srcRect/>
+            <a:stretch>
+              <a:fillRect l="-25000" r="-25000"/>
+            </a:stretch>
+          </a:blipFill>
+          <a:ln>
+            <a:noFill/>
+          </a:ln>
+        </p:spPr>
+        <p:style>
+          <a:lnRef idx="2">
+            <a:scrgbClr r="0" g="0" b="0"/>
+          </a:lnRef>
+          <a:fillRef idx="1">
+            <a:scrgbClr r="0" g="0" b="0"/>
+          </a:fillRef>
+          <a:effectRef idx="0">
+            <a:schemeClr val="accent1">
+              <a:tint val="50000"/>
+              <a:hueOff val="0"/>
+              <a:satOff val="0"/>
+              <a:lumOff val="0"/>
+              <a:alphaOff val="0"/>
+            </a:schemeClr>
+          </a:effectRef>
+          <a:fontRef idx="minor">
+            <a:schemeClr val="lt1">
+              <a:hueOff val="0"/>
+              <a:satOff val="0"/>
+              <a:lumOff val="0"/>
+              <a:alphaOff val="0"/>
+            </a:schemeClr>
+          </a:fontRef>
+        </p:style>
+      </p:sp>
+      <p:sp>
+        <p:nvSpPr>
+          <p:cNvPr id="7" name="CaixaDeTexto 6"/>
+          <p:cNvSpPr txBox="1"/>
+          <p:nvPr/>
+        </p:nvSpPr>
+        <p:spPr>
+          <a:xfrm>
+            <a:off x="1094792" y="2111552"/>
+            <a:ext cx="6069304" cy="2308324"/>
+          </a:xfrm>
+          <a:prstGeom prst="rect">
+            <a:avLst/>
+          </a:prstGeom>
+          <a:noFill/>
+        </p:spPr>
+        <p:txBody>
+          <a:bodyPr wrap="square" rtlCol="0">
+            <a:spAutoFit/>
+          </a:bodyPr>
+          <a:lstStyle/>
+          <a:p>
+            <a:pPr algn="ctr"/>
+            <a:r>
+              <a:rPr lang="pt-BR" sz="7200" dirty="0" smtClean="0">
+                <a:solidFill>
+                  <a:srgbClr val="FFB700"/>
+                </a:solidFill>
+                <a:latin typeface="Bahnschrift SemiBold" panose="020B0502040204020203" pitchFamily="34" charset="0"/>
+              </a:rPr>
+              <a:t>D</a:t>
+            </a:r>
+            <a:r>
+              <a:rPr lang="pt-BR" sz="7200" dirty="0" smtClean="0">
+                <a:solidFill>
+                  <a:schemeClr val="bg1"/>
+                </a:solidFill>
+                <a:latin typeface="Bahnschrift SemiBold" panose="020B0502040204020203" pitchFamily="34" charset="0"/>
+              </a:rPr>
+              <a:t>iagrama de </a:t>
+            </a:r>
+            <a:r>
+              <a:rPr lang="pt-BR" sz="7200" dirty="0" smtClean="0">
+                <a:solidFill>
+                  <a:srgbClr val="FFB700"/>
+                </a:solidFill>
+                <a:latin typeface="Bahnschrift SemiBold" panose="020B0502040204020203" pitchFamily="34" charset="0"/>
+              </a:rPr>
+              <a:t>C</a:t>
+            </a:r>
+            <a:r>
+              <a:rPr lang="pt-BR" sz="7200" dirty="0" smtClean="0">
+                <a:solidFill>
+                  <a:schemeClr val="bg1"/>
+                </a:solidFill>
+                <a:latin typeface="Bahnschrift SemiBold" panose="020B0502040204020203" pitchFamily="34" charset="0"/>
+              </a:rPr>
+              <a:t>aso de </a:t>
+            </a:r>
+            <a:r>
+              <a:rPr lang="pt-BR" sz="7200" dirty="0" smtClean="0">
+                <a:solidFill>
+                  <a:srgbClr val="FFB700"/>
+                </a:solidFill>
+                <a:latin typeface="Bahnschrift SemiBold" panose="020B0502040204020203" pitchFamily="34" charset="0"/>
+              </a:rPr>
+              <a:t>U</a:t>
+            </a:r>
+            <a:r>
+              <a:rPr lang="pt-BR" sz="7200" dirty="0" smtClean="0">
+                <a:solidFill>
+                  <a:schemeClr val="bg1"/>
+                </a:solidFill>
+                <a:latin typeface="Bahnschrift SemiBold" panose="020B0502040204020203" pitchFamily="34" charset="0"/>
+              </a:rPr>
+              <a:t>so</a:t>
+            </a:r>
+            <a:endParaRPr lang="pt-BR" sz="7200" dirty="0">
+              <a:solidFill>
+                <a:schemeClr val="bg1"/>
+              </a:solidFill>
+              <a:latin typeface="Bahnschrift SemiBold" panose="020B0502040204020203" pitchFamily="34" charset="0"/>
+            </a:endParaRPr>
+          </a:p>
+        </p:txBody>
+      </p:sp>
+      <p:sp>
+        <p:nvSpPr>
+          <p:cNvPr id="9" name="Elipse 8" descr="Coreia do Sul tem primeiro celular no mundo com acesso a rede 5G ..."/>
+          <p:cNvSpPr/>
+          <p:nvPr/>
+        </p:nvSpPr>
+        <p:spPr>
+          <a:xfrm>
+            <a:off x="6988280" y="3142037"/>
+            <a:ext cx="2468586" cy="2346045"/>
+          </a:xfrm>
+          <a:prstGeom prst="ellipse">
+            <a:avLst/>
+          </a:prstGeom>
+          <a:blipFill>
+            <a:blip r:embed="rId4" cstate="print">
+              <a:extLst>
+                <a:ext uri="{28A0092B-C50C-407E-A947-70E740481C1C}">
+                  <a14:useLocalDpi xmlns:a14="http://schemas.microsoft.com/office/drawing/2010/main" val="0"/>
+                </a:ext>
+              </a:extLst>
+            </a:blip>
+            <a:srcRect/>
+            <a:stretch>
+              <a:fillRect l="-25000" r="-25000"/>
+            </a:stretch>
+          </a:blipFill>
+          <a:ln>
+            <a:noFill/>
+          </a:ln>
+        </p:spPr>
+        <p:style>
+          <a:lnRef idx="2">
+            <a:scrgbClr r="0" g="0" b="0"/>
+          </a:lnRef>
+          <a:fillRef idx="1">
+            <a:scrgbClr r="0" g="0" b="0"/>
+          </a:fillRef>
+          <a:effectRef idx="0">
+            <a:schemeClr val="accent1">
+              <a:tint val="50000"/>
+              <a:hueOff val="0"/>
+              <a:satOff val="0"/>
+              <a:lumOff val="0"/>
+              <a:alphaOff val="0"/>
+            </a:schemeClr>
+          </a:effectRef>
+          <a:fontRef idx="minor">
+            <a:schemeClr val="lt1">
+              <a:hueOff val="0"/>
+              <a:satOff val="0"/>
+              <a:lumOff val="0"/>
+              <a:alphaOff val="0"/>
+            </a:schemeClr>
+          </a:fontRef>
+        </p:style>
+      </p:sp>
+    </p:spTree>
+    <p:extLst>
+      <p:ext uri="{BB962C8B-B14F-4D97-AF65-F5344CB8AC3E}">
+        <p14:creationId xmlns:p14="http://schemas.microsoft.com/office/powerpoint/2010/main" val="3912917176"/>
+      </p:ext>
+    </p:extLst>
+  </p:cSld>
+  <p:clrMapOvr>
+    <a:masterClrMapping/>
+  </p:clrMapOvr>
+</p:sld>
+</file>
+
+<file path=ppt/slides/slide28.xml><?xml version="1.0" encoding="utf-8"?>
+<p:sld xmlns:a="http://schemas.openxmlformats.org/drawingml/2006/main" xmlns:r="http://schemas.openxmlformats.org/officeDocument/2006/relationships" xmlns:p="http://schemas.openxmlformats.org/presentationml/2006/main">
+  <p:cSld>
+    <p:bg>
+      <p:bgPr>
+        <a:solidFill>
+          <a:srgbClr val="DCE1E7"/>
+        </a:solidFill>
+        <a:effectLst/>
+      </p:bgPr>
+    </p:bg>
+    <p:spTree>
+      <p:nvGrpSpPr>
+        <p:cNvPr id="1" name=""/>
+        <p:cNvGrpSpPr/>
+        <p:nvPr/>
+      </p:nvGrpSpPr>
+      <p:grpSpPr>
+        <a:xfrm>
+          <a:off x="0" y="0"/>
+          <a:ext cx="0" cy="0"/>
+          <a:chOff x="0" y="0"/>
+          <a:chExt cx="0" cy="0"/>
+        </a:xfrm>
+      </p:grpSpPr>
+      <p:sp>
+        <p:nvSpPr>
+          <p:cNvPr id="4" name="Retângulo 3"/>
+          <p:cNvSpPr/>
+          <p:nvPr/>
+        </p:nvSpPr>
+        <p:spPr>
+          <a:xfrm>
+            <a:off x="623596" y="398884"/>
+            <a:ext cx="10944808" cy="6060232"/>
+          </a:xfrm>
+          <a:prstGeom prst="rect">
+            <a:avLst/>
+          </a:prstGeom>
+          <a:solidFill>
+            <a:srgbClr val="323947"/>
+          </a:solidFill>
+          <a:ln>
+            <a:solidFill>
+              <a:srgbClr val="323947"/>
+            </a:solidFill>
+          </a:ln>
+        </p:spPr>
+        <p:style>
+          <a:lnRef idx="2">
+            <a:schemeClr val="accent1">
+              <a:shade val="50000"/>
+            </a:schemeClr>
+          </a:lnRef>
+          <a:fillRef idx="1">
+            <a:schemeClr val="accent1"/>
+          </a:fillRef>
+          <a:effectRef idx="0">
+            <a:schemeClr val="accent1"/>
+          </a:effectRef>
+          <a:fontRef idx="minor">
+            <a:schemeClr val="lt1"/>
+          </a:fontRef>
+        </p:style>
+        <p:txBody>
+          <a:bodyPr rtlCol="0" anchor="ctr"/>
+          <a:lstStyle/>
+          <a:p>
+            <a:pPr algn="ctr"/>
+            <a:endParaRPr lang="pt-BR"/>
+          </a:p>
+        </p:txBody>
+      </p:sp>
+      <p:pic>
+        <p:nvPicPr>
+          <p:cNvPr id="6" name="Imagem 5"/>
+          <p:cNvPicPr>
+            <a:picLocks noChangeAspect="1"/>
+          </p:cNvPicPr>
+          <p:nvPr/>
+        </p:nvPicPr>
+        <p:blipFill>
+          <a:blip r:embed="rId2"/>
+          <a:stretch>
+            <a:fillRect/>
+          </a:stretch>
+        </p:blipFill>
+        <p:spPr>
+          <a:xfrm>
+            <a:off x="2716591" y="471555"/>
+            <a:ext cx="6758817" cy="5914890"/>
+          </a:xfrm>
+          <a:prstGeom prst="rect">
+            <a:avLst/>
+          </a:prstGeom>
+        </p:spPr>
+      </p:pic>
+    </p:spTree>
+    <p:extLst>
+      <p:ext uri="{BB962C8B-B14F-4D97-AF65-F5344CB8AC3E}">
+        <p14:creationId xmlns:p14="http://schemas.microsoft.com/office/powerpoint/2010/main" val="2979546597"/>
+      </p:ext>
+    </p:extLst>
+  </p:cSld>
+  <p:clrMapOvr>
+    <a:masterClrMapping/>
+  </p:clrMapOvr>
+</p:sld>
+</file>
+
+<file path=ppt/slides/slide29.xml><?xml version="1.0" encoding="utf-8"?>
+<p:sld xmlns:a="http://schemas.openxmlformats.org/drawingml/2006/main" xmlns:r="http://schemas.openxmlformats.org/officeDocument/2006/relationships" xmlns:p="http://schemas.openxmlformats.org/presentationml/2006/main">
+  <p:cSld>
+    <p:bg>
+      <p:bgPr>
+        <a:solidFill>
+          <a:srgbClr val="DCE1E7"/>
+        </a:solidFill>
+        <a:effectLst/>
+      </p:bgPr>
+    </p:bg>
+    <p:spTree>
+      <p:nvGrpSpPr>
+        <p:cNvPr id="1" name=""/>
+        <p:cNvGrpSpPr/>
+        <p:nvPr/>
+      </p:nvGrpSpPr>
+      <p:grpSpPr>
+        <a:xfrm>
+          <a:off x="0" y="0"/>
+          <a:ext cx="0" cy="0"/>
+          <a:chOff x="0" y="0"/>
+          <a:chExt cx="0" cy="0"/>
+        </a:xfrm>
+      </p:grpSpPr>
+      <p:sp>
+        <p:nvSpPr>
+          <p:cNvPr id="2" name="Retângulo 1"/>
+          <p:cNvSpPr/>
+          <p:nvPr/>
+        </p:nvSpPr>
+        <p:spPr>
+          <a:xfrm>
+            <a:off x="1094792" y="1021702"/>
+            <a:ext cx="10002417" cy="4814596"/>
+          </a:xfrm>
+          <a:prstGeom prst="rect">
+            <a:avLst/>
+          </a:prstGeom>
+          <a:solidFill>
+            <a:srgbClr val="323947"/>
+          </a:solidFill>
+          <a:ln>
+            <a:solidFill>
+              <a:srgbClr val="323947"/>
+            </a:solidFill>
+          </a:ln>
+        </p:spPr>
+        <p:style>
+          <a:lnRef idx="2">
+            <a:schemeClr val="accent1">
+              <a:shade val="50000"/>
+            </a:schemeClr>
+          </a:lnRef>
+          <a:fillRef idx="1">
+            <a:schemeClr val="accent1"/>
+          </a:fillRef>
+          <a:effectRef idx="0">
+            <a:schemeClr val="accent1"/>
+          </a:effectRef>
+          <a:fontRef idx="minor">
+            <a:schemeClr val="lt1"/>
+          </a:fontRef>
+        </p:style>
+        <p:txBody>
+          <a:bodyPr rtlCol="0" anchor="ctr"/>
+          <a:lstStyle/>
+          <a:p>
+            <a:pPr algn="ctr"/>
+            <a:endParaRPr lang="pt-BR" u="sng"/>
+          </a:p>
+        </p:txBody>
+      </p:sp>
+      <p:sp>
+        <p:nvSpPr>
+          <p:cNvPr id="3" name="Retângulo 2"/>
+          <p:cNvSpPr/>
+          <p:nvPr/>
+        </p:nvSpPr>
+        <p:spPr>
+          <a:xfrm>
+            <a:off x="7164096" y="0"/>
+            <a:ext cx="3545633" cy="6531428"/>
+          </a:xfrm>
+          <a:prstGeom prst="rect">
+            <a:avLst/>
+          </a:prstGeom>
+          <a:solidFill>
+            <a:srgbClr val="FFB700"/>
+          </a:solidFill>
+          <a:ln>
+            <a:noFill/>
+          </a:ln>
+        </p:spPr>
+        <p:style>
+          <a:lnRef idx="2">
+            <a:schemeClr val="accent1">
+              <a:shade val="50000"/>
+            </a:schemeClr>
+          </a:lnRef>
+          <a:fillRef idx="1">
+            <a:schemeClr val="accent1"/>
+          </a:fillRef>
+          <a:effectRef idx="0">
+            <a:schemeClr val="accent1"/>
+          </a:effectRef>
+          <a:fontRef idx="minor">
+            <a:schemeClr val="lt1"/>
+          </a:fontRef>
+        </p:style>
+        <p:txBody>
+          <a:bodyPr rtlCol="0" anchor="ctr"/>
+          <a:lstStyle/>
+          <a:p>
+            <a:pPr algn="ctr"/>
+            <a:endParaRPr lang="pt-BR"/>
+          </a:p>
+        </p:txBody>
+      </p:sp>
+      <p:sp>
+        <p:nvSpPr>
+          <p:cNvPr id="4" name="Elipse 3" descr="Como atualizar aplicativos [Android e iPhone] | Aplicativos e Software |  Tecnoblog"/>
+          <p:cNvSpPr/>
+          <p:nvPr/>
+        </p:nvSpPr>
+        <p:spPr>
+          <a:xfrm>
+            <a:off x="9381982" y="4881814"/>
+            <a:ext cx="1908967" cy="1908967"/>
+          </a:xfrm>
+          <a:prstGeom prst="ellipse">
+            <a:avLst/>
+          </a:prstGeom>
+          <a:blipFill>
+            <a:blip r:embed="rId2">
+              <a:extLst>
+                <a:ext uri="{28A0092B-C50C-407E-A947-70E740481C1C}">
+                  <a14:useLocalDpi xmlns:a14="http://schemas.microsoft.com/office/drawing/2010/main" val="0"/>
+                </a:ext>
+              </a:extLst>
+            </a:blip>
+            <a:srcRect/>
+            <a:stretch>
+              <a:fillRect l="-32000" r="-32000"/>
+            </a:stretch>
+          </a:blipFill>
+          <a:ln>
+            <a:noFill/>
+          </a:ln>
+        </p:spPr>
+        <p:style>
+          <a:lnRef idx="2">
+            <a:scrgbClr r="0" g="0" b="0"/>
+          </a:lnRef>
+          <a:fillRef idx="1">
+            <a:scrgbClr r="0" g="0" b="0"/>
+          </a:fillRef>
+          <a:effectRef idx="0">
+            <a:schemeClr val="accent1">
+              <a:tint val="50000"/>
+              <a:hueOff val="0"/>
+              <a:satOff val="0"/>
+              <a:lumOff val="0"/>
+              <a:alphaOff val="0"/>
+            </a:schemeClr>
+          </a:effectRef>
+          <a:fontRef idx="minor">
+            <a:schemeClr val="lt1">
+              <a:hueOff val="0"/>
+              <a:satOff val="0"/>
+              <a:lumOff val="0"/>
+              <a:alphaOff val="0"/>
+            </a:schemeClr>
+          </a:fontRef>
+        </p:style>
+      </p:sp>
+      <p:sp>
+        <p:nvSpPr>
+          <p:cNvPr id="5" name="Elipse 4" descr="Mesas de trabalho | Wallpaper é ao Domingo! - FCiências"/>
+          <p:cNvSpPr/>
+          <p:nvPr/>
+        </p:nvSpPr>
+        <p:spPr>
+          <a:xfrm>
+            <a:off x="7547359" y="187304"/>
+            <a:ext cx="2789106" cy="2789106"/>
+          </a:xfrm>
+          <a:prstGeom prst="ellipse">
+            <a:avLst/>
+          </a:prstGeom>
+          <a:blipFill>
+            <a:blip r:embed="rId3">
+              <a:extLst>
+                <a:ext uri="{28A0092B-C50C-407E-A947-70E740481C1C}">
+                  <a14:useLocalDpi xmlns:a14="http://schemas.microsoft.com/office/drawing/2010/main" val="0"/>
+                </a:ext>
+              </a:extLst>
+            </a:blip>
+            <a:srcRect/>
+            <a:stretch>
+              <a:fillRect l="-25000" r="-25000"/>
+            </a:stretch>
+          </a:blipFill>
+          <a:ln>
+            <a:noFill/>
+          </a:ln>
+        </p:spPr>
+        <p:style>
+          <a:lnRef idx="2">
+            <a:scrgbClr r="0" g="0" b="0"/>
+          </a:lnRef>
+          <a:fillRef idx="1">
+            <a:scrgbClr r="0" g="0" b="0"/>
+          </a:fillRef>
+          <a:effectRef idx="0">
+            <a:schemeClr val="accent1">
+              <a:tint val="50000"/>
+              <a:hueOff val="0"/>
+              <a:satOff val="0"/>
+              <a:lumOff val="0"/>
+              <a:alphaOff val="0"/>
+            </a:schemeClr>
+          </a:effectRef>
+          <a:fontRef idx="minor">
+            <a:schemeClr val="lt1">
+              <a:hueOff val="0"/>
+              <a:satOff val="0"/>
+              <a:lumOff val="0"/>
+              <a:alphaOff val="0"/>
+            </a:schemeClr>
+          </a:fontRef>
+        </p:style>
+      </p:sp>
+      <p:sp>
+        <p:nvSpPr>
+          <p:cNvPr id="7" name="CaixaDeTexto 6"/>
+          <p:cNvSpPr txBox="1"/>
+          <p:nvPr/>
+        </p:nvSpPr>
+        <p:spPr>
+          <a:xfrm>
+            <a:off x="1094792" y="2111552"/>
+            <a:ext cx="6069304" cy="2308324"/>
+          </a:xfrm>
+          <a:prstGeom prst="rect">
+            <a:avLst/>
+          </a:prstGeom>
+          <a:noFill/>
+        </p:spPr>
+        <p:txBody>
+          <a:bodyPr wrap="square" rtlCol="0">
+            <a:spAutoFit/>
+          </a:bodyPr>
+          <a:lstStyle/>
+          <a:p>
+            <a:pPr algn="ctr"/>
+            <a:r>
+              <a:rPr lang="pt-BR" sz="7200" dirty="0" smtClean="0">
+                <a:solidFill>
+                  <a:srgbClr val="FFB700"/>
+                </a:solidFill>
+                <a:latin typeface="Bahnschrift SemiBold" panose="020B0502040204020203" pitchFamily="34" charset="0"/>
+              </a:rPr>
+              <a:t>D</a:t>
+            </a:r>
+            <a:r>
+              <a:rPr lang="pt-BR" sz="7200" dirty="0" smtClean="0">
+                <a:solidFill>
+                  <a:schemeClr val="bg1"/>
+                </a:solidFill>
+                <a:latin typeface="Bahnschrift SemiBold" panose="020B0502040204020203" pitchFamily="34" charset="0"/>
+              </a:rPr>
+              <a:t>iagrama de </a:t>
+            </a:r>
+            <a:r>
+              <a:rPr lang="pt-BR" sz="7200" dirty="0" smtClean="0">
+                <a:solidFill>
+                  <a:srgbClr val="FFB700"/>
+                </a:solidFill>
+                <a:latin typeface="Bahnschrift SemiBold" panose="020B0502040204020203" pitchFamily="34" charset="0"/>
+              </a:rPr>
+              <a:t>C</a:t>
+            </a:r>
+            <a:r>
+              <a:rPr lang="pt-BR" sz="7200" dirty="0" smtClean="0">
+                <a:solidFill>
+                  <a:schemeClr val="bg1"/>
+                </a:solidFill>
+                <a:latin typeface="Bahnschrift SemiBold" panose="020B0502040204020203" pitchFamily="34" charset="0"/>
+              </a:rPr>
+              <a:t>lasse</a:t>
+            </a:r>
+            <a:endParaRPr lang="pt-BR" sz="7200" dirty="0">
+              <a:solidFill>
+                <a:schemeClr val="bg1"/>
+              </a:solidFill>
+              <a:latin typeface="Bahnschrift SemiBold" panose="020B0502040204020203" pitchFamily="34" charset="0"/>
+            </a:endParaRPr>
+          </a:p>
+        </p:txBody>
+      </p:sp>
+      <p:sp>
+        <p:nvSpPr>
+          <p:cNvPr id="9" name="Elipse 8" descr="Coreia do Sul tem primeiro celular no mundo com acesso a rede 5G ..."/>
+          <p:cNvSpPr/>
+          <p:nvPr/>
+        </p:nvSpPr>
+        <p:spPr>
+          <a:xfrm>
+            <a:off x="6988280" y="3142037"/>
+            <a:ext cx="2468586" cy="2346045"/>
+          </a:xfrm>
+          <a:prstGeom prst="ellipse">
+            <a:avLst/>
+          </a:prstGeom>
+          <a:blipFill>
+            <a:blip r:embed="rId4" cstate="print">
+              <a:extLst>
+                <a:ext uri="{28A0092B-C50C-407E-A947-70E740481C1C}">
+                  <a14:useLocalDpi xmlns:a14="http://schemas.microsoft.com/office/drawing/2010/main" val="0"/>
+                </a:ext>
+              </a:extLst>
+            </a:blip>
+            <a:srcRect/>
+            <a:stretch>
+              <a:fillRect l="-25000" r="-25000"/>
+            </a:stretch>
+          </a:blipFill>
+          <a:ln>
+            <a:noFill/>
+          </a:ln>
+        </p:spPr>
+        <p:style>
+          <a:lnRef idx="2">
+            <a:scrgbClr r="0" g="0" b="0"/>
+          </a:lnRef>
+          <a:fillRef idx="1">
+            <a:scrgbClr r="0" g="0" b="0"/>
+          </a:fillRef>
+          <a:effectRef idx="0">
+            <a:schemeClr val="accent1">
+              <a:tint val="50000"/>
+              <a:hueOff val="0"/>
+              <a:satOff val="0"/>
+              <a:lumOff val="0"/>
+              <a:alphaOff val="0"/>
+            </a:schemeClr>
+          </a:effectRef>
+          <a:fontRef idx="minor">
+            <a:schemeClr val="lt1">
+              <a:hueOff val="0"/>
+              <a:satOff val="0"/>
+              <a:lumOff val="0"/>
+              <a:alphaOff val="0"/>
+            </a:schemeClr>
+          </a:fontRef>
+        </p:style>
+      </p:sp>
+    </p:spTree>
+    <p:extLst>
+      <p:ext uri="{BB962C8B-B14F-4D97-AF65-F5344CB8AC3E}">
+        <p14:creationId xmlns:p14="http://schemas.microsoft.com/office/powerpoint/2010/main" val="454013648"/>
       </p:ext>
     </p:extLst>
   </p:cSld>
@@ -36062,7 +41045,7 @@
                 </a:solidFill>
                 <a:latin typeface="Bahnschrift SemiBold" panose="020B0502040204020203" pitchFamily="34" charset="0"/>
               </a:rPr>
-              <a:t>Eu, enquanto cliente1, quero um maior tempo de usabilidade do meu celular, para economia de dinheiro</a:t>
+              <a:t>Eu, enquanto cliente1, quero um maior tempo de usabilidade do meu celular/computador, para economia de dinheiro</a:t>
             </a:r>
             <a:r>
               <a:rPr lang="pt-BR" sz="2400" dirty="0" smtClean="0">
@@ -36090,8 +41073,8 @@
         </p:nvSpPr>
         <p:spPr>
           <a:xfrm>
-            <a:off x="7272771" y="1449806"/>
-            <a:ext cx="2880562" cy="1323439"/>
+            <a:off x="7236621" y="1125494"/>
+            <a:ext cx="2880562" cy="1569660"/>
           </a:xfrm>
           <a:prstGeom prst="rect">
             <a:avLst/>
@@ -36174,7 +41157,7 @@
                 </a:solidFill>
                 <a:latin typeface="Bahnschrift SemiBold" panose="020B0502040204020203" pitchFamily="34" charset="0"/>
               </a:rPr>
-              <a:t>usar aplicativos via </a:t>
+              <a:t>usar aplicativos/programas via </a:t>
             </a:r>
             <a:r>
               <a:rPr lang="pt-BR" sz="1600" u="sng" dirty="0" err="1" smtClean="0">
@@ -36201,7 +41184,7 @@
                 </a:solidFill>
                 <a:latin typeface="Bahnschrift SemiBold" panose="020B0502040204020203" pitchFamily="34" charset="0"/>
               </a:rPr>
-              <a:t>não limitar o uso do meu celular</a:t>
+              <a:t>não limitar o uso do meu computador/celular</a:t>
             </a:r>
             <a:r>
               <a:rPr lang="pt-BR" sz="1600" dirty="0" smtClean="0">
@@ -36461,12 +41444,6 @@
               </a:rPr>
               <a:t>US#0001.2</a:t>
             </a:r>
-            <a:endParaRPr lang="pt-BR" sz="1600" dirty="0" smtClean="0">
-              <a:solidFill>
-                <a:schemeClr val="bg1"/>
-              </a:solidFill>
-              <a:latin typeface="Bahnschrift SemiBold" panose="020B0502040204020203" pitchFamily="34" charset="0"/>
-            </a:endParaRPr>
           </a:p>
           <a:p>
             <a:pPr algn="ctr"/>
@@ -36694,12 +41671,6 @@
               </a:rPr>
               <a:t>US#0001.3</a:t>
             </a:r>
-            <a:endParaRPr lang="pt-BR" sz="1600" dirty="0" smtClean="0">
-              <a:solidFill>
-                <a:schemeClr val="bg1"/>
-              </a:solidFill>
-              <a:latin typeface="Bahnschrift SemiBold" panose="020B0502040204020203" pitchFamily="34" charset="0"/>
-            </a:endParaRPr>
           </a:p>
           <a:p>
             <a:pPr algn="ctr"/>
@@ -36809,7 +41780,7 @@
                 </a:solidFill>
                 <a:latin typeface="Bahnschrift SemiBold" panose="020B0502040204020203" pitchFamily="34" charset="0"/>
               </a:rPr>
-              <a:t>eu possa utilizar o aplicativo</a:t>
+              <a:t>eu possa utilizar a aplicação</a:t>
             </a:r>
             <a:r>
               <a:rPr lang="pt-BR" sz="1600" dirty="0" smtClean="0">
@@ -36870,6 +41841,116 @@
     <p:extLst>
       <p:ext uri="{BB962C8B-B14F-4D97-AF65-F5344CB8AC3E}">
         <p14:creationId xmlns:p14="http://schemas.microsoft.com/office/powerpoint/2010/main" val="3303477513"/>
+      </p:ext>
+    </p:extLst>
+  </p:cSld>
+  <p:clrMapOvr>
+    <a:masterClrMapping/>
+  </p:clrMapOvr>
+</p:sld>
+</file>
+
+<file path=ppt/slides/slide30.xml><?xml version="1.0" encoding="utf-8"?>
+<p:sld xmlns:a="http://schemas.openxmlformats.org/drawingml/2006/main" xmlns:r="http://schemas.openxmlformats.org/officeDocument/2006/relationships" xmlns:p="http://schemas.openxmlformats.org/presentationml/2006/main">
+  <p:cSld>
+    <p:bg>
+      <p:bgPr>
+        <a:solidFill>
+          <a:srgbClr val="DCE1E7"/>
+        </a:solidFill>
+        <a:effectLst/>
+      </p:bgPr>
+    </p:bg>
+    <p:spTree>
+      <p:nvGrpSpPr>
+        <p:cNvPr id="1" name=""/>
+        <p:cNvGrpSpPr/>
+        <p:nvPr/>
+      </p:nvGrpSpPr>
+      <p:grpSpPr>
+        <a:xfrm>
+          <a:off x="0" y="0"/>
+          <a:ext cx="0" cy="0"/>
+          <a:chOff x="0" y="0"/>
+          <a:chExt cx="0" cy="0"/>
+        </a:xfrm>
+      </p:grpSpPr>
+      <p:sp>
+        <p:nvSpPr>
+          <p:cNvPr id="4" name="Retângulo 3"/>
+          <p:cNvSpPr/>
+          <p:nvPr/>
+        </p:nvSpPr>
+        <p:spPr>
+          <a:xfrm>
+            <a:off x="623596" y="398884"/>
+            <a:ext cx="10944808" cy="6060232"/>
+          </a:xfrm>
+          <a:prstGeom prst="rect">
+            <a:avLst/>
+          </a:prstGeom>
+          <a:solidFill>
+            <a:srgbClr val="323947"/>
+          </a:solidFill>
+          <a:ln>
+            <a:solidFill>
+              <a:srgbClr val="323947"/>
+            </a:solidFill>
+          </a:ln>
+        </p:spPr>
+        <p:style>
+          <a:lnRef idx="2">
+            <a:schemeClr val="accent1">
+              <a:shade val="50000"/>
+            </a:schemeClr>
+          </a:lnRef>
+          <a:fillRef idx="1">
+            <a:schemeClr val="accent1"/>
+          </a:fillRef>
+          <a:effectRef idx="0">
+            <a:schemeClr val="accent1"/>
+          </a:effectRef>
+          <a:fontRef idx="minor">
+            <a:schemeClr val="lt1"/>
+          </a:fontRef>
+        </p:style>
+        <p:txBody>
+          <a:bodyPr rtlCol="0" anchor="ctr"/>
+          <a:lstStyle/>
+          <a:p>
+            <a:pPr algn="ctr"/>
+            <a:endParaRPr lang="pt-BR"/>
+          </a:p>
+        </p:txBody>
+      </p:sp>
+      <p:pic>
+        <p:nvPicPr>
+          <p:cNvPr id="2" name="Imagem 1"/>
+          <p:cNvPicPr>
+            <a:picLocks noChangeAspect="1"/>
+          </p:cNvPicPr>
+          <p:nvPr/>
+        </p:nvPicPr>
+        <p:blipFill>
+          <a:blip r:embed="rId2"/>
+          <a:stretch>
+            <a:fillRect/>
+          </a:stretch>
+        </p:blipFill>
+        <p:spPr>
+          <a:xfrm>
+            <a:off x="2214021" y="1714260"/>
+            <a:ext cx="7763958" cy="3429479"/>
+          </a:xfrm>
+          <a:prstGeom prst="rect">
+            <a:avLst/>
+          </a:prstGeom>
+        </p:spPr>
+      </p:pic>
+    </p:spTree>
+    <p:extLst>
+      <p:ext uri="{BB962C8B-B14F-4D97-AF65-F5344CB8AC3E}">
+        <p14:creationId xmlns:p14="http://schemas.microsoft.com/office/powerpoint/2010/main" val="4051651142"/>
       </p:ext>
     </p:extLst>
   </p:cSld>
@@ -37086,7 +42167,7 @@
         <p:spPr>
           <a:xfrm>
             <a:off x="1369720" y="2404662"/>
-            <a:ext cx="3545633" cy="4216539"/>
+            <a:ext cx="3545633" cy="4493538"/>
           </a:xfrm>
           <a:prstGeom prst="rect">
             <a:avLst/>
@@ -37167,7 +42248,7 @@
                 </a:solidFill>
                 <a:latin typeface="Bahnschrift SemiBold" panose="020B0502040204020203" pitchFamily="34" charset="0"/>
               </a:rPr>
-              <a:t>Eu, enquanto cliente2, quero usar aplicativos sem baixa-los, para não ter problemas de memória no celular</a:t>
+              <a:t>Eu, enquanto cliente2, quero usar aplicativos/programas sem baixa-los, para não ter problemas de memória no celular</a:t>
             </a:r>
             <a:r>
               <a:rPr lang="pt-BR" sz="2400" dirty="0" smtClean="0">
@@ -37224,12 +42305,6 @@
               </a:rPr>
               <a:t>US#0002</a:t>
             </a:r>
-            <a:endParaRPr lang="pt-BR" sz="1600" dirty="0" smtClean="0">
-              <a:solidFill>
-                <a:schemeClr val="bg1"/>
-              </a:solidFill>
-              <a:latin typeface="Bahnschrift SemiBold" panose="020B0502040204020203" pitchFamily="34" charset="0"/>
-            </a:endParaRPr>
           </a:p>
           <a:p>
             <a:pPr algn="ctr"/>
@@ -37303,7 +42378,7 @@
                 </a:solidFill>
                 <a:latin typeface="Bahnschrift SemiBold" panose="020B0502040204020203" pitchFamily="34" charset="0"/>
               </a:rPr>
-              <a:t>que os aplicativos não gastem memória</a:t>
+              <a:t>que os aplicativos/programas não gastem memória</a:t>
             </a:r>
             <a:r>
               <a:rPr lang="pt-BR" sz="1600" dirty="0" smtClean="0">
@@ -37360,12 +42435,6 @@
               </a:rPr>
               <a:t>US#0002.1</a:t>
             </a:r>
-            <a:endParaRPr lang="pt-BR" sz="1600" dirty="0" smtClean="0">
-              <a:solidFill>
-                <a:schemeClr val="bg1"/>
-              </a:solidFill>
-              <a:latin typeface="Bahnschrift SemiBold" panose="020B0502040204020203" pitchFamily="34" charset="0"/>
-            </a:endParaRPr>
           </a:p>
           <a:p>
             <a:pPr algn="ctr"/>
@@ -37421,7 +42490,7 @@
                 </a:solidFill>
                 <a:latin typeface="Bahnschrift SemiBold" panose="020B0502040204020203" pitchFamily="34" charset="0"/>
               </a:rPr>
-              <a:t>um servidor de aplicativos</a:t>
+              <a:t>um servidor de aplicativos/programas</a:t>
             </a:r>
             <a:r>
               <a:rPr lang="pt-BR" sz="1600" dirty="0" smtClean="0">
@@ -37550,6 +42619,63 @@
           </a:fontRef>
         </p:style>
       </p:cxnSp>
+      <p:sp>
+        <p:nvSpPr>
+          <p:cNvPr id="16" name="Elipse 15" descr="Mesas de trabalho | Wallpaper é ao Domingo! - FCiências"/>
+          <p:cNvSpPr/>
+          <p:nvPr/>
+        </p:nvSpPr>
+        <p:spPr>
+          <a:xfrm>
+            <a:off x="-422718" y="1708662"/>
+            <a:ext cx="2259384" cy="2259384"/>
+          </a:xfrm>
+          <a:prstGeom prst="ellipse">
+            <a:avLst/>
+          </a:prstGeom>
+          <a:blipFill>
+            <a:blip r:embed="rId8">
+              <a:extLst>
+                <a:ext uri="{28A0092B-C50C-407E-A947-70E740481C1C}">
+                  <a14:useLocalDpi xmlns:a14="http://schemas.microsoft.com/office/drawing/2010/main" val="0"/>
+                </a:ext>
+              </a:extLst>
+            </a:blip>
+            <a:srcRect/>
+            <a:stretch>
+              <a:fillRect l="-25000" r="-25000"/>
+            </a:stretch>
+          </a:blipFill>
+          <a:ln>
+            <a:noFill/>
+          </a:ln>
+        </p:spPr>
+        <p:style>
+          <a:lnRef idx="2">
+            <a:scrgbClr r="0" g="0" b="0"/>
+          </a:lnRef>
+          <a:fillRef idx="1">
+            <a:scrgbClr r="0" g="0" b="0"/>
+          </a:fillRef>
+          <a:effectRef idx="0">
+            <a:schemeClr val="accent1">
+              <a:tint val="50000"/>
+              <a:hueOff val="0"/>
+              <a:satOff val="0"/>
+              <a:lumOff val="0"/>
+              <a:alphaOff val="0"/>
+            </a:schemeClr>
+          </a:effectRef>
+          <a:fontRef idx="minor">
+            <a:schemeClr val="lt1">
+              <a:hueOff val="0"/>
+              <a:satOff val="0"/>
+              <a:lumOff val="0"/>
+              <a:alphaOff val="0"/>
+            </a:schemeClr>
+          </a:fontRef>
+        </p:style>
+      </p:sp>
     </p:spTree>
     <p:extLst>
       <p:ext uri="{BB962C8B-B14F-4D97-AF65-F5344CB8AC3E}">
@@ -37720,12 +42846,6 @@
               </a:rPr>
               <a:t>US#0003.2</a:t>
             </a:r>
-            <a:endParaRPr lang="pt-BR" sz="1400" dirty="0" smtClean="0">
-              <a:solidFill>
-                <a:schemeClr val="bg1"/>
-              </a:solidFill>
-              <a:latin typeface="Bahnschrift SemiBold" panose="020B0502040204020203" pitchFamily="34" charset="0"/>
-            </a:endParaRPr>
           </a:p>
           <a:p>
             <a:pPr algn="ctr"/>
@@ -37790,7 +42910,25 @@
                 </a:solidFill>
                 <a:latin typeface="Bahnschrift SemiBold" panose="020B0502040204020203" pitchFamily="34" charset="0"/>
               </a:rPr>
-              <a:t>uma loja de aplicativos</a:t>
+              <a:t>uma loja de </a:t>
+            </a:r>
+            <a:r>
+              <a:rPr lang="pt-BR" sz="1400" u="sng" dirty="0" smtClean="0">
+                <a:solidFill>
+                  <a:schemeClr val="bg1"/>
+                </a:solidFill>
+                <a:latin typeface="Bahnschrift SemiBold" panose="020B0502040204020203" pitchFamily="34" charset="0"/>
+              </a:rPr>
+              <a:t>aplicativos/programas</a:t>
+            </a:r>
+            <a:r>
+              <a:rPr lang="pt-BR" sz="1400" dirty="0" smtClean="0">
+                <a:solidFill>
+                  <a:schemeClr val="bg1"/>
+                </a:solidFill>
+                <a:latin typeface="Bahnschrift SemiBold" panose="020B0502040204020203" pitchFamily="34" charset="0"/>
+              </a:rPr>
+              <a:t>, </a:t>
             </a:r>
             <a:r>
               <a:rPr lang="pt-BR" sz="1400" dirty="0">
@@ -37799,7 +42937,7 @@
                 </a:solidFill>
                 <a:latin typeface="Bahnschrift SemiBold" panose="020B0502040204020203" pitchFamily="34" charset="0"/>
               </a:rPr>
-              <a:t>, para </a:t>
+              <a:t>para </a:t>
             </a:r>
             <a:r>
               <a:rPr lang="pt-BR" sz="1400" u="sng" dirty="0">
@@ -37828,28 +42966,6 @@
           </a:p>
         </p:txBody>
       </p:sp>
-      <p:graphicFrame>
-        <p:nvGraphicFramePr>
-          <p:cNvPr id="8" name="Diagrama 7"/>
-          <p:cNvGraphicFramePr/>
-          <p:nvPr>
-            <p:extLst>
-              <p:ext uri="{D42A27DB-BD31-4B8C-83A1-F6EECF244321}">
-                <p14:modId xmlns:p14="http://schemas.microsoft.com/office/powerpoint/2010/main" val="1951622552"/>
-              </p:ext>
-            </p:extLst>
-          </p:nvPr>
-        </p:nvGraphicFramePr>
-        <p:xfrm>
-          <a:off x="1270958" y="-152921"/>
-          <a:ext cx="3817935" cy="2285999"/>
-        </p:xfrm>
-        <a:graphic>
-          <a:graphicData uri="http://schemas.openxmlformats.org/drawingml/2006/diagram">
-            <dgm:relIds xmlns:dgm="http://schemas.openxmlformats.org/drawingml/2006/diagram" xmlns:r="http://schemas.openxmlformats.org/officeDocument/2006/relationships" r:dm="rId2" r:lo="rId3" r:qs="rId4" r:cs="rId5"/>
-          </a:graphicData>
-        </a:graphic>
-      </p:graphicFrame>
       <p:sp>
         <p:nvSpPr>
           <p:cNvPr id="10" name="Elipse 9" descr="Coreia do Sul tem primeiro celular no mundo com acesso a rede 5G ..."/>
@@ -37865,7 +42981,7 @@
             <a:avLst/>
           </a:prstGeom>
           <a:blipFill>
-            <a:blip r:embed="rId7" cstate="print">
+            <a:blip r:embed="rId2" cstate="print">
               <a:extLst>
                 <a:ext uri="{28A0092B-C50C-407E-A947-70E740481C1C}">
                   <a14:useLocalDpi xmlns:a14="http://schemas.microsoft.com/office/drawing/2010/main" val="0"/>
@@ -37916,7 +43032,7 @@
         <p:spPr>
           <a:xfrm>
             <a:off x="7233179" y="1543654"/>
-            <a:ext cx="2678384" cy="1169551"/>
+            <a:ext cx="2678384" cy="1384995"/>
           </a:xfrm>
           <a:prstGeom prst="rect">
             <a:avLst/>
@@ -37944,12 +43060,6 @@
               </a:rPr>
               <a:t>US#0003</a:t>
             </a:r>
-            <a:endParaRPr lang="pt-BR" sz="1400" dirty="0" smtClean="0">
-              <a:solidFill>
-                <a:schemeClr val="bg1"/>
-              </a:solidFill>
-              <a:latin typeface="Bahnschrift SemiBold" panose="020B0502040204020203" pitchFamily="34" charset="0"/>
-            </a:endParaRPr>
           </a:p>
           <a:p>
             <a:pPr algn="ctr"/>
@@ -38005,7 +43115,7 @@
                 </a:solidFill>
                 <a:latin typeface="Bahnschrift SemiBold" panose="020B0502040204020203" pitchFamily="34" charset="0"/>
               </a:rPr>
-              <a:t>disponibilidade de aplicativos no servidor</a:t>
+              <a:t>disponibilidade de aplicativos/programas no servidor</a:t>
             </a:r>
             <a:r>
               <a:rPr lang="pt-BR" sz="1400" dirty="0" smtClean="0">
@@ -38142,7 +43252,7 @@
                 </a:solidFill>
                 <a:latin typeface="Bahnschrift SemiBold" panose="020B0502040204020203" pitchFamily="34" charset="0"/>
               </a:rPr>
-              <a:t>Eu, enquanto cliente2, quero disponibilidade de aplicativos, para não limitar o uso do meu celular</a:t>
+              <a:t>Eu, enquanto cliente2, quero disponibilidade de aplicativos, para não limitar o uso do meu celular/computador</a:t>
             </a:r>
             <a:r>
               <a:rPr lang="pt-BR" sz="2400" dirty="0" smtClean="0">
@@ -38199,12 +43309,6 @@
               </a:rPr>
               <a:t>US#0003.1</a:t>
             </a:r>
-            <a:endParaRPr lang="pt-BR" sz="1400" dirty="0" smtClean="0">
-              <a:solidFill>
-                <a:schemeClr val="bg1"/>
-              </a:solidFill>
-              <a:latin typeface="Bahnschrift SemiBold" panose="020B0502040204020203" pitchFamily="34" charset="0"/>
-            </a:endParaRPr>
           </a:p>
           <a:p>
             <a:pPr algn="ctr"/>
@@ -38251,7 +43355,25 @@
                 </a:solidFill>
                 <a:latin typeface="Bahnschrift SemiBold" panose="020B0502040204020203" pitchFamily="34" charset="0"/>
               </a:rPr>
-              <a:t>haja uma biblioteca de aplicativos</a:t>
+              <a:t>haja uma biblioteca de </a:t>
+            </a:r>
+            <a:r>
+              <a:rPr lang="pt-BR" sz="1400" u="sng" dirty="0" smtClean="0">
+                <a:solidFill>
+                  <a:schemeClr val="bg1"/>
+                </a:solidFill>
+                <a:latin typeface="Bahnschrift SemiBold" panose="020B0502040204020203" pitchFamily="34" charset="0"/>
+              </a:rPr>
+              <a:t>aplicativos/programas</a:t>
+            </a:r>
+            <a:r>
+              <a:rPr lang="pt-BR" sz="1400" dirty="0" smtClean="0">
+                <a:solidFill>
+                  <a:schemeClr val="bg1"/>
+                </a:solidFill>
+                <a:latin typeface="Bahnschrift SemiBold" panose="020B0502040204020203" pitchFamily="34" charset="0"/>
+              </a:rPr>
+              <a:t>, </a:t>
             </a:r>
             <a:r>
               <a:rPr lang="pt-BR" sz="1400" dirty="0">
@@ -38260,7 +43382,7 @@
                 </a:solidFill>
                 <a:latin typeface="Bahnschrift SemiBold" panose="020B0502040204020203" pitchFamily="34" charset="0"/>
               </a:rPr>
-              <a:t>, para </a:t>
+              <a:t>para </a:t>
             </a:r>
             <a:r>
               <a:rPr lang="pt-BR" sz="1400" u="sng" dirty="0">
@@ -38496,12 +43618,6 @@
               </a:rPr>
               <a:t>US#0003.3</a:t>
             </a:r>
-            <a:endParaRPr lang="pt-BR" sz="1400" dirty="0" smtClean="0">
-              <a:solidFill>
-                <a:schemeClr val="bg1"/>
-              </a:solidFill>
-              <a:latin typeface="Bahnschrift SemiBold" panose="020B0502040204020203" pitchFamily="34" charset="0"/>
-            </a:endParaRPr>
           </a:p>
           <a:p>
             <a:pPr algn="ctr"/>
@@ -38641,6 +43757,28 @@
           </a:fontRef>
         </p:style>
       </p:cxnSp>
+      <p:graphicFrame>
+        <p:nvGraphicFramePr>
+          <p:cNvPr id="6" name="Diagrama 5"/>
+          <p:cNvGraphicFramePr/>
+          <p:nvPr>
+            <p:extLst>
+              <p:ext uri="{D42A27DB-BD31-4B8C-83A1-F6EECF244321}">
+                <p14:modId xmlns:p14="http://schemas.microsoft.com/office/powerpoint/2010/main" val="2092029012"/>
+              </p:ext>
+            </p:extLst>
+          </p:nvPr>
+        </p:nvGraphicFramePr>
+        <p:xfrm>
+          <a:off x="1625980" y="0"/>
+          <a:ext cx="2560238" cy="2514778"/>
+        </p:xfrm>
+        <a:graphic>
+          <a:graphicData uri="http://schemas.openxmlformats.org/drawingml/2006/diagram">
+            <dgm:relIds xmlns:dgm="http://schemas.openxmlformats.org/drawingml/2006/diagram" xmlns:r="http://schemas.openxmlformats.org/officeDocument/2006/relationships" r:dm="rId3" r:lo="rId4" r:qs="rId5" r:cs="rId6"/>
+          </a:graphicData>
+        </a:graphic>
+      </p:graphicFrame>
     </p:spTree>
     <p:extLst>
       <p:ext uri="{BB962C8B-B14F-4D97-AF65-F5344CB8AC3E}">
@@ -38889,12 +44027,6 @@
               </a:rPr>
               <a:t>US#0004</a:t>
             </a:r>
-            <a:endParaRPr lang="pt-BR" sz="1600" dirty="0" smtClean="0">
-              <a:solidFill>
-                <a:schemeClr val="bg1"/>
-              </a:solidFill>
-              <a:latin typeface="Bahnschrift SemiBold" panose="020B0502040204020203" pitchFamily="34" charset="0"/>
-            </a:endParaRPr>
           </a:p>
           <a:p>
             <a:pPr algn="ctr"/>
@@ -39087,25 +44219,7 @@
                 </a:solidFill>
                 <a:latin typeface="Bahnschrift SemiBold" panose="020B0502040204020203" pitchFamily="34" charset="0"/>
               </a:rPr>
-              <a:t>Eu, enquanto cliente2, quero </a:t>
-            </a:r>
-            <a:r>
-              <a:rPr lang="pt-BR" dirty="0" smtClean="0">
-                <a:solidFill>
-                  <a:schemeClr val="bg1"/>
-                </a:solidFill>
-                <a:latin typeface="Bahnschrift SemiBold" panose="020B0502040204020203" pitchFamily="34" charset="0"/>
-              </a:rPr>
-              <a:t>ter um meio de interação com outros usuários</a:t>
-            </a:r>
-            <a:r>
-              <a:rPr lang="pt-BR" dirty="0" smtClean="0">
-                <a:solidFill>
-                  <a:schemeClr val="bg1"/>
-                </a:solidFill>
-                <a:latin typeface="Bahnschrift SemiBold" panose="020B0502040204020203" pitchFamily="34" charset="0"/>
-              </a:rPr>
-              <a:t>, para jogar com amigos ou trabalhar em conjunto</a:t>
+              <a:t>Eu, enquanto cliente2, quero ter um meio de interação com outros usuários, para jogar com amigos ou trabalhar em conjunto</a:t>
             </a:r>
             <a:r>
               <a:rPr lang="pt-BR" sz="2400" dirty="0" smtClean="0">
@@ -39162,12 +44276,6 @@
               </a:rPr>
               <a:t>US#0004.1</a:t>
             </a:r>
-            <a:endParaRPr lang="pt-BR" sz="1600" dirty="0" smtClean="0">
-              <a:solidFill>
-                <a:schemeClr val="bg1"/>
-              </a:solidFill>
-              <a:latin typeface="Bahnschrift SemiBold" panose="020B0502040204020203" pitchFamily="34" charset="0"/>
-            </a:endParaRPr>
           </a:p>
           <a:p>
             <a:pPr algn="ctr"/>
@@ -39349,6 +44457,63 @@
           </p:style>
         </p:cxnSp>
       </p:grpSp>
+      <p:sp>
+        <p:nvSpPr>
+          <p:cNvPr id="13" name="Elipse 12" descr="Mesas de trabalho | Wallpaper é ao Domingo! - FCiências"/>
+          <p:cNvSpPr/>
+          <p:nvPr/>
+        </p:nvSpPr>
+        <p:spPr>
+          <a:xfrm>
+            <a:off x="4747904" y="5493323"/>
+            <a:ext cx="2259384" cy="2259384"/>
+          </a:xfrm>
+          <a:prstGeom prst="ellipse">
+            <a:avLst/>
+          </a:prstGeom>
+          <a:blipFill>
+            <a:blip r:embed="rId8">
+              <a:extLst>
+                <a:ext uri="{28A0092B-C50C-407E-A947-70E740481C1C}">
+                  <a14:useLocalDpi xmlns:a14="http://schemas.microsoft.com/office/drawing/2010/main" val="0"/>
+                </a:ext>
+              </a:extLst>
+            </a:blip>
+            <a:srcRect/>
+            <a:stretch>
+              <a:fillRect l="-25000" r="-25000"/>
+            </a:stretch>
+          </a:blipFill>
+          <a:ln>
+            <a:noFill/>
+          </a:ln>
+        </p:spPr>
+        <p:style>
+          <a:lnRef idx="2">
+            <a:scrgbClr r="0" g="0" b="0"/>
+          </a:lnRef>
+          <a:fillRef idx="1">
+            <a:scrgbClr r="0" g="0" b="0"/>
+          </a:fillRef>
+          <a:effectRef idx="0">
+            <a:schemeClr val="accent1">
+              <a:tint val="50000"/>
+              <a:hueOff val="0"/>
+              <a:satOff val="0"/>
+              <a:lumOff val="0"/>
+              <a:alphaOff val="0"/>
+            </a:schemeClr>
+          </a:effectRef>
+          <a:fontRef idx="minor">
+            <a:schemeClr val="lt1">
+              <a:hueOff val="0"/>
+              <a:satOff val="0"/>
+              <a:lumOff val="0"/>
+              <a:alphaOff val="0"/>
+            </a:schemeClr>
+          </a:fontRef>
+        </p:style>
+      </p:sp>
     </p:spTree>
     <p:extLst>
       <p:ext uri="{BB962C8B-B14F-4D97-AF65-F5344CB8AC3E}">
@@ -40063,7 +45228,7 @@
         <p:spPr>
           <a:xfrm>
             <a:off x="923352" y="2739378"/>
-            <a:ext cx="1452196" cy="523220"/>
+            <a:ext cx="1452196" cy="738664"/>
           </a:xfrm>
           <a:prstGeom prst="rect">
             <a:avLst/>
@@ -40093,7 +45258,16 @@
               <a:rPr lang="pt-BR" sz="1400" dirty="0" smtClean="0">
                 <a:latin typeface="Bahnschrift SemiBold" panose="020B0502040204020203" pitchFamily="34" charset="0"/>
               </a:rPr>
-              <a:t>Disponibilidade dos aplicativos</a:t>
+              <a:t>Disponibilidade dos aplicativos/</a:t>
+            </a:r>
+          </a:p>
+          <a:p>
+            <a:pPr algn="ctr"/>
+            <a:r>
+              <a:rPr lang="pt-BR" sz="1400" dirty="0" smtClean="0">
+                <a:latin typeface="Bahnschrift SemiBold" panose="020B0502040204020203" pitchFamily="34" charset="0"/>
+              </a:rPr>
+              <a:t>programas</a:t>
             </a:r>
             <a:endParaRPr lang="pt-BR" sz="1400" dirty="0">
               <a:latin typeface="Bahnschrift SemiBold" panose="020B0502040204020203" pitchFamily="34" charset="0"/>
@@ -40304,7 +45478,7 @@
         <p:spPr>
           <a:xfrm>
             <a:off x="9090354" y="3088152"/>
-            <a:ext cx="1452196" cy="523220"/>
+            <a:ext cx="1452196" cy="738664"/>
           </a:xfrm>
           <a:prstGeom prst="rect">
             <a:avLst/>
@@ -40334,7 +45508,16 @@
               <a:rPr lang="pt-BR" sz="1400" dirty="0" smtClean="0">
                 <a:latin typeface="Bahnschrift SemiBold" panose="020B0502040204020203" pitchFamily="34" charset="0"/>
               </a:rPr>
-              <a:t>Aplicativo disponível</a:t>
+              <a:t>Aplicativo/</a:t>
+            </a:r>
+          </a:p>
+          <a:p>
+            <a:pPr algn="ctr"/>
+            <a:r>
+              <a:rPr lang="pt-BR" sz="1400" dirty="0" smtClean="0">
+                <a:latin typeface="Bahnschrift SemiBold" panose="020B0502040204020203" pitchFamily="34" charset="0"/>
+              </a:rPr>
+              <a:t>programa disponível</a:t>
             </a:r>
             <a:endParaRPr lang="pt-BR" sz="1400" dirty="0">
               <a:latin typeface="Bahnschrift SemiBold" panose="020B0502040204020203" pitchFamily="34" charset="0"/>
@@ -40715,8 +45898,8 @@
         </p:nvSpPr>
         <p:spPr>
           <a:xfrm>
-            <a:off x="5884537" y="3519316"/>
-            <a:ext cx="1452196" cy="307777"/>
+            <a:off x="5917085" y="3345568"/>
+            <a:ext cx="1452196" cy="523220"/>
           </a:xfrm>
           <a:prstGeom prst="rect">
             <a:avLst/>
@@ -40752,7 +45935,60 @@
               <a:rPr lang="pt-BR" sz="1400" dirty="0" err="1" smtClean="0">
                 <a:latin typeface="Bahnschrift SemiBold" panose="020B0502040204020203" pitchFamily="34" charset="0"/>
               </a:rPr>
-              <a:t>Apps</a:t>
+              <a:t>App</a:t>
+            </a:r>
+            <a:r>
+              <a:rPr lang="pt-BR" sz="1400" dirty="0" smtClean="0">
+                <a:latin typeface="Bahnschrift SemiBold" panose="020B0502040204020203" pitchFamily="34" charset="0"/>
+              </a:rPr>
+              <a:t>/programa</a:t>
+            </a:r>
+            <a:endParaRPr lang="pt-BR" sz="1400" dirty="0">
+              <a:latin typeface="Bahnschrift SemiBold" panose="020B0502040204020203" pitchFamily="34" charset="0"/>
+            </a:endParaRPr>
+          </a:p>
+        </p:txBody>
+      </p:sp>
+      <p:sp>
+        <p:nvSpPr>
+          <p:cNvPr id="45" name="CaixaDeTexto 44"/>
+          <p:cNvSpPr txBox="1"/>
+          <p:nvPr/>
+        </p:nvSpPr>
+        <p:spPr>
+          <a:xfrm>
+            <a:off x="2021519" y="5174234"/>
+            <a:ext cx="1462051" cy="738664"/>
+          </a:xfrm>
+          <a:prstGeom prst="rect">
+            <a:avLst/>
+          </a:prstGeom>
+          <a:solidFill>
+            <a:schemeClr val="accent4">
+              <a:lumMod val="60000"/>
+              <a:lumOff val="40000"/>
+            </a:schemeClr>
+          </a:solidFill>
+          <a:effectLst>
+            <a:outerShdw blurRad="63500" sx="102000" sy="102000" algn="ctr" rotWithShape="0">
+              <a:prstClr val="black">
+                <a:alpha val="40000"/>
+              </a:prstClr>
+            </a:outerShdw>
+          </a:effectLst>
+        </p:spPr>
+        <p:txBody>
+          <a:bodyPr wrap="square" rtlCol="0">
+            <a:spAutoFit/>
+          </a:bodyPr>
+          <a:lstStyle/>
+          <a:p>
+            <a:pPr algn="ctr"/>
+            <a:r>
+              <a:rPr lang="pt-BR" sz="1400" dirty="0" smtClean="0">
+                <a:latin typeface="Bahnschrift SemiBold" panose="020B0502040204020203" pitchFamily="34" charset="0"/>
+              </a:rPr>
+              <a:t>Usuários de computadores ultrapassados</a:t>
             </a:r>
             <a:endParaRPr lang="pt-BR" sz="1400" dirty="0">
               <a:latin typeface="Bahnschrift SemiBold" panose="020B0502040204020203" pitchFamily="34" charset="0"/>
@@ -40900,8 +46136,8 @@
         </p:nvSpPr>
         <p:spPr>
           <a:xfrm>
-            <a:off x="2375548" y="0"/>
-            <a:ext cx="7440904" cy="707886"/>
+            <a:off x="2375548" y="108069"/>
+            <a:ext cx="7440904" cy="523220"/>
           </a:xfrm>
           <a:prstGeom prst="rect">
             <a:avLst/>
@@ -40916,15 +46152,15 @@
           <a:p>
             <a:pPr algn="ctr"/>
             <a:r>
-              <a:rPr lang="pt-BR" sz="4000" dirty="0" smtClean="0">
+              <a:rPr lang="pt-BR" sz="2800" dirty="0" smtClean="0">
                 <a:solidFill>
                   <a:schemeClr val="bg1"/>
                 </a:solidFill>
                 <a:latin typeface="Bahnschrift SemiBold" panose="020B0502040204020203" pitchFamily="34" charset="0"/>
               </a:rPr>
-              <a:t>Disponibilidade dos aplicativos</a:t>
+              <a:t>Disponibilidade dos aplicativos/programas</a:t>
             </a:r>
-            <a:endParaRPr lang="pt-BR" sz="4000" dirty="0">
+            <a:endParaRPr lang="pt-BR" sz="2800" dirty="0">
               <a:solidFill>
                 <a:schemeClr val="bg1"/>
               </a:solidFill>
@@ -41210,7 +46446,7 @@
         </p:nvSpPr>
         <p:spPr>
           <a:xfrm>
-            <a:off x="997528" y="2082458"/>
+            <a:off x="924768" y="1887827"/>
             <a:ext cx="1189822" cy="369332"/>
           </a:xfrm>
           <a:prstGeom prst="rect">
@@ -41348,8 +46584,8 @@
         </p:nvSpPr>
         <p:spPr>
           <a:xfrm>
-            <a:off x="2155951" y="2331224"/>
-            <a:ext cx="1368880" cy="646331"/>
+            <a:off x="2289717" y="2196610"/>
+            <a:ext cx="1493401" cy="923330"/>
           </a:xfrm>
           <a:prstGeom prst="rect">
             <a:avLst/>
@@ -41379,7 +46615,7 @@
               <a:rPr lang="pt-BR" dirty="0" smtClean="0">
                 <a:latin typeface="Bahnschrift SemiBold" panose="020B0502040204020203" pitchFamily="34" charset="0"/>
               </a:rPr>
-              <a:t>Aplicativos existentes</a:t>
+              <a:t>Aplicativos/programas existentes</a:t>
             </a:r>
             <a:endParaRPr lang="pt-BR" dirty="0">
               <a:latin typeface="Bahnschrift SemiBold" panose="020B0502040204020203" pitchFamily="34" charset="0"/>
@@ -41396,7 +46632,7 @@
         <p:spPr>
           <a:xfrm>
             <a:off x="6096000" y="4811252"/>
-            <a:ext cx="1368880" cy="1200329"/>
+            <a:ext cx="1295008" cy="1477328"/>
           </a:xfrm>
           <a:prstGeom prst="rect">
             <a:avLst/>
@@ -41423,7 +46659,7 @@
               <a:rPr lang="pt-BR" dirty="0" smtClean="0">
                 <a:latin typeface="Bahnschrift SemiBold" panose="020B0502040204020203" pitchFamily="34" charset="0"/>
               </a:rPr>
-              <a:t>Biblioteca do cliente com aplicativo</a:t>
+              <a:t>Biblioteca do cliente com aplicativo/programa</a:t>
             </a:r>
             <a:endParaRPr lang="pt-BR" dirty="0">
               <a:latin typeface="Bahnschrift SemiBold" panose="020B0502040204020203" pitchFamily="34" charset="0"/>
@@ -41439,8 +46675,8 @@
         </p:nvSpPr>
         <p:spPr>
           <a:xfrm>
-            <a:off x="5142542" y="3253085"/>
-            <a:ext cx="1368880" cy="923330"/>
+            <a:off x="5884889" y="3070439"/>
+            <a:ext cx="1368880" cy="1200329"/>
           </a:xfrm>
           <a:prstGeom prst="rect">
             <a:avLst/>
@@ -41470,7 +46706,7 @@
               <a:rPr lang="pt-BR" dirty="0" smtClean="0">
                 <a:latin typeface="Bahnschrift SemiBold" panose="020B0502040204020203" pitchFamily="34" charset="0"/>
               </a:rPr>
-              <a:t>Aplicativo presente no servidor</a:t>
+              <a:t>Aplicativo/programa presente no servidor</a:t>
             </a:r>
             <a:endParaRPr lang="pt-BR" dirty="0">
               <a:latin typeface="Bahnschrift SemiBold" panose="020B0502040204020203" pitchFamily="34" charset="0"/>
@@ -41637,7 +46873,7 @@
         <p:spPr>
           <a:xfrm>
             <a:off x="9229491" y="3816887"/>
-            <a:ext cx="1583657" cy="923330"/>
+            <a:ext cx="1701745" cy="923330"/>
           </a:xfrm>
           <a:prstGeom prst="rect">
             <a:avLst/>
@@ -41673,7 +46909,7 @@
               <a:rPr lang="pt-BR" dirty="0" smtClean="0">
                 <a:latin typeface="Bahnschrift SemiBold" panose="020B0502040204020203" pitchFamily="34" charset="0"/>
               </a:rPr>
-              <a:t> disponível no servidor</a:t>
+              <a:t>/programa disponível no servidor</a:t>
             </a:r>
             <a:endParaRPr lang="pt-BR" dirty="0">
               <a:latin typeface="Bahnschrift SemiBold" panose="020B0502040204020203" pitchFamily="34" charset="0"/>
@@ -41689,8 +46925,8 @@
         </p:nvSpPr>
         <p:spPr>
           <a:xfrm>
-            <a:off x="650141" y="2727004"/>
-            <a:ext cx="1505810" cy="646331"/>
+            <a:off x="534380" y="2471296"/>
+            <a:ext cx="1386599" cy="923330"/>
           </a:xfrm>
           <a:prstGeom prst="rect">
             <a:avLst/>
@@ -41717,7 +46953,7 @@
               <a:rPr lang="pt-BR" dirty="0" smtClean="0">
                 <a:latin typeface="Bahnschrift SemiBold" panose="020B0502040204020203" pitchFamily="34" charset="0"/>
               </a:rPr>
-              <a:t>Aplicativo adquirido</a:t>
+              <a:t>Aplicativo/programas adquirido</a:t>
             </a:r>
             <a:endParaRPr lang="pt-BR" dirty="0">
               <a:latin typeface="Bahnschrift SemiBold" panose="020B0502040204020203" pitchFamily="34" charset="0"/>
@@ -41733,8 +46969,8 @@
         </p:nvSpPr>
         <p:spPr>
           <a:xfrm>
-            <a:off x="4659331" y="4488086"/>
-            <a:ext cx="1532942" cy="646331"/>
+            <a:off x="4613195" y="4429399"/>
+            <a:ext cx="1532942" cy="923330"/>
           </a:xfrm>
           <a:prstGeom prst="rect">
             <a:avLst/>
@@ -41773,7 +47009,7 @@
               <a:rPr lang="pt-BR" dirty="0" smtClean="0">
                 <a:latin typeface="Bahnschrift SemiBold" panose="020B0502040204020203" pitchFamily="34" charset="0"/>
               </a:rPr>
-              <a:t>)</a:t>
+              <a:t>/programas)</a:t>
             </a:r>
             <a:endParaRPr lang="pt-BR" dirty="0">
               <a:latin typeface="Bahnschrift SemiBold" panose="020B0502040204020203" pitchFamily="34" charset="0"/>
@@ -41790,7 +47026,7 @@
         <p:spPr>
           <a:xfrm>
             <a:off x="9208874" y="5006917"/>
-            <a:ext cx="1583657" cy="923330"/>
+            <a:ext cx="1722362" cy="923330"/>
           </a:xfrm>
           <a:prstGeom prst="rect">
             <a:avLst/>
@@ -41823,7 +47059,7 @@
               <a:rPr lang="pt-BR" dirty="0" smtClean="0">
                 <a:latin typeface="Bahnschrift SemiBold" panose="020B0502040204020203" pitchFamily="34" charset="0"/>
               </a:rPr>
-              <a:t> disponível para usuário</a:t>
+              <a:t>/programa disponível para usuário</a:t>
             </a:r>
             <a:endParaRPr lang="pt-BR" dirty="0">
               <a:latin typeface="Bahnschrift SemiBold" panose="020B0502040204020203" pitchFamily="34" charset="0"/>
@@ -41917,6 +47153,53 @@
               <a:t>Variedade</a:t>
             </a:r>
             <a:endParaRPr lang="pt-BR" dirty="0">
+              <a:latin typeface="Bahnschrift SemiBold" panose="020B0502040204020203" pitchFamily="34" charset="0"/>
+            </a:endParaRPr>
+          </a:p>
+        </p:txBody>
+      </p:sp>
+      <p:sp>
+        <p:nvSpPr>
+          <p:cNvPr id="29" name="CaixaDeTexto 28"/>
+          <p:cNvSpPr txBox="1"/>
+          <p:nvPr/>
+        </p:nvSpPr>
+        <p:spPr>
+          <a:xfrm>
+            <a:off x="2021519" y="5174234"/>
+            <a:ext cx="1462051" cy="738664"/>
+          </a:xfrm>
+          <a:prstGeom prst="rect">
+            <a:avLst/>
+          </a:prstGeom>
+          <a:solidFill>
+            <a:schemeClr val="accent4">
+              <a:lumMod val="60000"/>
+              <a:lumOff val="40000"/>
+            </a:schemeClr>
+          </a:solidFill>
+          <a:effectLst>
+            <a:outerShdw blurRad="63500" sx="102000" sy="102000" algn="ctr" rotWithShape="0">
+              <a:prstClr val="black">
+                <a:alpha val="40000"/>
+              </a:prstClr>
+            </a:outerShdw>
+          </a:effectLst>
+        </p:spPr>
+        <p:txBody>
+          <a:bodyPr wrap="square" rtlCol="0">
+            <a:spAutoFit/>
+          </a:bodyPr>
+          <a:lstStyle/>
+          <a:p>
+            <a:pPr algn="ctr"/>
+            <a:r>
+              <a:rPr lang="pt-BR" sz="1400" dirty="0" smtClean="0">
+                <a:latin typeface="Bahnschrift SemiBold" panose="020B0502040204020203" pitchFamily="34" charset="0"/>
+              </a:rPr>
+              <a:t>Usuários de computadores ultrapassados</a:t>
+            </a:r>
+            <a:endParaRPr lang="pt-BR" sz="1400" dirty="0">
               <a:latin typeface="Bahnschrift SemiBold" panose="020B0502040204020203" pitchFamily="34" charset="0"/>
             </a:endParaRPr>
           </a:p>
@@ -42418,8 +47701,8 @@
         </p:nvSpPr>
         <p:spPr>
           <a:xfrm>
-            <a:off x="5374505" y="1792445"/>
-            <a:ext cx="1189822" cy="923330"/>
+            <a:off x="5374504" y="1792445"/>
+            <a:ext cx="1342179" cy="1200329"/>
           </a:xfrm>
           <a:prstGeom prst="rect">
             <a:avLst/>
@@ -42448,7 +47731,7 @@
               <a:rPr lang="pt-BR" dirty="0" smtClean="0">
                 <a:latin typeface="Bahnschrift SemiBold" panose="020B0502040204020203" pitchFamily="34" charset="0"/>
               </a:rPr>
-              <a:t>Servidor com aplicativo</a:t>
+              <a:t>Servidor com aplicativo/programa</a:t>
             </a:r>
             <a:endParaRPr lang="pt-BR" dirty="0">
               <a:latin typeface="Bahnschrift SemiBold" panose="020B0502040204020203" pitchFamily="34" charset="0"/>
@@ -42562,7 +47845,7 @@
         <p:spPr>
           <a:xfrm>
             <a:off x="8344630" y="2027464"/>
-            <a:ext cx="2077664" cy="923330"/>
+            <a:ext cx="2077664" cy="1200329"/>
           </a:xfrm>
           <a:prstGeom prst="rect">
             <a:avLst/>
@@ -42591,7 +47874,7 @@
               <a:rPr lang="pt-BR" dirty="0" smtClean="0">
                 <a:latin typeface="Bahnschrift SemiBold" panose="020B0502040204020203" pitchFamily="34" charset="0"/>
               </a:rPr>
-              <a:t>Comunicação entre dispositivo e aplicativo(</a:t>
+              <a:t>Comunicação entre dispositivo e aplicativo/programa(</a:t>
             </a:r>
             <a:r>
               <a:rPr lang="pt-BR" dirty="0" err="1" smtClean="0">
@@ -42811,7 +48094,7 @@
         <p:spPr>
           <a:xfrm>
             <a:off x="8554975" y="4740626"/>
-            <a:ext cx="1505810" cy="646331"/>
+            <a:ext cx="1391458" cy="923330"/>
           </a:xfrm>
           <a:prstGeom prst="rect">
             <a:avLst/>
@@ -42838,9 +48121,56 @@
               <a:rPr lang="pt-BR" dirty="0" smtClean="0">
                 <a:latin typeface="Bahnschrift SemiBold" panose="020B0502040204020203" pitchFamily="34" charset="0"/>
               </a:rPr>
-              <a:t>Aplicativo usável</a:t>
+              <a:t>Aplicativo/programa usável</a:t>
             </a:r>
             <a:endParaRPr lang="pt-BR" dirty="0">
+              <a:latin typeface="Bahnschrift SemiBold" panose="020B0502040204020203" pitchFamily="34" charset="0"/>
+            </a:endParaRPr>
+          </a:p>
+        </p:txBody>
+      </p:sp>
+      <p:sp>
+        <p:nvSpPr>
+          <p:cNvPr id="25" name="CaixaDeTexto 24"/>
+          <p:cNvSpPr txBox="1"/>
+          <p:nvPr/>
+        </p:nvSpPr>
+        <p:spPr>
+          <a:xfrm>
+            <a:off x="2021519" y="5174234"/>
+            <a:ext cx="1462051" cy="738664"/>
+          </a:xfrm>
+          <a:prstGeom prst="rect">
+            <a:avLst/>
+          </a:prstGeom>
+          <a:solidFill>
+            <a:schemeClr val="accent4">
+              <a:lumMod val="60000"/>
+              <a:lumOff val="40000"/>
+            </a:schemeClr>
+          </a:solidFill>
+          <a:effectLst>
+            <a:outerShdw blurRad="63500" sx="102000" sy="102000" algn="ctr" rotWithShape="0">
+              <a:prstClr val="black">
+                <a:alpha val="40000"/>
+              </a:prstClr>
+            </a:outerShdw>
+          </a:effectLst>
+        </p:spPr>
+        <p:txBody>
+          <a:bodyPr wrap="square" rtlCol="0">
+            <a:spAutoFit/>
+          </a:bodyPr>
+          <a:lstStyle/>
+          <a:p>
+            <a:pPr algn="ctr"/>
+            <a:r>
+              <a:rPr lang="pt-BR" sz="1400" dirty="0" smtClean="0">
+                <a:latin typeface="Bahnschrift SemiBold" panose="020B0502040204020203" pitchFamily="34" charset="0"/>
+              </a:rPr>
+              <a:t>Usuários de computadores ultrapassados</a:t>
+            </a:r>
+            <a:endParaRPr lang="pt-BR" sz="1400" dirty="0">
               <a:latin typeface="Bahnschrift SemiBold" panose="020B0502040204020203" pitchFamily="34" charset="0"/>
             </a:endParaRPr>
           </a:p>
